--- a/1.开题/开题报告.pptx
+++ b/1.开题/开题报告.pptx
@@ -5,56 +5,56 @@
     <p:sldMasterId id="2147483648" r:id="rId1"/>
   </p:sldMasterIdLst>
   <p:notesMasterIdLst>
-    <p:notesMasterId r:id="rId26"/>
+    <p:notesMasterId r:id="rId13"/>
   </p:notesMasterIdLst>
   <p:sldIdLst>
-    <p:sldId id="256" r:id="rId2"/>
-    <p:sldId id="444" r:id="rId3"/>
-    <p:sldId id="588" r:id="rId4"/>
-    <p:sldId id="590" r:id="rId5"/>
-    <p:sldId id="591" r:id="rId6"/>
-    <p:sldId id="613" r:id="rId7"/>
-    <p:sldId id="614" r:id="rId8"/>
-    <p:sldId id="615" r:id="rId9"/>
-    <p:sldId id="593" r:id="rId10"/>
-    <p:sldId id="434" r:id="rId11"/>
-    <p:sldId id="598" r:id="rId12"/>
-    <p:sldId id="436" r:id="rId13"/>
-    <p:sldId id="461" r:id="rId14"/>
-    <p:sldId id="577" r:id="rId15"/>
-    <p:sldId id="616" r:id="rId16"/>
-    <p:sldId id="579" r:id="rId17"/>
-    <p:sldId id="596" r:id="rId18"/>
-    <p:sldId id="633" r:id="rId19"/>
-    <p:sldId id="582" r:id="rId20"/>
-    <p:sldId id="583" r:id="rId21"/>
-    <p:sldId id="587" r:id="rId22"/>
-    <p:sldId id="585" r:id="rId23"/>
-    <p:sldId id="586" r:id="rId24"/>
-    <p:sldId id="561" r:id="rId25"/>
+    <p:sldId id="256" r:id="rId3"/>
+    <p:sldId id="444" r:id="rId4"/>
+    <p:sldId id="588" r:id="rId5"/>
+    <p:sldId id="590" r:id="rId6"/>
+    <p:sldId id="591" r:id="rId7"/>
+    <p:sldId id="613" r:id="rId8"/>
+    <p:sldId id="614" r:id="rId9"/>
+    <p:sldId id="615" r:id="rId10"/>
+    <p:sldId id="593" r:id="rId11"/>
+    <p:sldId id="434" r:id="rId12"/>
+    <p:sldId id="598" r:id="rId14"/>
+    <p:sldId id="436" r:id="rId15"/>
+    <p:sldId id="461" r:id="rId16"/>
+    <p:sldId id="577" r:id="rId17"/>
+    <p:sldId id="616" r:id="rId18"/>
+    <p:sldId id="579" r:id="rId19"/>
+    <p:sldId id="596" r:id="rId20"/>
+    <p:sldId id="633" r:id="rId21"/>
+    <p:sldId id="582" r:id="rId22"/>
+    <p:sldId id="583" r:id="rId23"/>
+    <p:sldId id="587" r:id="rId24"/>
+    <p:sldId id="585" r:id="rId25"/>
+    <p:sldId id="586" r:id="rId26"/>
+    <p:sldId id="561" r:id="rId27"/>
   </p:sldIdLst>
   <p:sldSz cx="9144000" cy="6858000" type="screen4x3"/>
   <p:notesSz cx="6858000" cy="9144000"/>
   <p:embeddedFontLst>
     <p:embeddedFont>
       <p:font typeface="Calibri" panose="020F0502020204030204" pitchFamily="34" charset="0"/>
-      <p:regular r:id="rId27"/>
-      <p:bold r:id="rId28"/>
-      <p:italic r:id="rId29"/>
-      <p:boldItalic r:id="rId30"/>
+      <p:regular r:id="rId31"/>
+      <p:bold r:id="rId32"/>
+      <p:italic r:id="rId33"/>
+      <p:boldItalic r:id="rId34"/>
     </p:embeddedFont>
     <p:embeddedFont>
       <p:font typeface="Cambria Math" panose="02040503050406030204" pitchFamily="18" charset="0"/>
-      <p:regular r:id="rId31"/>
+      <p:regular r:id="rId35"/>
     </p:embeddedFont>
     <p:embeddedFont>
       <p:font typeface="黑体" panose="02010609060101010101" pitchFamily="49" charset="-122"/>
-      <p:regular r:id="rId32"/>
+      <p:regular r:id="rId36"/>
     </p:embeddedFont>
     <p:embeddedFont>
       <p:font typeface="微软雅黑" panose="020B0503020204020204" pitchFamily="34" charset="-122"/>
-      <p:regular r:id="rId33"/>
-      <p:bold r:id="rId34"/>
+      <p:regular r:id="rId37"/>
+      <p:bold r:id="rId38"/>
     </p:embeddedFont>
   </p:embeddedFontLst>
   <p:defaultTextStyle>
@@ -71,12 +71,12 @@
       <a:spcAft>
         <a:spcPct val="0"/>
       </a:spcAft>
-      <a:buFont typeface="Arial" panose="020B0604020202020204" pitchFamily="34" charset="0"/>
+      <a:buFont typeface="Arial" panose="02080604020202020204" pitchFamily="34" charset="0"/>
       <a:defRPr kern="1200" baseline="0">
         <a:solidFill>
           <a:schemeClr val="tx1"/>
         </a:solidFill>
-        <a:ea typeface="宋体" panose="02010600030101010101" pitchFamily="2" charset="-122"/>
+        <a:ea typeface="宋体" pitchFamily="2" charset="-122"/>
         <a:cs typeface="+mn-cs"/>
       </a:defRPr>
     </a:lvl1pPr>
@@ -90,12 +90,12 @@
       <a:spcAft>
         <a:spcPct val="0"/>
       </a:spcAft>
-      <a:buFont typeface="Arial" panose="020B0604020202020204" pitchFamily="34" charset="0"/>
+      <a:buFont typeface="Arial" panose="02080604020202020204" pitchFamily="34" charset="0"/>
       <a:defRPr sz="1800" kern="1200" baseline="0">
         <a:solidFill>
           <a:schemeClr val="tx1"/>
         </a:solidFill>
-        <a:ea typeface="宋体" panose="02010600030101010101" pitchFamily="2" charset="-122"/>
+        <a:ea typeface="宋体" pitchFamily="2" charset="-122"/>
         <a:cs typeface="+mn-cs"/>
       </a:defRPr>
     </a:lvl2pPr>
@@ -109,12 +109,12 @@
       <a:spcAft>
         <a:spcPct val="0"/>
       </a:spcAft>
-      <a:buFont typeface="Arial" panose="020B0604020202020204" pitchFamily="34" charset="0"/>
+      <a:buFont typeface="Arial" panose="02080604020202020204" pitchFamily="34" charset="0"/>
       <a:defRPr sz="1800" kern="1200" baseline="0">
         <a:solidFill>
           <a:schemeClr val="tx1"/>
         </a:solidFill>
-        <a:ea typeface="宋体" panose="02010600030101010101" pitchFamily="2" charset="-122"/>
+        <a:ea typeface="宋体" pitchFamily="2" charset="-122"/>
         <a:cs typeface="+mn-cs"/>
       </a:defRPr>
     </a:lvl3pPr>
@@ -128,12 +128,12 @@
       <a:spcAft>
         <a:spcPct val="0"/>
       </a:spcAft>
-      <a:buFont typeface="Arial" panose="020B0604020202020204" pitchFamily="34" charset="0"/>
+      <a:buFont typeface="Arial" panose="02080604020202020204" pitchFamily="34" charset="0"/>
       <a:defRPr sz="1800" kern="1200" baseline="0">
         <a:solidFill>
           <a:schemeClr val="tx1"/>
         </a:solidFill>
-        <a:ea typeface="宋体" panose="02010600030101010101" pitchFamily="2" charset="-122"/>
+        <a:ea typeface="宋体" pitchFamily="2" charset="-122"/>
         <a:cs typeface="+mn-cs"/>
       </a:defRPr>
     </a:lvl4pPr>
@@ -147,12 +147,12 @@
       <a:spcAft>
         <a:spcPct val="0"/>
       </a:spcAft>
-      <a:buFont typeface="Arial" panose="020B0604020202020204" pitchFamily="34" charset="0"/>
+      <a:buFont typeface="Arial" panose="02080604020202020204" pitchFamily="34" charset="0"/>
       <a:defRPr sz="1800" kern="1200" baseline="0">
         <a:solidFill>
           <a:schemeClr val="tx1"/>
         </a:solidFill>
-        <a:ea typeface="宋体" panose="02010600030101010101" pitchFamily="2" charset="-122"/>
+        <a:ea typeface="宋体" pitchFamily="2" charset="-122"/>
         <a:cs typeface="+mn-cs"/>
       </a:defRPr>
     </a:lvl5pPr>
@@ -166,12 +166,12 @@
       <a:spcAft>
         <a:spcPct val="0"/>
       </a:spcAft>
-      <a:buFont typeface="Arial" panose="020B0604020202020204" pitchFamily="34" charset="0"/>
+      <a:buFont typeface="Arial" panose="02080604020202020204" pitchFamily="34" charset="0"/>
       <a:defRPr sz="1800" kern="1200" baseline="0">
         <a:solidFill>
           <a:schemeClr val="tx1"/>
         </a:solidFill>
-        <a:ea typeface="宋体" panose="02010600030101010101" pitchFamily="2" charset="-122"/>
+        <a:ea typeface="宋体" pitchFamily="2" charset="-122"/>
         <a:cs typeface="+mn-cs"/>
       </a:defRPr>
     </a:lvl6pPr>
@@ -185,12 +185,12 @@
       <a:spcAft>
         <a:spcPct val="0"/>
       </a:spcAft>
-      <a:buFont typeface="Arial" panose="020B0604020202020204" pitchFamily="34" charset="0"/>
+      <a:buFont typeface="Arial" panose="02080604020202020204" pitchFamily="34" charset="0"/>
       <a:defRPr sz="1800" kern="1200" baseline="0">
         <a:solidFill>
           <a:schemeClr val="tx1"/>
         </a:solidFill>
-        <a:ea typeface="宋体" panose="02010600030101010101" pitchFamily="2" charset="-122"/>
+        <a:ea typeface="宋体" pitchFamily="2" charset="-122"/>
         <a:cs typeface="+mn-cs"/>
       </a:defRPr>
     </a:lvl7pPr>
@@ -204,12 +204,12 @@
       <a:spcAft>
         <a:spcPct val="0"/>
       </a:spcAft>
-      <a:buFont typeface="Arial" panose="020B0604020202020204" pitchFamily="34" charset="0"/>
+      <a:buFont typeface="Arial" panose="02080604020202020204" pitchFamily="34" charset="0"/>
       <a:defRPr sz="1800" kern="1200" baseline="0">
         <a:solidFill>
           <a:schemeClr val="tx1"/>
         </a:solidFill>
-        <a:ea typeface="宋体" panose="02010600030101010101" pitchFamily="2" charset="-122"/>
+        <a:ea typeface="宋体" pitchFamily="2" charset="-122"/>
         <a:cs typeface="+mn-cs"/>
       </a:defRPr>
     </a:lvl8pPr>
@@ -223,32 +223,16 @@
       <a:spcAft>
         <a:spcPct val="0"/>
       </a:spcAft>
-      <a:buFont typeface="Arial" panose="020B0604020202020204" pitchFamily="34" charset="0"/>
+      <a:buFont typeface="Arial" panose="02080604020202020204" pitchFamily="34" charset="0"/>
       <a:defRPr sz="1800" kern="1200" baseline="0">
         <a:solidFill>
           <a:schemeClr val="tx1"/>
         </a:solidFill>
-        <a:ea typeface="宋体" panose="02010600030101010101" pitchFamily="2" charset="-122"/>
+        <a:ea typeface="宋体" pitchFamily="2" charset="-122"/>
         <a:cs typeface="+mn-cs"/>
       </a:defRPr>
     </a:lvl9pPr>
   </p:defaultTextStyle>
-  <p:extLst>
-    <p:ext uri="{EFAFB233-063F-42B5-8137-9DF3F51BA10A}">
-      <p15:sldGuideLst xmlns:p15="http://schemas.microsoft.com/office/powerpoint/2012/main">
-        <p15:guide id="1" orient="horz" pos="2197">
-          <p15:clr>
-            <a:srgbClr val="A4A3A4"/>
-          </p15:clr>
-        </p15:guide>
-        <p15:guide id="2" pos="2880">
-          <p15:clr>
-            <a:srgbClr val="A4A3A4"/>
-          </p15:clr>
-        </p15:guide>
-      </p15:sldGuideLst>
-    </p:ext>
-  </p:extLst>
 </p:presentation>
 </file>
 
@@ -308,7 +292,7 @@
           <a:p>
             <a:pPr lvl="0" algn="l"/>
             <a:endParaRPr sz="1200">
-              <a:ea typeface="宋体" panose="02010600030101010101" pitchFamily="2" charset="-122"/>
+              <a:ea typeface="宋体" pitchFamily="2" charset="-122"/>
             </a:endParaRPr>
           </a:p>
         </p:txBody>
@@ -343,12 +327,11 @@
             <a:pPr lvl="0" algn="r"/>
             <a:fld id="{BB962C8B-B14F-4D97-AF65-F5344CB8AC3E}" type="datetime1">
               <a:rPr lang="zh-CN" altLang="en-US" dirty="0">
-                <a:ea typeface="宋体" panose="02010600030101010101" pitchFamily="2" charset="-122"/>
-              </a:rPr>
-              <a:t>2021/11/27</a:t>
+                <a:ea typeface="宋体" pitchFamily="2" charset="-122"/>
+              </a:rPr>
             </a:fld>
             <a:endParaRPr lang="zh-CN" altLang="en-US" sz="1200" dirty="0">
-              <a:ea typeface="宋体" panose="02010600030101010101" pitchFamily="2" charset="-122"/>
+              <a:ea typeface="宋体" pitchFamily="2" charset="-122"/>
             </a:endParaRPr>
           </a:p>
         </p:txBody>
@@ -407,6 +390,7 @@
               <a:rPr lang="zh-CN" altLang="en-US"/>
               <a:t>单击此处编辑母版文本样式</a:t>
             </a:r>
+            <a:endParaRPr lang="zh-CN" altLang="en-US"/>
           </a:p>
           <a:p>
             <a:pPr lvl="1"/>
@@ -414,6 +398,7 @@
               <a:rPr lang="zh-CN" altLang="en-US"/>
               <a:t>第二级</a:t>
             </a:r>
+            <a:endParaRPr lang="zh-CN" altLang="en-US"/>
           </a:p>
           <a:p>
             <a:pPr lvl="2"/>
@@ -421,6 +406,7 @@
               <a:rPr lang="zh-CN" altLang="en-US"/>
               <a:t>第三级</a:t>
             </a:r>
+            <a:endParaRPr lang="zh-CN" altLang="en-US"/>
           </a:p>
           <a:p>
             <a:pPr lvl="3"/>
@@ -428,6 +414,7 @@
               <a:rPr lang="zh-CN" altLang="en-US"/>
               <a:t>第四级</a:t>
             </a:r>
+            <a:endParaRPr lang="zh-CN" altLang="en-US"/>
           </a:p>
           <a:p>
             <a:pPr lvl="4"/>
@@ -435,6 +422,7 @@
               <a:rPr lang="zh-CN" altLang="en-US"/>
               <a:t>第五级</a:t>
             </a:r>
+            <a:endParaRPr lang="zh-CN" altLang="en-US"/>
           </a:p>
         </p:txBody>
       </p:sp>
@@ -467,7 +455,7 @@
           <a:p>
             <a:pPr lvl="0" algn="l"/>
             <a:endParaRPr sz="1200">
-              <a:ea typeface="宋体" panose="02010600030101010101" pitchFamily="2" charset="-122"/>
+              <a:ea typeface="宋体" pitchFamily="2" charset="-122"/>
             </a:endParaRPr>
           </a:p>
         </p:txBody>
@@ -502,12 +490,11 @@
             <a:pPr lvl="0" algn="r"/>
             <a:fld id="{9A0DB2DC-4C9A-4742-B13C-FB6460FD3503}" type="slidenum">
               <a:rPr lang="zh-CN" altLang="en-US" dirty="0">
-                <a:ea typeface="宋体" panose="02010600030101010101" pitchFamily="2" charset="-122"/>
-              </a:rPr>
-              <a:t>‹#›</a:t>
+                <a:ea typeface="宋体" pitchFamily="2" charset="-122"/>
+              </a:rPr>
             </a:fld>
             <a:endParaRPr lang="zh-CN" altLang="en-US" sz="1200" dirty="0">
-              <a:ea typeface="宋体" panose="02010600030101010101" pitchFamily="2" charset="-122"/>
+              <a:ea typeface="宋体" pitchFamily="2" charset="-122"/>
             </a:endParaRPr>
           </a:p>
         </p:txBody>
@@ -622,12 +609,11 @@
             <a:pPr lvl="0" algn="r"/>
             <a:fld id="{9A0DB2DC-4C9A-4742-B13C-FB6460FD3503}" type="slidenum">
               <a:rPr lang="zh-CN" altLang="en-US" smtClean="0">
-                <a:ea typeface="宋体" panose="02010600030101010101" pitchFamily="2" charset="-122"/>
-              </a:rPr>
-              <a:t>10</a:t>
+                <a:ea typeface="宋体" pitchFamily="2" charset="-122"/>
+              </a:rPr>
             </a:fld>
             <a:endParaRPr lang="zh-CN" altLang="en-US" sz="1200" dirty="0">
-              <a:ea typeface="宋体" panose="02010600030101010101" pitchFamily="2" charset="-122"/>
+              <a:ea typeface="宋体" pitchFamily="2" charset="-122"/>
             </a:endParaRPr>
           </a:p>
         </p:txBody>
@@ -687,12 +673,11 @@
             <a:pPr lvl="0" algn="r"/>
             <a:fld id="{9A0DB2DC-4C9A-4742-B13C-FB6460FD3503}" type="slidenum">
               <a:rPr lang="zh-CN" altLang="en-US" dirty="0">
-                <a:ea typeface="宋体" panose="02010600030101010101" pitchFamily="2" charset="-122"/>
-              </a:rPr>
-              <a:t>21</a:t>
+                <a:ea typeface="宋体" pitchFamily="2" charset="-122"/>
+              </a:rPr>
             </a:fld>
             <a:endParaRPr lang="zh-CN" altLang="en-US" sz="1200" dirty="0">
-              <a:ea typeface="宋体" panose="02010600030101010101" pitchFamily="2" charset="-122"/>
+              <a:ea typeface="宋体" pitchFamily="2" charset="-122"/>
             </a:endParaRPr>
           </a:p>
         </p:txBody>
@@ -779,12 +764,11 @@
             <a:pPr lvl="0" algn="r"/>
             <a:fld id="{9A0DB2DC-4C9A-4742-B13C-FB6460FD3503}" type="slidenum">
               <a:rPr lang="zh-CN" altLang="en-US" dirty="0">
-                <a:ea typeface="宋体" panose="02010600030101010101" pitchFamily="2" charset="-122"/>
-              </a:rPr>
-              <a:t>22</a:t>
+                <a:ea typeface="宋体" pitchFamily="2" charset="-122"/>
+              </a:rPr>
             </a:fld>
             <a:endParaRPr lang="zh-CN" altLang="en-US" sz="1200" dirty="0">
-              <a:ea typeface="宋体" panose="02010600030101010101" pitchFamily="2" charset="-122"/>
+              <a:ea typeface="宋体" pitchFamily="2" charset="-122"/>
             </a:endParaRPr>
           </a:p>
         </p:txBody>
@@ -871,12 +855,11 @@
             <a:pPr lvl="0" algn="r"/>
             <a:fld id="{9A0DB2DC-4C9A-4742-B13C-FB6460FD3503}" type="slidenum">
               <a:rPr lang="zh-CN" altLang="en-US" dirty="0">
-                <a:ea typeface="宋体" panose="02010600030101010101" pitchFamily="2" charset="-122"/>
-              </a:rPr>
-              <a:t>23</a:t>
+                <a:ea typeface="宋体" pitchFamily="2" charset="-122"/>
+              </a:rPr>
             </a:fld>
             <a:endParaRPr lang="zh-CN" altLang="en-US" sz="1200" dirty="0">
-              <a:ea typeface="宋体" panose="02010600030101010101" pitchFamily="2" charset="-122"/>
+              <a:ea typeface="宋体" pitchFamily="2" charset="-122"/>
             </a:endParaRPr>
           </a:p>
         </p:txBody>
@@ -963,12 +946,11 @@
             <a:pPr lvl="0" algn="r"/>
             <a:fld id="{9A0DB2DC-4C9A-4742-B13C-FB6460FD3503}" type="slidenum">
               <a:rPr lang="zh-CN" altLang="en-US" dirty="0">
-                <a:ea typeface="宋体" panose="02010600030101010101" pitchFamily="2" charset="-122"/>
-              </a:rPr>
-              <a:t>12</a:t>
+                <a:ea typeface="宋体" pitchFamily="2" charset="-122"/>
+              </a:rPr>
             </a:fld>
             <a:endParaRPr lang="zh-CN" altLang="en-US" sz="1200" dirty="0">
-              <a:ea typeface="宋体" panose="02010600030101010101" pitchFamily="2" charset="-122"/>
+              <a:ea typeface="宋体" pitchFamily="2" charset="-122"/>
             </a:endParaRPr>
           </a:p>
         </p:txBody>
@@ -1055,12 +1037,11 @@
             <a:pPr lvl="0" algn="r"/>
             <a:fld id="{9A0DB2DC-4C9A-4742-B13C-FB6460FD3503}" type="slidenum">
               <a:rPr lang="zh-CN" altLang="en-US" dirty="0">
-                <a:ea typeface="宋体" panose="02010600030101010101" pitchFamily="2" charset="-122"/>
-              </a:rPr>
-              <a:t>14</a:t>
+                <a:ea typeface="宋体" pitchFamily="2" charset="-122"/>
+              </a:rPr>
             </a:fld>
             <a:endParaRPr lang="zh-CN" altLang="en-US" sz="1200" dirty="0">
-              <a:ea typeface="宋体" panose="02010600030101010101" pitchFamily="2" charset="-122"/>
+              <a:ea typeface="宋体" pitchFamily="2" charset="-122"/>
             </a:endParaRPr>
           </a:p>
         </p:txBody>
@@ -1147,12 +1128,11 @@
             <a:pPr lvl="0" algn="r"/>
             <a:fld id="{9A0DB2DC-4C9A-4742-B13C-FB6460FD3503}" type="slidenum">
               <a:rPr lang="zh-CN" altLang="en-US" dirty="0">
-                <a:ea typeface="宋体" panose="02010600030101010101" pitchFamily="2" charset="-122"/>
-              </a:rPr>
-              <a:t>15</a:t>
+                <a:ea typeface="宋体" pitchFamily="2" charset="-122"/>
+              </a:rPr>
             </a:fld>
             <a:endParaRPr lang="zh-CN" altLang="en-US" sz="1200" dirty="0">
-              <a:ea typeface="宋体" panose="02010600030101010101" pitchFamily="2" charset="-122"/>
+              <a:ea typeface="宋体" pitchFamily="2" charset="-122"/>
             </a:endParaRPr>
           </a:p>
         </p:txBody>
@@ -1239,12 +1219,11 @@
             <a:pPr lvl="0" algn="r"/>
             <a:fld id="{9A0DB2DC-4C9A-4742-B13C-FB6460FD3503}" type="slidenum">
               <a:rPr lang="zh-CN" altLang="en-US" dirty="0">
-                <a:ea typeface="宋体" panose="02010600030101010101" pitchFamily="2" charset="-122"/>
-              </a:rPr>
-              <a:t>16</a:t>
+                <a:ea typeface="宋体" pitchFamily="2" charset="-122"/>
+              </a:rPr>
             </a:fld>
             <a:endParaRPr lang="zh-CN" altLang="en-US" sz="1200" dirty="0">
-              <a:ea typeface="宋体" panose="02010600030101010101" pitchFamily="2" charset="-122"/>
+              <a:ea typeface="宋体" pitchFamily="2" charset="-122"/>
             </a:endParaRPr>
           </a:p>
         </p:txBody>
@@ -1331,12 +1310,11 @@
             <a:pPr lvl="0" algn="r"/>
             <a:fld id="{9A0DB2DC-4C9A-4742-B13C-FB6460FD3503}" type="slidenum">
               <a:rPr lang="zh-CN" altLang="en-US" dirty="0">
-                <a:ea typeface="宋体" panose="02010600030101010101" pitchFamily="2" charset="-122"/>
-              </a:rPr>
-              <a:t>17</a:t>
+                <a:ea typeface="宋体" pitchFamily="2" charset="-122"/>
+              </a:rPr>
             </a:fld>
             <a:endParaRPr lang="zh-CN" altLang="en-US" sz="1200" dirty="0">
-              <a:ea typeface="宋体" panose="02010600030101010101" pitchFamily="2" charset="-122"/>
+              <a:ea typeface="宋体" pitchFamily="2" charset="-122"/>
             </a:endParaRPr>
           </a:p>
         </p:txBody>
@@ -1423,12 +1401,11 @@
             <a:pPr lvl="0" algn="r"/>
             <a:fld id="{9A0DB2DC-4C9A-4742-B13C-FB6460FD3503}" type="slidenum">
               <a:rPr lang="zh-CN" altLang="en-US" dirty="0">
-                <a:ea typeface="宋体" panose="02010600030101010101" pitchFamily="2" charset="-122"/>
-              </a:rPr>
-              <a:t>18</a:t>
+                <a:ea typeface="宋体" pitchFamily="2" charset="-122"/>
+              </a:rPr>
             </a:fld>
             <a:endParaRPr lang="zh-CN" altLang="en-US" sz="1200" dirty="0">
-              <a:ea typeface="宋体" panose="02010600030101010101" pitchFamily="2" charset="-122"/>
+              <a:ea typeface="宋体" pitchFamily="2" charset="-122"/>
             </a:endParaRPr>
           </a:p>
         </p:txBody>
@@ -1515,12 +1492,11 @@
             <a:pPr lvl="0" algn="r"/>
             <a:fld id="{9A0DB2DC-4C9A-4742-B13C-FB6460FD3503}" type="slidenum">
               <a:rPr lang="zh-CN" altLang="en-US" dirty="0">
-                <a:ea typeface="宋体" panose="02010600030101010101" pitchFamily="2" charset="-122"/>
-              </a:rPr>
-              <a:t>19</a:t>
+                <a:ea typeface="宋体" pitchFamily="2" charset="-122"/>
+              </a:rPr>
             </a:fld>
             <a:endParaRPr lang="zh-CN" altLang="en-US" sz="1200" dirty="0">
-              <a:ea typeface="宋体" panose="02010600030101010101" pitchFamily="2" charset="-122"/>
+              <a:ea typeface="宋体" pitchFamily="2" charset="-122"/>
             </a:endParaRPr>
           </a:p>
         </p:txBody>
@@ -1607,12 +1583,11 @@
             <a:pPr lvl="0" algn="r"/>
             <a:fld id="{9A0DB2DC-4C9A-4742-B13C-FB6460FD3503}" type="slidenum">
               <a:rPr lang="zh-CN" altLang="en-US" dirty="0">
-                <a:ea typeface="宋体" panose="02010600030101010101" pitchFamily="2" charset="-122"/>
-              </a:rPr>
-              <a:t>20</a:t>
+                <a:ea typeface="宋体" pitchFamily="2" charset="-122"/>
+              </a:rPr>
             </a:fld>
             <a:endParaRPr lang="zh-CN" altLang="en-US" sz="1200" dirty="0">
-              <a:ea typeface="宋体" panose="02010600030101010101" pitchFamily="2" charset="-122"/>
+              <a:ea typeface="宋体" pitchFamily="2" charset="-122"/>
             </a:endParaRPr>
           </a:p>
         </p:txBody>
@@ -1697,6 +1672,7 @@
               <a:rPr lang="zh-CN" altLang="en-US"/>
               <a:t>单击此处编辑母版标题样式</a:t>
             </a:r>
+            <a:endParaRPr lang="zh-CN" altLang="en-US"/>
           </a:p>
         </p:txBody>
       </p:sp>
@@ -1761,6 +1737,7 @@
               <a:rPr lang="zh-CN" altLang="en-US"/>
               <a:t>单击此处编辑母版副标题样式</a:t>
             </a:r>
+            <a:endParaRPr lang="zh-CN" altLang="en-US"/>
           </a:p>
         </p:txBody>
       </p:sp>
@@ -1782,10 +1759,9 @@
             <a:pPr lvl="0"/>
             <a:fld id="{BB962C8B-B14F-4D97-AF65-F5344CB8AC3E}" type="datetime1">
               <a:rPr lang="zh-CN" altLang="en-US" smtClean="0"/>
-              <a:t>2021/11/27</a:t>
             </a:fld>
             <a:endParaRPr lang="zh-CN" altLang="en-US" dirty="0">
-              <a:ea typeface="宋体" panose="02010600030101010101" pitchFamily="2" charset="-122"/>
+              <a:ea typeface="宋体" pitchFamily="2" charset="-122"/>
             </a:endParaRPr>
           </a:p>
         </p:txBody>
@@ -1806,7 +1782,6 @@
           <a:lstStyle/>
           <a:p>
             <a:pPr lvl="0"/>
-            <a:endParaRPr/>
           </a:p>
         </p:txBody>
       </p:sp>
@@ -1828,10 +1803,9 @@
             <a:pPr lvl="0"/>
             <a:fld id="{9A0DB2DC-4C9A-4742-B13C-FB6460FD3503}" type="slidenum">
               <a:rPr lang="zh-CN" altLang="en-US" dirty="0"/>
-              <a:t>‹#›</a:t>
             </a:fld>
             <a:endParaRPr lang="zh-CN" altLang="en-US" dirty="0">
-              <a:ea typeface="宋体" panose="02010600030101010101" pitchFamily="2" charset="-122"/>
+              <a:ea typeface="宋体" pitchFamily="2" charset="-122"/>
             </a:endParaRPr>
           </a:p>
         </p:txBody>
@@ -1843,11 +1817,11 @@
   </p:clrMapOvr>
   <mc:AlternateContent xmlns:mc="http://schemas.openxmlformats.org/markup-compatibility/2006" xmlns:p159="http://schemas.microsoft.com/office/powerpoint/2015/09/main">
     <mc:Choice Requires="p159">
-      <p:transition>
+      <p:transition xmlns:p14="http://schemas.microsoft.com/office/powerpoint/2010/main">
         <p159:morph option="byObject"/>
       </p:transition>
     </mc:Choice>
-    <mc:Fallback xmlns="">
+    <mc:Fallback>
       <p:transition>
         <p:fade/>
       </p:transition>
@@ -1892,6 +1866,7 @@
               <a:rPr lang="zh-CN" altLang="en-US"/>
               <a:t>单击此处编辑母版标题样式</a:t>
             </a:r>
+            <a:endParaRPr lang="zh-CN" altLang="en-US"/>
           </a:p>
         </p:txBody>
       </p:sp>
@@ -1915,6 +1890,7 @@
               <a:rPr lang="zh-CN" altLang="en-US"/>
               <a:t>单击此处编辑母版文本样式</a:t>
             </a:r>
+            <a:endParaRPr lang="zh-CN" altLang="en-US"/>
           </a:p>
           <a:p>
             <a:pPr lvl="1"/>
@@ -1922,6 +1898,7 @@
               <a:rPr lang="zh-CN" altLang="en-US"/>
               <a:t>第二级</a:t>
             </a:r>
+            <a:endParaRPr lang="zh-CN" altLang="en-US"/>
           </a:p>
           <a:p>
             <a:pPr lvl="2"/>
@@ -1929,6 +1906,7 @@
               <a:rPr lang="zh-CN" altLang="en-US"/>
               <a:t>第三级</a:t>
             </a:r>
+            <a:endParaRPr lang="zh-CN" altLang="en-US"/>
           </a:p>
           <a:p>
             <a:pPr lvl="3"/>
@@ -1936,6 +1914,7 @@
               <a:rPr lang="zh-CN" altLang="en-US"/>
               <a:t>第四级</a:t>
             </a:r>
+            <a:endParaRPr lang="zh-CN" altLang="en-US"/>
           </a:p>
           <a:p>
             <a:pPr lvl="4"/>
@@ -1943,6 +1922,7 @@
               <a:rPr lang="zh-CN" altLang="en-US"/>
               <a:t>第五级</a:t>
             </a:r>
+            <a:endParaRPr lang="zh-CN" altLang="en-US"/>
           </a:p>
         </p:txBody>
       </p:sp>
@@ -1964,10 +1944,9 @@
             <a:pPr lvl="0"/>
             <a:fld id="{BB962C8B-B14F-4D97-AF65-F5344CB8AC3E}" type="datetime1">
               <a:rPr lang="zh-CN" altLang="en-US" smtClean="0"/>
-              <a:t>2021/11/27</a:t>
             </a:fld>
             <a:endParaRPr lang="zh-CN" altLang="en-US" dirty="0">
-              <a:ea typeface="宋体" panose="02010600030101010101" pitchFamily="2" charset="-122"/>
+              <a:ea typeface="宋体" pitchFamily="2" charset="-122"/>
             </a:endParaRPr>
           </a:p>
         </p:txBody>
@@ -1988,7 +1967,6 @@
           <a:lstStyle/>
           <a:p>
             <a:pPr lvl="0"/>
-            <a:endParaRPr/>
           </a:p>
         </p:txBody>
       </p:sp>
@@ -2010,10 +1988,9 @@
             <a:pPr lvl="0"/>
             <a:fld id="{9A0DB2DC-4C9A-4742-B13C-FB6460FD3503}" type="slidenum">
               <a:rPr lang="zh-CN" altLang="en-US" dirty="0"/>
-              <a:t>‹#›</a:t>
             </a:fld>
             <a:endParaRPr lang="zh-CN" altLang="en-US" dirty="0">
-              <a:ea typeface="宋体" panose="02010600030101010101" pitchFamily="2" charset="-122"/>
+              <a:ea typeface="宋体" pitchFamily="2" charset="-122"/>
             </a:endParaRPr>
           </a:p>
         </p:txBody>
@@ -2025,11 +2002,11 @@
   </p:clrMapOvr>
   <mc:AlternateContent xmlns:mc="http://schemas.openxmlformats.org/markup-compatibility/2006" xmlns:p159="http://schemas.microsoft.com/office/powerpoint/2015/09/main">
     <mc:Choice Requires="p159">
-      <p:transition>
+      <p:transition xmlns:p14="http://schemas.microsoft.com/office/powerpoint/2010/main">
         <p159:morph option="byObject"/>
       </p:transition>
     </mc:Choice>
-    <mc:Fallback xmlns="">
+    <mc:Fallback>
       <p:transition>
         <p:fade/>
       </p:transition>
@@ -2079,6 +2056,7 @@
               <a:rPr lang="zh-CN" altLang="en-US"/>
               <a:t>单击此处编辑母版标题样式</a:t>
             </a:r>
+            <a:endParaRPr lang="zh-CN" altLang="en-US"/>
           </a:p>
         </p:txBody>
       </p:sp>
@@ -2107,6 +2085,7 @@
               <a:rPr lang="zh-CN" altLang="en-US"/>
               <a:t>单击此处编辑母版文本样式</a:t>
             </a:r>
+            <a:endParaRPr lang="zh-CN" altLang="en-US"/>
           </a:p>
           <a:p>
             <a:pPr lvl="1"/>
@@ -2114,6 +2093,7 @@
               <a:rPr lang="zh-CN" altLang="en-US"/>
               <a:t>第二级</a:t>
             </a:r>
+            <a:endParaRPr lang="zh-CN" altLang="en-US"/>
           </a:p>
           <a:p>
             <a:pPr lvl="2"/>
@@ -2121,6 +2101,7 @@
               <a:rPr lang="zh-CN" altLang="en-US"/>
               <a:t>第三级</a:t>
             </a:r>
+            <a:endParaRPr lang="zh-CN" altLang="en-US"/>
           </a:p>
           <a:p>
             <a:pPr lvl="3"/>
@@ -2128,6 +2109,7 @@
               <a:rPr lang="zh-CN" altLang="en-US"/>
               <a:t>第四级</a:t>
             </a:r>
+            <a:endParaRPr lang="zh-CN" altLang="en-US"/>
           </a:p>
           <a:p>
             <a:pPr lvl="4"/>
@@ -2135,6 +2117,7 @@
               <a:rPr lang="zh-CN" altLang="en-US"/>
               <a:t>第五级</a:t>
             </a:r>
+            <a:endParaRPr lang="zh-CN" altLang="en-US"/>
           </a:p>
         </p:txBody>
       </p:sp>
@@ -2156,10 +2139,9 @@
             <a:pPr lvl="0"/>
             <a:fld id="{BB962C8B-B14F-4D97-AF65-F5344CB8AC3E}" type="datetime1">
               <a:rPr lang="zh-CN" altLang="en-US" smtClean="0"/>
-              <a:t>2021/11/27</a:t>
             </a:fld>
             <a:endParaRPr lang="zh-CN" altLang="en-US" dirty="0">
-              <a:ea typeface="宋体" panose="02010600030101010101" pitchFamily="2" charset="-122"/>
+              <a:ea typeface="宋体" pitchFamily="2" charset="-122"/>
             </a:endParaRPr>
           </a:p>
         </p:txBody>
@@ -2180,7 +2162,6 @@
           <a:lstStyle/>
           <a:p>
             <a:pPr lvl="0"/>
-            <a:endParaRPr/>
           </a:p>
         </p:txBody>
       </p:sp>
@@ -2202,10 +2183,9 @@
             <a:pPr lvl="0"/>
             <a:fld id="{9A0DB2DC-4C9A-4742-B13C-FB6460FD3503}" type="slidenum">
               <a:rPr lang="zh-CN" altLang="en-US" dirty="0"/>
-              <a:t>‹#›</a:t>
             </a:fld>
             <a:endParaRPr lang="zh-CN" altLang="en-US" dirty="0">
-              <a:ea typeface="宋体" panose="02010600030101010101" pitchFamily="2" charset="-122"/>
+              <a:ea typeface="宋体" pitchFamily="2" charset="-122"/>
             </a:endParaRPr>
           </a:p>
         </p:txBody>
@@ -2217,11 +2197,11 @@
   </p:clrMapOvr>
   <mc:AlternateContent xmlns:mc="http://schemas.openxmlformats.org/markup-compatibility/2006" xmlns:p159="http://schemas.microsoft.com/office/powerpoint/2015/09/main">
     <mc:Choice Requires="p159">
-      <p:transition>
+      <p:transition xmlns:p14="http://schemas.microsoft.com/office/powerpoint/2010/main">
         <p159:morph option="byObject"/>
       </p:transition>
     </mc:Choice>
-    <mc:Fallback xmlns="">
+    <mc:Fallback>
       <p:transition>
         <p:fade/>
       </p:transition>
@@ -2266,6 +2246,7 @@
               <a:rPr lang="zh-CN" altLang="en-US"/>
               <a:t>单击此处编辑母版标题样式</a:t>
             </a:r>
+            <a:endParaRPr lang="zh-CN" altLang="en-US"/>
           </a:p>
         </p:txBody>
       </p:sp>
@@ -2289,6 +2270,7 @@
               <a:rPr lang="zh-CN" altLang="en-US"/>
               <a:t>单击此处编辑母版文本样式</a:t>
             </a:r>
+            <a:endParaRPr lang="zh-CN" altLang="en-US"/>
           </a:p>
           <a:p>
             <a:pPr lvl="1"/>
@@ -2296,6 +2278,7 @@
               <a:rPr lang="zh-CN" altLang="en-US"/>
               <a:t>第二级</a:t>
             </a:r>
+            <a:endParaRPr lang="zh-CN" altLang="en-US"/>
           </a:p>
           <a:p>
             <a:pPr lvl="2"/>
@@ -2303,6 +2286,7 @@
               <a:rPr lang="zh-CN" altLang="en-US"/>
               <a:t>第三级</a:t>
             </a:r>
+            <a:endParaRPr lang="zh-CN" altLang="en-US"/>
           </a:p>
           <a:p>
             <a:pPr lvl="3"/>
@@ -2310,6 +2294,7 @@
               <a:rPr lang="zh-CN" altLang="en-US"/>
               <a:t>第四级</a:t>
             </a:r>
+            <a:endParaRPr lang="zh-CN" altLang="en-US"/>
           </a:p>
           <a:p>
             <a:pPr lvl="4"/>
@@ -2317,6 +2302,7 @@
               <a:rPr lang="zh-CN" altLang="en-US"/>
               <a:t>第五级</a:t>
             </a:r>
+            <a:endParaRPr lang="zh-CN" altLang="en-US"/>
           </a:p>
         </p:txBody>
       </p:sp>
@@ -2338,10 +2324,9 @@
             <a:pPr lvl="0"/>
             <a:fld id="{BB962C8B-B14F-4D97-AF65-F5344CB8AC3E}" type="datetime1">
               <a:rPr lang="zh-CN" altLang="en-US" smtClean="0"/>
-              <a:t>2021/11/27</a:t>
             </a:fld>
             <a:endParaRPr lang="zh-CN" altLang="en-US" dirty="0">
-              <a:ea typeface="宋体" panose="02010600030101010101" pitchFamily="2" charset="-122"/>
+              <a:ea typeface="宋体" pitchFamily="2" charset="-122"/>
             </a:endParaRPr>
           </a:p>
         </p:txBody>
@@ -2362,7 +2347,6 @@
           <a:lstStyle/>
           <a:p>
             <a:pPr lvl="0"/>
-            <a:endParaRPr/>
           </a:p>
         </p:txBody>
       </p:sp>
@@ -2384,10 +2368,9 @@
             <a:pPr lvl="0"/>
             <a:fld id="{9A0DB2DC-4C9A-4742-B13C-FB6460FD3503}" type="slidenum">
               <a:rPr lang="zh-CN" altLang="en-US" dirty="0"/>
-              <a:t>‹#›</a:t>
             </a:fld>
             <a:endParaRPr lang="zh-CN" altLang="en-US" dirty="0">
-              <a:ea typeface="宋体" panose="02010600030101010101" pitchFamily="2" charset="-122"/>
+              <a:ea typeface="宋体" pitchFamily="2" charset="-122"/>
             </a:endParaRPr>
           </a:p>
         </p:txBody>
@@ -2399,11 +2382,11 @@
   </p:clrMapOvr>
   <mc:AlternateContent xmlns:mc="http://schemas.openxmlformats.org/markup-compatibility/2006" xmlns:p159="http://schemas.microsoft.com/office/powerpoint/2015/09/main">
     <mc:Choice Requires="p159">
-      <p:transition>
+      <p:transition xmlns:p14="http://schemas.microsoft.com/office/powerpoint/2010/main">
         <p159:morph option="byObject"/>
       </p:transition>
     </mc:Choice>
-    <mc:Fallback xmlns="">
+    <mc:Fallback>
       <p:transition>
         <p:fade/>
       </p:transition>
@@ -2457,6 +2440,7 @@
               <a:rPr lang="zh-CN" altLang="en-US"/>
               <a:t>单击此处编辑母版标题样式</a:t>
             </a:r>
+            <a:endParaRPr lang="zh-CN" altLang="en-US"/>
           </a:p>
         </p:txBody>
       </p:sp>
@@ -2576,6 +2560,7 @@
               <a:rPr lang="zh-CN" altLang="en-US"/>
               <a:t>单击此处编辑母版文本样式</a:t>
             </a:r>
+            <a:endParaRPr lang="zh-CN" altLang="en-US"/>
           </a:p>
         </p:txBody>
       </p:sp>
@@ -2597,10 +2582,9 @@
             <a:pPr lvl="0"/>
             <a:fld id="{BB962C8B-B14F-4D97-AF65-F5344CB8AC3E}" type="datetime1">
               <a:rPr lang="zh-CN" altLang="en-US" smtClean="0"/>
-              <a:t>2021/11/27</a:t>
             </a:fld>
             <a:endParaRPr lang="zh-CN" altLang="en-US" dirty="0">
-              <a:ea typeface="宋体" panose="02010600030101010101" pitchFamily="2" charset="-122"/>
+              <a:ea typeface="宋体" pitchFamily="2" charset="-122"/>
             </a:endParaRPr>
           </a:p>
         </p:txBody>
@@ -2621,7 +2605,6 @@
           <a:lstStyle/>
           <a:p>
             <a:pPr lvl="0"/>
-            <a:endParaRPr/>
           </a:p>
         </p:txBody>
       </p:sp>
@@ -2643,10 +2626,9 @@
             <a:pPr lvl="0"/>
             <a:fld id="{9A0DB2DC-4C9A-4742-B13C-FB6460FD3503}" type="slidenum">
               <a:rPr lang="zh-CN" altLang="en-US" dirty="0"/>
-              <a:t>‹#›</a:t>
             </a:fld>
             <a:endParaRPr lang="zh-CN" altLang="en-US" dirty="0">
-              <a:ea typeface="宋体" panose="02010600030101010101" pitchFamily="2" charset="-122"/>
+              <a:ea typeface="宋体" pitchFamily="2" charset="-122"/>
             </a:endParaRPr>
           </a:p>
         </p:txBody>
@@ -2658,11 +2640,11 @@
   </p:clrMapOvr>
   <mc:AlternateContent xmlns:mc="http://schemas.openxmlformats.org/markup-compatibility/2006" xmlns:p159="http://schemas.microsoft.com/office/powerpoint/2015/09/main">
     <mc:Choice Requires="p159">
-      <p:transition>
+      <p:transition xmlns:p14="http://schemas.microsoft.com/office/powerpoint/2010/main">
         <p159:morph option="byObject"/>
       </p:transition>
     </mc:Choice>
-    <mc:Fallback xmlns="">
+    <mc:Fallback>
       <p:transition>
         <p:fade/>
       </p:transition>
@@ -2707,6 +2689,7 @@
               <a:rPr lang="zh-CN" altLang="en-US"/>
               <a:t>单击此处编辑母版标题样式</a:t>
             </a:r>
+            <a:endParaRPr lang="zh-CN" altLang="en-US"/>
           </a:p>
         </p:txBody>
       </p:sp>
@@ -2735,6 +2718,7 @@
               <a:rPr lang="zh-CN" altLang="en-US"/>
               <a:t>单击此处编辑母版文本样式</a:t>
             </a:r>
+            <a:endParaRPr lang="zh-CN" altLang="en-US"/>
           </a:p>
           <a:p>
             <a:pPr lvl="1"/>
@@ -2742,6 +2726,7 @@
               <a:rPr lang="zh-CN" altLang="en-US"/>
               <a:t>第二级</a:t>
             </a:r>
+            <a:endParaRPr lang="zh-CN" altLang="en-US"/>
           </a:p>
           <a:p>
             <a:pPr lvl="2"/>
@@ -2749,6 +2734,7 @@
               <a:rPr lang="zh-CN" altLang="en-US"/>
               <a:t>第三级</a:t>
             </a:r>
+            <a:endParaRPr lang="zh-CN" altLang="en-US"/>
           </a:p>
           <a:p>
             <a:pPr lvl="3"/>
@@ -2756,6 +2742,7 @@
               <a:rPr lang="zh-CN" altLang="en-US"/>
               <a:t>第四级</a:t>
             </a:r>
+            <a:endParaRPr lang="zh-CN" altLang="en-US"/>
           </a:p>
           <a:p>
             <a:pPr lvl="4"/>
@@ -2763,6 +2750,7 @@
               <a:rPr lang="zh-CN" altLang="en-US"/>
               <a:t>第五级</a:t>
             </a:r>
+            <a:endParaRPr lang="zh-CN" altLang="en-US"/>
           </a:p>
         </p:txBody>
       </p:sp>
@@ -2791,6 +2779,7 @@
               <a:rPr lang="zh-CN" altLang="en-US"/>
               <a:t>单击此处编辑母版文本样式</a:t>
             </a:r>
+            <a:endParaRPr lang="zh-CN" altLang="en-US"/>
           </a:p>
           <a:p>
             <a:pPr lvl="1"/>
@@ -2798,6 +2787,7 @@
               <a:rPr lang="zh-CN" altLang="en-US"/>
               <a:t>第二级</a:t>
             </a:r>
+            <a:endParaRPr lang="zh-CN" altLang="en-US"/>
           </a:p>
           <a:p>
             <a:pPr lvl="2"/>
@@ -2805,6 +2795,7 @@
               <a:rPr lang="zh-CN" altLang="en-US"/>
               <a:t>第三级</a:t>
             </a:r>
+            <a:endParaRPr lang="zh-CN" altLang="en-US"/>
           </a:p>
           <a:p>
             <a:pPr lvl="3"/>
@@ -2812,6 +2803,7 @@
               <a:rPr lang="zh-CN" altLang="en-US"/>
               <a:t>第四级</a:t>
             </a:r>
+            <a:endParaRPr lang="zh-CN" altLang="en-US"/>
           </a:p>
           <a:p>
             <a:pPr lvl="4"/>
@@ -2819,6 +2811,7 @@
               <a:rPr lang="zh-CN" altLang="en-US"/>
               <a:t>第五级</a:t>
             </a:r>
+            <a:endParaRPr lang="zh-CN" altLang="en-US"/>
           </a:p>
         </p:txBody>
       </p:sp>
@@ -2840,10 +2833,9 @@
             <a:pPr lvl="0"/>
             <a:fld id="{BB962C8B-B14F-4D97-AF65-F5344CB8AC3E}" type="datetime1">
               <a:rPr lang="zh-CN" altLang="en-US" smtClean="0"/>
-              <a:t>2021/11/27</a:t>
             </a:fld>
             <a:endParaRPr lang="zh-CN" altLang="en-US" dirty="0">
-              <a:ea typeface="宋体" panose="02010600030101010101" pitchFamily="2" charset="-122"/>
+              <a:ea typeface="宋体" pitchFamily="2" charset="-122"/>
             </a:endParaRPr>
           </a:p>
         </p:txBody>
@@ -2864,7 +2856,6 @@
           <a:lstStyle/>
           <a:p>
             <a:pPr lvl="0"/>
-            <a:endParaRPr/>
           </a:p>
         </p:txBody>
       </p:sp>
@@ -2886,10 +2877,9 @@
             <a:pPr lvl="0"/>
             <a:fld id="{9A0DB2DC-4C9A-4742-B13C-FB6460FD3503}" type="slidenum">
               <a:rPr lang="zh-CN" altLang="en-US" dirty="0"/>
-              <a:t>‹#›</a:t>
             </a:fld>
             <a:endParaRPr lang="zh-CN" altLang="en-US" dirty="0">
-              <a:ea typeface="宋体" panose="02010600030101010101" pitchFamily="2" charset="-122"/>
+              <a:ea typeface="宋体" pitchFamily="2" charset="-122"/>
             </a:endParaRPr>
           </a:p>
         </p:txBody>
@@ -2901,11 +2891,11 @@
   </p:clrMapOvr>
   <mc:AlternateContent xmlns:mc="http://schemas.openxmlformats.org/markup-compatibility/2006" xmlns:p159="http://schemas.microsoft.com/office/powerpoint/2015/09/main">
     <mc:Choice Requires="p159">
-      <p:transition>
+      <p:transition xmlns:p14="http://schemas.microsoft.com/office/powerpoint/2010/main">
         <p159:morph option="byObject"/>
       </p:transition>
     </mc:Choice>
-    <mc:Fallback xmlns="">
+    <mc:Fallback>
       <p:transition>
         <p:fade/>
       </p:transition>
@@ -2955,6 +2945,7 @@
               <a:rPr lang="zh-CN" altLang="en-US"/>
               <a:t>单击此处编辑母版标题样式</a:t>
             </a:r>
+            <a:endParaRPr lang="zh-CN" altLang="en-US"/>
           </a:p>
         </p:txBody>
       </p:sp>
@@ -3020,6 +3011,7 @@
               <a:rPr lang="zh-CN" altLang="en-US"/>
               <a:t>单击此处编辑母版文本样式</a:t>
             </a:r>
+            <a:endParaRPr lang="zh-CN" altLang="en-US"/>
           </a:p>
         </p:txBody>
       </p:sp>
@@ -3048,6 +3040,7 @@
               <a:rPr lang="zh-CN" altLang="en-US"/>
               <a:t>单击此处编辑母版文本样式</a:t>
             </a:r>
+            <a:endParaRPr lang="zh-CN" altLang="en-US"/>
           </a:p>
           <a:p>
             <a:pPr lvl="1"/>
@@ -3055,6 +3048,7 @@
               <a:rPr lang="zh-CN" altLang="en-US"/>
               <a:t>第二级</a:t>
             </a:r>
+            <a:endParaRPr lang="zh-CN" altLang="en-US"/>
           </a:p>
           <a:p>
             <a:pPr lvl="2"/>
@@ -3062,6 +3056,7 @@
               <a:rPr lang="zh-CN" altLang="en-US"/>
               <a:t>第三级</a:t>
             </a:r>
+            <a:endParaRPr lang="zh-CN" altLang="en-US"/>
           </a:p>
           <a:p>
             <a:pPr lvl="3"/>
@@ -3069,6 +3064,7 @@
               <a:rPr lang="zh-CN" altLang="en-US"/>
               <a:t>第四级</a:t>
             </a:r>
+            <a:endParaRPr lang="zh-CN" altLang="en-US"/>
           </a:p>
           <a:p>
             <a:pPr lvl="4"/>
@@ -3076,6 +3072,7 @@
               <a:rPr lang="zh-CN" altLang="en-US"/>
               <a:t>第五级</a:t>
             </a:r>
+            <a:endParaRPr lang="zh-CN" altLang="en-US"/>
           </a:p>
         </p:txBody>
       </p:sp>
@@ -3141,6 +3138,7 @@
               <a:rPr lang="zh-CN" altLang="en-US"/>
               <a:t>单击此处编辑母版文本样式</a:t>
             </a:r>
+            <a:endParaRPr lang="zh-CN" altLang="en-US"/>
           </a:p>
         </p:txBody>
       </p:sp>
@@ -3169,6 +3167,7 @@
               <a:rPr lang="zh-CN" altLang="en-US"/>
               <a:t>单击此处编辑母版文本样式</a:t>
             </a:r>
+            <a:endParaRPr lang="zh-CN" altLang="en-US"/>
           </a:p>
           <a:p>
             <a:pPr lvl="1"/>
@@ -3176,6 +3175,7 @@
               <a:rPr lang="zh-CN" altLang="en-US"/>
               <a:t>第二级</a:t>
             </a:r>
+            <a:endParaRPr lang="zh-CN" altLang="en-US"/>
           </a:p>
           <a:p>
             <a:pPr lvl="2"/>
@@ -3183,6 +3183,7 @@
               <a:rPr lang="zh-CN" altLang="en-US"/>
               <a:t>第三级</a:t>
             </a:r>
+            <a:endParaRPr lang="zh-CN" altLang="en-US"/>
           </a:p>
           <a:p>
             <a:pPr lvl="3"/>
@@ -3190,6 +3191,7 @@
               <a:rPr lang="zh-CN" altLang="en-US"/>
               <a:t>第四级</a:t>
             </a:r>
+            <a:endParaRPr lang="zh-CN" altLang="en-US"/>
           </a:p>
           <a:p>
             <a:pPr lvl="4"/>
@@ -3197,6 +3199,7 @@
               <a:rPr lang="zh-CN" altLang="en-US"/>
               <a:t>第五级</a:t>
             </a:r>
+            <a:endParaRPr lang="zh-CN" altLang="en-US"/>
           </a:p>
         </p:txBody>
       </p:sp>
@@ -3218,10 +3221,9 @@
             <a:pPr lvl="0"/>
             <a:fld id="{BB962C8B-B14F-4D97-AF65-F5344CB8AC3E}" type="datetime1">
               <a:rPr lang="zh-CN" altLang="en-US" smtClean="0"/>
-              <a:t>2021/11/27</a:t>
             </a:fld>
             <a:endParaRPr lang="zh-CN" altLang="en-US" dirty="0">
-              <a:ea typeface="宋体" panose="02010600030101010101" pitchFamily="2" charset="-122"/>
+              <a:ea typeface="宋体" pitchFamily="2" charset="-122"/>
             </a:endParaRPr>
           </a:p>
         </p:txBody>
@@ -3242,7 +3244,6 @@
           <a:lstStyle/>
           <a:p>
             <a:pPr lvl="0"/>
-            <a:endParaRPr/>
           </a:p>
         </p:txBody>
       </p:sp>
@@ -3264,10 +3265,9 @@
             <a:pPr lvl="0"/>
             <a:fld id="{9A0DB2DC-4C9A-4742-B13C-FB6460FD3503}" type="slidenum">
               <a:rPr lang="zh-CN" altLang="en-US" dirty="0"/>
-              <a:t>‹#›</a:t>
             </a:fld>
             <a:endParaRPr lang="zh-CN" altLang="en-US" dirty="0">
-              <a:ea typeface="宋体" panose="02010600030101010101" pitchFamily="2" charset="-122"/>
+              <a:ea typeface="宋体" pitchFamily="2" charset="-122"/>
             </a:endParaRPr>
           </a:p>
         </p:txBody>
@@ -3279,11 +3279,11 @@
   </p:clrMapOvr>
   <mc:AlternateContent xmlns:mc="http://schemas.openxmlformats.org/markup-compatibility/2006" xmlns:p159="http://schemas.microsoft.com/office/powerpoint/2015/09/main">
     <mc:Choice Requires="p159">
-      <p:transition>
+      <p:transition xmlns:p14="http://schemas.microsoft.com/office/powerpoint/2010/main">
         <p159:morph option="byObject"/>
       </p:transition>
     </mc:Choice>
-    <mc:Fallback xmlns="">
+    <mc:Fallback>
       <p:transition>
         <p:fade/>
       </p:transition>
@@ -3328,6 +3328,7 @@
               <a:rPr lang="zh-CN" altLang="en-US"/>
               <a:t>单击此处编辑母版标题样式</a:t>
             </a:r>
+            <a:endParaRPr lang="zh-CN" altLang="en-US"/>
           </a:p>
         </p:txBody>
       </p:sp>
@@ -3349,10 +3350,9 @@
             <a:pPr lvl="0"/>
             <a:fld id="{BB962C8B-B14F-4D97-AF65-F5344CB8AC3E}" type="datetime1">
               <a:rPr lang="zh-CN" altLang="en-US" smtClean="0"/>
-              <a:t>2021/11/27</a:t>
             </a:fld>
             <a:endParaRPr lang="zh-CN" altLang="en-US" dirty="0">
-              <a:ea typeface="宋体" panose="02010600030101010101" pitchFamily="2" charset="-122"/>
+              <a:ea typeface="宋体" pitchFamily="2" charset="-122"/>
             </a:endParaRPr>
           </a:p>
         </p:txBody>
@@ -3373,7 +3373,6 @@
           <a:lstStyle/>
           <a:p>
             <a:pPr lvl="0"/>
-            <a:endParaRPr/>
           </a:p>
         </p:txBody>
       </p:sp>
@@ -3395,10 +3394,9 @@
             <a:pPr lvl="0"/>
             <a:fld id="{9A0DB2DC-4C9A-4742-B13C-FB6460FD3503}" type="slidenum">
               <a:rPr lang="zh-CN" altLang="en-US" dirty="0"/>
-              <a:t>‹#›</a:t>
             </a:fld>
             <a:endParaRPr lang="zh-CN" altLang="en-US" dirty="0">
-              <a:ea typeface="宋体" panose="02010600030101010101" pitchFamily="2" charset="-122"/>
+              <a:ea typeface="宋体" pitchFamily="2" charset="-122"/>
             </a:endParaRPr>
           </a:p>
         </p:txBody>
@@ -3410,11 +3408,11 @@
   </p:clrMapOvr>
   <mc:AlternateContent xmlns:mc="http://schemas.openxmlformats.org/markup-compatibility/2006" xmlns:p159="http://schemas.microsoft.com/office/powerpoint/2015/09/main">
     <mc:Choice Requires="p159">
-      <p:transition>
+      <p:transition xmlns:p14="http://schemas.microsoft.com/office/powerpoint/2010/main">
         <p159:morph option="byObject"/>
       </p:transition>
     </mc:Choice>
-    <mc:Fallback xmlns="">
+    <mc:Fallback>
       <p:transition>
         <p:fade/>
       </p:transition>
@@ -3458,10 +3456,9 @@
             <a:pPr lvl="0"/>
             <a:fld id="{BB962C8B-B14F-4D97-AF65-F5344CB8AC3E}" type="datetime1">
               <a:rPr lang="zh-CN" altLang="en-US" smtClean="0"/>
-              <a:t>2021/11/27</a:t>
             </a:fld>
             <a:endParaRPr lang="zh-CN" altLang="en-US" dirty="0">
-              <a:ea typeface="宋体" panose="02010600030101010101" pitchFamily="2" charset="-122"/>
+              <a:ea typeface="宋体" pitchFamily="2" charset="-122"/>
             </a:endParaRPr>
           </a:p>
         </p:txBody>
@@ -3482,7 +3479,6 @@
           <a:lstStyle/>
           <a:p>
             <a:pPr lvl="0"/>
-            <a:endParaRPr/>
           </a:p>
         </p:txBody>
       </p:sp>
@@ -3504,10 +3500,9 @@
             <a:pPr lvl="0"/>
             <a:fld id="{9A0DB2DC-4C9A-4742-B13C-FB6460FD3503}" type="slidenum">
               <a:rPr lang="zh-CN" altLang="en-US" dirty="0"/>
-              <a:t>‹#›</a:t>
             </a:fld>
             <a:endParaRPr lang="zh-CN" altLang="en-US" dirty="0">
-              <a:ea typeface="宋体" panose="02010600030101010101" pitchFamily="2" charset="-122"/>
+              <a:ea typeface="宋体" pitchFamily="2" charset="-122"/>
             </a:endParaRPr>
           </a:p>
         </p:txBody>
@@ -3519,11 +3514,11 @@
   </p:clrMapOvr>
   <mc:AlternateContent xmlns:mc="http://schemas.openxmlformats.org/markup-compatibility/2006" xmlns:p159="http://schemas.microsoft.com/office/powerpoint/2015/09/main">
     <mc:Choice Requires="p159">
-      <p:transition>
+      <p:transition xmlns:p14="http://schemas.microsoft.com/office/powerpoint/2010/main">
         <p159:morph option="byObject"/>
       </p:transition>
     </mc:Choice>
-    <mc:Fallback xmlns="">
+    <mc:Fallback>
       <p:transition>
         <p:fade/>
       </p:transition>
@@ -3577,6 +3572,7 @@
               <a:rPr lang="zh-CN" altLang="en-US"/>
               <a:t>单击此处编辑母版标题样式</a:t>
             </a:r>
+            <a:endParaRPr lang="zh-CN" altLang="en-US"/>
           </a:p>
         </p:txBody>
       </p:sp>
@@ -3633,6 +3629,7 @@
               <a:rPr lang="zh-CN" altLang="en-US"/>
               <a:t>单击此处编辑母版文本样式</a:t>
             </a:r>
+            <a:endParaRPr lang="zh-CN" altLang="en-US"/>
           </a:p>
           <a:p>
             <a:pPr lvl="1"/>
@@ -3640,6 +3637,7 @@
               <a:rPr lang="zh-CN" altLang="en-US"/>
               <a:t>第二级</a:t>
             </a:r>
+            <a:endParaRPr lang="zh-CN" altLang="en-US"/>
           </a:p>
           <a:p>
             <a:pPr lvl="2"/>
@@ -3647,6 +3645,7 @@
               <a:rPr lang="zh-CN" altLang="en-US"/>
               <a:t>第三级</a:t>
             </a:r>
+            <a:endParaRPr lang="zh-CN" altLang="en-US"/>
           </a:p>
           <a:p>
             <a:pPr lvl="3"/>
@@ -3654,6 +3653,7 @@
               <a:rPr lang="zh-CN" altLang="en-US"/>
               <a:t>第四级</a:t>
             </a:r>
+            <a:endParaRPr lang="zh-CN" altLang="en-US"/>
           </a:p>
           <a:p>
             <a:pPr lvl="4"/>
@@ -3661,6 +3661,7 @@
               <a:rPr lang="zh-CN" altLang="en-US"/>
               <a:t>第五级</a:t>
             </a:r>
+            <a:endParaRPr lang="zh-CN" altLang="en-US"/>
           </a:p>
         </p:txBody>
       </p:sp>
@@ -3726,6 +3727,7 @@
               <a:rPr lang="zh-CN" altLang="en-US"/>
               <a:t>单击此处编辑母版文本样式</a:t>
             </a:r>
+            <a:endParaRPr lang="zh-CN" altLang="en-US"/>
           </a:p>
         </p:txBody>
       </p:sp>
@@ -3747,10 +3749,9 @@
             <a:pPr lvl="0"/>
             <a:fld id="{BB962C8B-B14F-4D97-AF65-F5344CB8AC3E}" type="datetime1">
               <a:rPr lang="zh-CN" altLang="en-US" smtClean="0"/>
-              <a:t>2021/11/27</a:t>
             </a:fld>
             <a:endParaRPr lang="zh-CN" altLang="en-US" dirty="0">
-              <a:ea typeface="宋体" panose="02010600030101010101" pitchFamily="2" charset="-122"/>
+              <a:ea typeface="宋体" pitchFamily="2" charset="-122"/>
             </a:endParaRPr>
           </a:p>
         </p:txBody>
@@ -3771,7 +3772,6 @@
           <a:lstStyle/>
           <a:p>
             <a:pPr lvl="0"/>
-            <a:endParaRPr/>
           </a:p>
         </p:txBody>
       </p:sp>
@@ -3793,10 +3793,9 @@
             <a:pPr lvl="0"/>
             <a:fld id="{9A0DB2DC-4C9A-4742-B13C-FB6460FD3503}" type="slidenum">
               <a:rPr lang="zh-CN" altLang="en-US" dirty="0"/>
-              <a:t>‹#›</a:t>
             </a:fld>
             <a:endParaRPr lang="zh-CN" altLang="en-US" dirty="0">
-              <a:ea typeface="宋体" panose="02010600030101010101" pitchFamily="2" charset="-122"/>
+              <a:ea typeface="宋体" pitchFamily="2" charset="-122"/>
             </a:endParaRPr>
           </a:p>
         </p:txBody>
@@ -3808,11 +3807,11 @@
   </p:clrMapOvr>
   <mc:AlternateContent xmlns:mc="http://schemas.openxmlformats.org/markup-compatibility/2006" xmlns:p159="http://schemas.microsoft.com/office/powerpoint/2015/09/main">
     <mc:Choice Requires="p159">
-      <p:transition>
+      <p:transition xmlns:p14="http://schemas.microsoft.com/office/powerpoint/2010/main">
         <p159:morph option="byObject"/>
       </p:transition>
     </mc:Choice>
-    <mc:Fallback xmlns="">
+    <mc:Fallback>
       <p:transition>
         <p:fade/>
       </p:transition>
@@ -3866,6 +3865,7 @@
               <a:rPr lang="zh-CN" altLang="en-US"/>
               <a:t>单击此处编辑母版标题样式</a:t>
             </a:r>
+            <a:endParaRPr lang="zh-CN" altLang="en-US"/>
           </a:p>
         </p:txBody>
       </p:sp>
@@ -3992,6 +3992,7 @@
               <a:rPr lang="zh-CN" altLang="en-US"/>
               <a:t>单击此处编辑母版文本样式</a:t>
             </a:r>
+            <a:endParaRPr lang="zh-CN" altLang="en-US"/>
           </a:p>
         </p:txBody>
       </p:sp>
@@ -4013,10 +4014,9 @@
             <a:pPr lvl="0"/>
             <a:fld id="{BB962C8B-B14F-4D97-AF65-F5344CB8AC3E}" type="datetime1">
               <a:rPr lang="zh-CN" altLang="en-US" smtClean="0"/>
-              <a:t>2021/11/27</a:t>
             </a:fld>
             <a:endParaRPr lang="zh-CN" altLang="en-US" dirty="0">
-              <a:ea typeface="宋体" panose="02010600030101010101" pitchFamily="2" charset="-122"/>
+              <a:ea typeface="宋体" pitchFamily="2" charset="-122"/>
             </a:endParaRPr>
           </a:p>
         </p:txBody>
@@ -4037,7 +4037,6 @@
           <a:lstStyle/>
           <a:p>
             <a:pPr lvl="0"/>
-            <a:endParaRPr/>
           </a:p>
         </p:txBody>
       </p:sp>
@@ -4059,10 +4058,9 @@
             <a:pPr lvl="0"/>
             <a:fld id="{9A0DB2DC-4C9A-4742-B13C-FB6460FD3503}" type="slidenum">
               <a:rPr lang="zh-CN" altLang="en-US" dirty="0"/>
-              <a:t>‹#›</a:t>
             </a:fld>
             <a:endParaRPr lang="zh-CN" altLang="en-US" dirty="0">
-              <a:ea typeface="宋体" panose="02010600030101010101" pitchFamily="2" charset="-122"/>
+              <a:ea typeface="宋体" pitchFamily="2" charset="-122"/>
             </a:endParaRPr>
           </a:p>
         </p:txBody>
@@ -4074,11 +4072,11 @@
   </p:clrMapOvr>
   <mc:AlternateContent xmlns:mc="http://schemas.openxmlformats.org/markup-compatibility/2006" xmlns:p159="http://schemas.microsoft.com/office/powerpoint/2015/09/main">
     <mc:Choice Requires="p159">
-      <p:transition>
+      <p:transition xmlns:p14="http://schemas.microsoft.com/office/powerpoint/2010/main">
         <p159:morph option="byObject"/>
       </p:transition>
     </mc:Choice>
-    <mc:Fallback xmlns="">
+    <mc:Fallback>
       <p:transition>
         <p:fade/>
       </p:transition>
@@ -4093,7 +4091,7 @@
     <p:bg>
       <p:bgPr>
         <a:blipFill rotWithShape="1">
-          <a:blip r:embed="rId13"/>
+          <a:blip r:embed="rId12"/>
           <a:stretch>
             <a:fillRect/>
           </a:stretch>
@@ -4149,6 +4147,7 @@
               <a:rPr lang="zh-CN" altLang="en-US"/>
               <a:t>单击此处编辑母版标题样式</a:t>
             </a:r>
+            <a:endParaRPr lang="zh-CN" altLang="en-US"/>
           </a:p>
         </p:txBody>
       </p:sp>
@@ -4186,6 +4185,7 @@
               <a:rPr lang="zh-CN" altLang="en-US"/>
               <a:t>单击此处编辑母版文本样式</a:t>
             </a:r>
+            <a:endParaRPr lang="zh-CN" altLang="en-US"/>
           </a:p>
           <a:p>
             <a:pPr lvl="1"/>
@@ -4193,6 +4193,7 @@
               <a:rPr lang="zh-CN" altLang="en-US"/>
               <a:t>第二级</a:t>
             </a:r>
+            <a:endParaRPr lang="zh-CN" altLang="en-US"/>
           </a:p>
           <a:p>
             <a:pPr lvl="2"/>
@@ -4200,6 +4201,7 @@
               <a:rPr lang="zh-CN" altLang="en-US"/>
               <a:t>第三级</a:t>
             </a:r>
+            <a:endParaRPr lang="zh-CN" altLang="en-US"/>
           </a:p>
           <a:p>
             <a:pPr lvl="3"/>
@@ -4207,6 +4209,7 @@
               <a:rPr lang="zh-CN" altLang="en-US"/>
               <a:t>第四级</a:t>
             </a:r>
+            <a:endParaRPr lang="zh-CN" altLang="en-US"/>
           </a:p>
           <a:p>
             <a:pPr lvl="4"/>
@@ -4214,6 +4217,7 @@
               <a:rPr lang="zh-CN" altLang="en-US"/>
               <a:t>第五级</a:t>
             </a:r>
+            <a:endParaRPr lang="zh-CN" altLang="en-US"/>
           </a:p>
         </p:txBody>
       </p:sp>
@@ -4248,7 +4252,7 @@
                 <a:solidFill>
                   <a:srgbClr val="898989"/>
                 </a:solidFill>
-                <a:ea typeface="宋体" panose="02010600030101010101" pitchFamily="2" charset="-122"/>
+                <a:ea typeface="宋体" pitchFamily="2" charset="-122"/>
               </a:defRPr>
             </a:lvl1pPr>
           </a:lstStyle>
@@ -4256,10 +4260,9 @@
             <a:pPr lvl="0"/>
             <a:fld id="{BB962C8B-B14F-4D97-AF65-F5344CB8AC3E}" type="datetime1">
               <a:rPr lang="zh-CN" altLang="en-US" smtClean="0"/>
-              <a:t>2021/11/27</a:t>
             </a:fld>
             <a:endParaRPr lang="zh-CN" altLang="en-US" dirty="0">
-              <a:ea typeface="宋体" panose="02010600030101010101" pitchFamily="2" charset="-122"/>
+              <a:ea typeface="宋体" pitchFamily="2" charset="-122"/>
             </a:endParaRPr>
           </a:p>
         </p:txBody>
@@ -4295,13 +4298,12 @@
                 <a:solidFill>
                   <a:srgbClr val="898989"/>
                 </a:solidFill>
-                <a:ea typeface="宋体" panose="02010600030101010101" pitchFamily="2" charset="-122"/>
+                <a:ea typeface="宋体" pitchFamily="2" charset="-122"/>
               </a:defRPr>
             </a:lvl1pPr>
           </a:lstStyle>
           <a:p>
             <a:pPr lvl="0"/>
-            <a:endParaRPr/>
           </a:p>
         </p:txBody>
       </p:sp>
@@ -4336,7 +4338,7 @@
                 <a:solidFill>
                   <a:srgbClr val="898989"/>
                 </a:solidFill>
-                <a:ea typeface="宋体" panose="02010600030101010101" pitchFamily="2" charset="-122"/>
+                <a:ea typeface="宋体" pitchFamily="2" charset="-122"/>
               </a:defRPr>
             </a:lvl1pPr>
           </a:lstStyle>
@@ -4344,10 +4346,9 @@
             <a:pPr lvl="0"/>
             <a:fld id="{9A0DB2DC-4C9A-4742-B13C-FB6460FD3503}" type="slidenum">
               <a:rPr lang="zh-CN" altLang="en-US" dirty="0"/>
-              <a:t>‹#›</a:t>
             </a:fld>
             <a:endParaRPr lang="zh-CN" altLang="en-US" dirty="0">
-              <a:ea typeface="宋体" panose="02010600030101010101" pitchFamily="2" charset="-122"/>
+              <a:ea typeface="宋体" pitchFamily="2" charset="-122"/>
             </a:endParaRPr>
           </a:p>
         </p:txBody>
@@ -4370,11 +4371,11 @@
   </p:sldLayoutIdLst>
   <mc:AlternateContent xmlns:mc="http://schemas.openxmlformats.org/markup-compatibility/2006" xmlns:p159="http://schemas.microsoft.com/office/powerpoint/2015/09/main">
     <mc:Choice Requires="p159">
-      <p:transition>
+      <p:transition xmlns:p14="http://schemas.microsoft.com/office/powerpoint/2010/main">
         <p159:morph option="byObject"/>
       </p:transition>
     </mc:Choice>
-    <mc:Fallback xmlns="">
+    <mc:Fallback>
       <p:transition>
         <p:fade/>
       </p:transition>
@@ -4410,7 +4411,7 @@
         <a:spcBef>
           <a:spcPct val="20000"/>
         </a:spcBef>
-        <a:buFont typeface="Arial" panose="020B0604020202020204" pitchFamily="34" charset="0"/>
+        <a:buFont typeface="Arial" panose="02080604020202020204" pitchFamily="34" charset="0"/>
         <a:buChar char="•"/>
         <a:defRPr sz="3200" kern="1200">
           <a:solidFill>
@@ -4429,14 +4430,14 @@
         <a:spcBef>
           <a:spcPct val="20000"/>
         </a:spcBef>
-        <a:buFont typeface="Arial" panose="020B0604020202020204" pitchFamily="34" charset="0"/>
+        <a:buFont typeface="Arial" panose="02080604020202020204" pitchFamily="34" charset="0"/>
         <a:buChar char="–"/>
         <a:defRPr sz="2800" kern="1200">
           <a:solidFill>
             <a:schemeClr val="tx1"/>
           </a:solidFill>
           <a:latin typeface="Calibri" panose="020F0502020204030204" charset="0"/>
-          <a:ea typeface="宋体" panose="02010600030101010101" pitchFamily="2" charset="-122"/>
+          <a:ea typeface="宋体" pitchFamily="2" charset="-122"/>
           <a:cs typeface="+mn-cs"/>
           <a:sym typeface="Calibri" panose="020F0502020204030204" charset="0"/>
         </a:defRPr>
@@ -4448,14 +4449,14 @@
         <a:spcBef>
           <a:spcPct val="20000"/>
         </a:spcBef>
-        <a:buFont typeface="Arial" panose="020B0604020202020204" pitchFamily="34" charset="0"/>
+        <a:buFont typeface="Arial" panose="02080604020202020204" pitchFamily="34" charset="0"/>
         <a:buChar char="•"/>
         <a:defRPr sz="2400" kern="1200">
           <a:solidFill>
             <a:schemeClr val="tx1"/>
           </a:solidFill>
           <a:latin typeface="Calibri" panose="020F0502020204030204" charset="0"/>
-          <a:ea typeface="宋体" panose="02010600030101010101" pitchFamily="2" charset="-122"/>
+          <a:ea typeface="宋体" pitchFamily="2" charset="-122"/>
           <a:cs typeface="+mn-cs"/>
           <a:sym typeface="Calibri" panose="020F0502020204030204" charset="0"/>
         </a:defRPr>
@@ -4467,14 +4468,14 @@
         <a:spcBef>
           <a:spcPct val="20000"/>
         </a:spcBef>
-        <a:buFont typeface="Arial" panose="020B0604020202020204" pitchFamily="34" charset="0"/>
+        <a:buFont typeface="Arial" panose="02080604020202020204" pitchFamily="34" charset="0"/>
         <a:buChar char="–"/>
         <a:defRPr sz="2000" kern="1200">
           <a:solidFill>
             <a:schemeClr val="tx1"/>
           </a:solidFill>
           <a:latin typeface="Calibri" panose="020F0502020204030204" charset="0"/>
-          <a:ea typeface="宋体" panose="02010600030101010101" pitchFamily="2" charset="-122"/>
+          <a:ea typeface="宋体" pitchFamily="2" charset="-122"/>
           <a:cs typeface="+mn-cs"/>
           <a:sym typeface="Calibri" panose="020F0502020204030204" charset="0"/>
         </a:defRPr>
@@ -4486,14 +4487,14 @@
         <a:spcBef>
           <a:spcPct val="20000"/>
         </a:spcBef>
-        <a:buFont typeface="Arial" panose="020B0604020202020204" pitchFamily="34" charset="0"/>
+        <a:buFont typeface="Arial" panose="02080604020202020204" pitchFamily="34" charset="0"/>
         <a:buChar char="»"/>
         <a:defRPr sz="2000" kern="1200">
           <a:solidFill>
             <a:schemeClr val="tx1"/>
           </a:solidFill>
           <a:latin typeface="Calibri" panose="020F0502020204030204" charset="0"/>
-          <a:ea typeface="宋体" panose="02010600030101010101" pitchFamily="2" charset="-122"/>
+          <a:ea typeface="宋体" pitchFamily="2" charset="-122"/>
           <a:cs typeface="+mn-cs"/>
           <a:sym typeface="Calibri" panose="020F0502020204030204" charset="0"/>
         </a:defRPr>
@@ -4505,14 +4506,14 @@
         <a:spcBef>
           <a:spcPct val="20000"/>
         </a:spcBef>
-        <a:buFont typeface="Arial" panose="020B0604020202020204" pitchFamily="34" charset="0"/>
+        <a:buFont typeface="Arial" panose="02080604020202020204" pitchFamily="34" charset="0"/>
         <a:buChar char="»"/>
         <a:defRPr sz="2000" kern="1200">
           <a:solidFill>
             <a:schemeClr val="tx1"/>
           </a:solidFill>
           <a:latin typeface="Calibri" panose="020F0502020204030204" charset="0"/>
-          <a:ea typeface="宋体" panose="02010600030101010101" pitchFamily="2" charset="-122"/>
+          <a:ea typeface="宋体" pitchFamily="2" charset="-122"/>
           <a:cs typeface="+mn-cs"/>
           <a:sym typeface="Calibri" panose="020F0502020204030204" charset="0"/>
         </a:defRPr>
@@ -4524,14 +4525,14 @@
         <a:spcBef>
           <a:spcPct val="20000"/>
         </a:spcBef>
-        <a:buFont typeface="Arial" panose="020B0604020202020204" pitchFamily="34" charset="0"/>
+        <a:buFont typeface="Arial" panose="02080604020202020204" pitchFamily="34" charset="0"/>
         <a:buChar char="»"/>
         <a:defRPr sz="2000" kern="1200">
           <a:solidFill>
             <a:schemeClr val="tx1"/>
           </a:solidFill>
           <a:latin typeface="Calibri" panose="020F0502020204030204" charset="0"/>
-          <a:ea typeface="宋体" panose="02010600030101010101" pitchFamily="2" charset="-122"/>
+          <a:ea typeface="宋体" pitchFamily="2" charset="-122"/>
           <a:cs typeface="+mn-cs"/>
           <a:sym typeface="Calibri" panose="020F0502020204030204" charset="0"/>
         </a:defRPr>
@@ -4543,14 +4544,14 @@
         <a:spcBef>
           <a:spcPct val="20000"/>
         </a:spcBef>
-        <a:buFont typeface="Arial" panose="020B0604020202020204" pitchFamily="34" charset="0"/>
+        <a:buFont typeface="Arial" panose="02080604020202020204" pitchFamily="34" charset="0"/>
         <a:buChar char="»"/>
         <a:defRPr sz="2000" kern="1200">
           <a:solidFill>
             <a:schemeClr val="tx1"/>
           </a:solidFill>
           <a:latin typeface="Calibri" panose="020F0502020204030204" charset="0"/>
-          <a:ea typeface="宋体" panose="02010600030101010101" pitchFamily="2" charset="-122"/>
+          <a:ea typeface="宋体" pitchFamily="2" charset="-122"/>
           <a:cs typeface="+mn-cs"/>
           <a:sym typeface="Calibri" panose="020F0502020204030204" charset="0"/>
         </a:defRPr>
@@ -4562,14 +4563,14 @@
         <a:spcBef>
           <a:spcPct val="20000"/>
         </a:spcBef>
-        <a:buFont typeface="Arial" panose="020B0604020202020204" pitchFamily="34" charset="0"/>
+        <a:buFont typeface="Arial" panose="02080604020202020204" pitchFamily="34" charset="0"/>
         <a:buChar char="»"/>
         <a:defRPr sz="2000" kern="1200">
           <a:solidFill>
             <a:schemeClr val="tx1"/>
           </a:solidFill>
           <a:latin typeface="Calibri" panose="020F0502020204030204" charset="0"/>
-          <a:ea typeface="宋体" panose="02010600030101010101" pitchFamily="2" charset="-122"/>
+          <a:ea typeface="宋体" pitchFamily="2" charset="-122"/>
           <a:cs typeface="+mn-cs"/>
           <a:sym typeface="Calibri" panose="020F0502020204030204" charset="0"/>
         </a:defRPr>
@@ -4586,7 +4587,7 @@
         <a:spcAft>
           <a:spcPct val="0"/>
         </a:spcAft>
-        <a:buFont typeface="Arial" panose="020B0604020202020204" pitchFamily="34" charset="0"/>
+        <a:buFont typeface="Arial" panose="02080604020202020204" pitchFamily="34" charset="0"/>
         <a:defRPr sz="1800" kern="1200" baseline="0">
           <a:solidFill>
             <a:schemeClr val="tx1"/>
@@ -4606,12 +4607,12 @@
         <a:spcAft>
           <a:spcPct val="0"/>
         </a:spcAft>
-        <a:buFont typeface="Arial" panose="020B0604020202020204" pitchFamily="34" charset="0"/>
+        <a:buFont typeface="Arial" panose="02080604020202020204" pitchFamily="34" charset="0"/>
         <a:defRPr sz="1800" kern="1200" baseline="0">
           <a:solidFill>
             <a:schemeClr val="tx1"/>
           </a:solidFill>
-          <a:ea typeface="宋体" panose="02010600030101010101" pitchFamily="2" charset="-122"/>
+          <a:ea typeface="宋体" pitchFamily="2" charset="-122"/>
           <a:cs typeface="+mn-cs"/>
         </a:defRPr>
       </a:lvl2pPr>
@@ -4625,12 +4626,12 @@
         <a:spcAft>
           <a:spcPct val="0"/>
         </a:spcAft>
-        <a:buFont typeface="Arial" panose="020B0604020202020204" pitchFamily="34" charset="0"/>
+        <a:buFont typeface="Arial" panose="02080604020202020204" pitchFamily="34" charset="0"/>
         <a:defRPr sz="1800" kern="1200" baseline="0">
           <a:solidFill>
             <a:schemeClr val="tx1"/>
           </a:solidFill>
-          <a:ea typeface="宋体" panose="02010600030101010101" pitchFamily="2" charset="-122"/>
+          <a:ea typeface="宋体" pitchFamily="2" charset="-122"/>
           <a:cs typeface="+mn-cs"/>
         </a:defRPr>
       </a:lvl3pPr>
@@ -4644,12 +4645,12 @@
         <a:spcAft>
           <a:spcPct val="0"/>
         </a:spcAft>
-        <a:buFont typeface="Arial" panose="020B0604020202020204" pitchFamily="34" charset="0"/>
+        <a:buFont typeface="Arial" panose="02080604020202020204" pitchFamily="34" charset="0"/>
         <a:defRPr sz="1800" kern="1200" baseline="0">
           <a:solidFill>
             <a:schemeClr val="tx1"/>
           </a:solidFill>
-          <a:ea typeface="宋体" panose="02010600030101010101" pitchFamily="2" charset="-122"/>
+          <a:ea typeface="宋体" pitchFamily="2" charset="-122"/>
           <a:cs typeface="+mn-cs"/>
         </a:defRPr>
       </a:lvl4pPr>
@@ -4663,12 +4664,12 @@
         <a:spcAft>
           <a:spcPct val="0"/>
         </a:spcAft>
-        <a:buFont typeface="Arial" panose="020B0604020202020204" pitchFamily="34" charset="0"/>
+        <a:buFont typeface="Arial" panose="02080604020202020204" pitchFamily="34" charset="0"/>
         <a:defRPr sz="1800" kern="1200" baseline="0">
           <a:solidFill>
             <a:schemeClr val="tx1"/>
           </a:solidFill>
-          <a:ea typeface="宋体" panose="02010600030101010101" pitchFamily="2" charset="-122"/>
+          <a:ea typeface="宋体" pitchFamily="2" charset="-122"/>
           <a:cs typeface="+mn-cs"/>
         </a:defRPr>
       </a:lvl5pPr>
@@ -4682,12 +4683,12 @@
         <a:spcAft>
           <a:spcPct val="0"/>
         </a:spcAft>
-        <a:buFont typeface="Arial" panose="020B0604020202020204" pitchFamily="34" charset="0"/>
+        <a:buFont typeface="Arial" panose="02080604020202020204" pitchFamily="34" charset="0"/>
         <a:defRPr sz="1800" kern="1200" baseline="0">
           <a:solidFill>
             <a:schemeClr val="tx1"/>
           </a:solidFill>
-          <a:ea typeface="宋体" panose="02010600030101010101" pitchFamily="2" charset="-122"/>
+          <a:ea typeface="宋体" pitchFamily="2" charset="-122"/>
           <a:cs typeface="+mn-cs"/>
         </a:defRPr>
       </a:lvl6pPr>
@@ -4701,12 +4702,12 @@
         <a:spcAft>
           <a:spcPct val="0"/>
         </a:spcAft>
-        <a:buFont typeface="Arial" panose="020B0604020202020204" pitchFamily="34" charset="0"/>
+        <a:buFont typeface="Arial" panose="02080604020202020204" pitchFamily="34" charset="0"/>
         <a:defRPr sz="1800" kern="1200" baseline="0">
           <a:solidFill>
             <a:schemeClr val="tx1"/>
           </a:solidFill>
-          <a:ea typeface="宋体" panose="02010600030101010101" pitchFamily="2" charset="-122"/>
+          <a:ea typeface="宋体" pitchFamily="2" charset="-122"/>
           <a:cs typeface="+mn-cs"/>
         </a:defRPr>
       </a:lvl7pPr>
@@ -4720,12 +4721,12 @@
         <a:spcAft>
           <a:spcPct val="0"/>
         </a:spcAft>
-        <a:buFont typeface="Arial" panose="020B0604020202020204" pitchFamily="34" charset="0"/>
+        <a:buFont typeface="Arial" panose="02080604020202020204" pitchFamily="34" charset="0"/>
         <a:defRPr sz="1800" kern="1200" baseline="0">
           <a:solidFill>
             <a:schemeClr val="tx1"/>
           </a:solidFill>
-          <a:ea typeface="宋体" panose="02010600030101010101" pitchFamily="2" charset="-122"/>
+          <a:ea typeface="宋体" pitchFamily="2" charset="-122"/>
           <a:cs typeface="+mn-cs"/>
         </a:defRPr>
       </a:lvl8pPr>
@@ -4739,12 +4740,12 @@
         <a:spcAft>
           <a:spcPct val="0"/>
         </a:spcAft>
-        <a:buFont typeface="Arial" panose="020B0604020202020204" pitchFamily="34" charset="0"/>
+        <a:buFont typeface="Arial" panose="02080604020202020204" pitchFamily="34" charset="0"/>
         <a:defRPr sz="1800" kern="1200" baseline="0">
           <a:solidFill>
             <a:schemeClr val="tx1"/>
           </a:solidFill>
-          <a:ea typeface="宋体" panose="02010600030101010101" pitchFamily="2" charset="-122"/>
+          <a:ea typeface="宋体" pitchFamily="2" charset="-122"/>
           <a:cs typeface="+mn-cs"/>
         </a:defRPr>
       </a:lvl9pPr>
@@ -4759,7 +4760,7 @@
     <p:bg>
       <p:bgPr>
         <a:blipFill rotWithShape="1">
-          <a:blip r:embed="rId2"/>
+          <a:blip r:embed="rId1"/>
           <a:stretch>
             <a:fillRect/>
           </a:stretch>
@@ -4826,7 +4827,7 @@
                 </a:effectLst>
                 <a:latin typeface="+mj-lt"/>
                 <a:ea typeface="微软雅黑" panose="020B0503020204020204" pitchFamily="34" charset="-122"/>
-                <a:cs typeface="Arial" panose="020B0604020202020204" pitchFamily="34" charset="0"/>
+                <a:cs typeface="Arial" panose="02080604020202020204" pitchFamily="34" charset="0"/>
               </a:rPr>
               <a:t>毕业设计开题报告</a:t>
             </a:r>
@@ -4843,7 +4844,7 @@
               </a:effectLst>
               <a:latin typeface="+mj-lt"/>
               <a:ea typeface="微软雅黑" panose="020B0503020204020204" pitchFamily="34" charset="-122"/>
-              <a:cs typeface="Arial" panose="020B0604020202020204" pitchFamily="34" charset="0"/>
+              <a:cs typeface="Arial" panose="02080604020202020204" pitchFamily="34" charset="0"/>
             </a:endParaRPr>
           </a:p>
           <a:p>
@@ -4865,10 +4866,58 @@
                   </a:outerShdw>
                 </a:effectLst>
                 <a:latin typeface="+mj-lt"/>
-                <a:cs typeface="Arial" panose="020B0604020202020204" pitchFamily="34" charset="0"/>
-              </a:rPr>
-              <a:t>伽玛辐射中累计因子的研究</a:t>
-            </a:r>
+                <a:cs typeface="Arial" panose="02080604020202020204" pitchFamily="34" charset="0"/>
+              </a:rPr>
+              <a:t>利用</a:t>
+            </a:r>
+            <a:r>
+              <a:rPr lang="en-US" altLang="zh-CN" sz="2800" dirty="0">
+                <a:solidFill>
+                  <a:schemeClr val="tx2"/>
+                </a:solidFill>
+                <a:effectLst>
+                  <a:outerShdw blurRad="38100" dist="38100" dir="2700000" algn="tl">
+                    <a:srgbClr val="000000">
+                      <a:alpha val="43137"/>
+                    </a:srgbClr>
+                  </a:outerShdw>
+                </a:effectLst>
+                <a:latin typeface="+mj-lt"/>
+                <a:cs typeface="Arial" panose="02080604020202020204" pitchFamily="34" charset="0"/>
+              </a:rPr>
+              <a:t>GEANT4</a:t>
+            </a:r>
+            <a:r>
+              <a:rPr lang="zh-CN" altLang="en-US" sz="2800" dirty="0">
+                <a:solidFill>
+                  <a:schemeClr val="tx2"/>
+                </a:solidFill>
+                <a:effectLst>
+                  <a:outerShdw blurRad="38100" dist="38100" dir="2700000" algn="tl">
+                    <a:srgbClr val="000000">
+                      <a:alpha val="43137"/>
+                    </a:srgbClr>
+                  </a:outerShdw>
+                </a:effectLst>
+                <a:latin typeface="+mj-lt"/>
+                <a:cs typeface="Arial" panose="02080604020202020204" pitchFamily="34" charset="0"/>
+              </a:rPr>
+              <a:t>研究伽玛辐射在无限大介质中的累计因子</a:t>
+            </a:r>
+            <a:endParaRPr lang="zh-CN" altLang="en-US" sz="2800" dirty="0">
+              <a:solidFill>
+                <a:schemeClr val="tx2"/>
+              </a:solidFill>
+              <a:effectLst>
+                <a:outerShdw blurRad="38100" dist="38100" dir="2700000" algn="tl">
+                  <a:srgbClr val="000000">
+                    <a:alpha val="43137"/>
+                  </a:srgbClr>
+                </a:outerShdw>
+              </a:effectLst>
+              <a:latin typeface="+mj-lt"/>
+              <a:cs typeface="Arial" panose="02080604020202020204" pitchFamily="34" charset="0"/>
+            </a:endParaRPr>
           </a:p>
         </p:txBody>
       </p:sp>
@@ -4930,6 +4979,10 @@
               </a:rPr>
               <a:t>班</a:t>
             </a:r>
+            <a:endParaRPr lang="zh-CN" altLang="en-US" sz="2000" b="1" dirty="0">
+              <a:latin typeface="微软雅黑" panose="020B0503020204020204" pitchFamily="34" charset="-122"/>
+              <a:ea typeface="微软雅黑" panose="020B0503020204020204" pitchFamily="34" charset="-122"/>
+            </a:endParaRPr>
           </a:p>
         </p:txBody>
       </p:sp>
@@ -4940,11 +4993,11 @@
   </p:clrMapOvr>
   <mc:AlternateContent xmlns:mc="http://schemas.openxmlformats.org/markup-compatibility/2006" xmlns:p159="http://schemas.microsoft.com/office/powerpoint/2015/09/main">
     <mc:Choice Requires="p159">
-      <p:transition>
+      <p:transition xmlns:p14="http://schemas.microsoft.com/office/powerpoint/2010/main">
         <p159:morph option="byObject"/>
       </p:transition>
     </mc:Choice>
-    <mc:Fallback xmlns="">
+    <mc:Fallback>
       <p:transition>
         <p:fade/>
       </p:transition>
@@ -4979,7 +5032,7 @@
           <p:nvPr/>
         </p:nvPicPr>
         <p:blipFill>
-          <a:blip r:embed="rId3"/>
+          <a:blip r:embed="rId1"/>
           <a:stretch>
             <a:fillRect/>
           </a:stretch>
@@ -5033,6 +5086,20 @@
               </a:rPr>
               <a:t>国内外研究现状的分析</a:t>
             </a:r>
+            <a:endParaRPr lang="zh-CN" altLang="en-US" sz="3600" b="1" dirty="0">
+              <a:solidFill>
+                <a:schemeClr val="tx2"/>
+              </a:solidFill>
+              <a:effectLst>
+                <a:outerShdw blurRad="38100" dist="38100" dir="2700000" algn="tl">
+                  <a:srgbClr val="000000">
+                    <a:alpha val="43137"/>
+                  </a:srgbClr>
+                </a:outerShdw>
+              </a:effectLst>
+              <a:latin typeface="微软雅黑" panose="020B0503020204020204" pitchFamily="34" charset="-122"/>
+              <a:ea typeface="微软雅黑" panose="020B0503020204020204" pitchFamily="34" charset="-122"/>
+            </a:endParaRPr>
           </a:p>
         </p:txBody>
       </p:sp>
@@ -5064,7 +5131,6 @@
                 </a:solidFill>
                 <a:latin typeface="Cambria Math" panose="02040503050406030204" pitchFamily="18" charset="0"/>
               </a:rPr>
-              <a:t>10</a:t>
             </a:fld>
             <a:endParaRPr lang="zh-CN" altLang="en-US" sz="2000" dirty="0">
               <a:solidFill>
@@ -5114,6 +5180,10 @@
               </a:rPr>
               <a:t>；</a:t>
             </a:r>
+            <a:endParaRPr lang="zh-CN" altLang="en-US" sz="2000" dirty="0">
+              <a:latin typeface="黑体" panose="02010609060101010101" pitchFamily="49" charset="-122"/>
+              <a:ea typeface="黑体" panose="02010609060101010101" pitchFamily="49" charset="-122"/>
+            </a:endParaRPr>
           </a:p>
         </p:txBody>
       </p:sp>
@@ -5147,6 +5217,10 @@
               </a:rPr>
               <a:t>圆柱体源照射量累积因子与同能量点源值比值随入射光子平均自由程的变化</a:t>
             </a:r>
+            <a:endParaRPr lang="zh-CN" altLang="en-US" sz="1600" dirty="0">
+              <a:latin typeface="黑体" panose="02010609060101010101" pitchFamily="49" charset="-122"/>
+              <a:ea typeface="黑体" panose="02010609060101010101" pitchFamily="49" charset="-122"/>
+            </a:endParaRPr>
           </a:p>
         </p:txBody>
       </p:sp>
@@ -5190,6 +5264,12 @@
               </a:rPr>
               <a:t>杨彬, 王璞, 高莉,等. 圆柱体源与点源的照射量累积因子对比[J]. 辐射防护通讯, 2016, 36(003):13-18.</a:t>
             </a:r>
+            <a:endParaRPr altLang="zh-CN" sz="1400" kern="100">
+              <a:solidFill>
+                <a:srgbClr val="000000"/>
+              </a:solidFill>
+              <a:latin typeface="Times New Roman" panose="02020603050405020304" pitchFamily="18" charset="0"/>
+            </a:endParaRPr>
           </a:p>
         </p:txBody>
       </p:sp>
@@ -5202,7 +5282,7 @@
           <p:nvPr/>
         </p:nvPicPr>
         <p:blipFill>
-          <a:blip r:embed="rId4"/>
+          <a:blip r:embed="rId2"/>
           <a:stretch>
             <a:fillRect/>
           </a:stretch>
@@ -5247,6 +5327,10 @@
               </a:rPr>
               <a:t>圆柱体源模型</a:t>
             </a:r>
+            <a:endParaRPr lang="zh-CN" altLang="en-US" sz="1600" dirty="0">
+              <a:latin typeface="黑体" panose="02010609060101010101" pitchFamily="49" charset="-122"/>
+              <a:ea typeface="黑体" panose="02010609060101010101" pitchFamily="49" charset="-122"/>
+            </a:endParaRPr>
           </a:p>
         </p:txBody>
       </p:sp>
@@ -5257,11 +5341,11 @@
   </p:clrMapOvr>
   <mc:AlternateContent xmlns:mc="http://schemas.openxmlformats.org/markup-compatibility/2006" xmlns:p159="http://schemas.microsoft.com/office/powerpoint/2015/09/main">
     <mc:Choice Requires="p159">
-      <p:transition>
+      <p:transition xmlns:p14="http://schemas.microsoft.com/office/powerpoint/2010/main">
         <p159:morph option="byObject"/>
       </p:transition>
     </mc:Choice>
-    <mc:Fallback xmlns="">
+    <mc:Fallback>
       <p:transition>
         <p:fade/>
       </p:transition>
@@ -5326,6 +5410,20 @@
               </a:rPr>
               <a:t>国内外研究现状的分析</a:t>
             </a:r>
+            <a:endParaRPr lang="zh-CN" altLang="en-US" sz="3600" b="1" dirty="0">
+              <a:solidFill>
+                <a:schemeClr val="tx2"/>
+              </a:solidFill>
+              <a:effectLst>
+                <a:outerShdw blurRad="38100" dist="38100" dir="2700000" algn="tl">
+                  <a:srgbClr val="000000">
+                    <a:alpha val="43137"/>
+                  </a:srgbClr>
+                </a:outerShdw>
+              </a:effectLst>
+              <a:latin typeface="微软雅黑" panose="020B0503020204020204" pitchFamily="34" charset="-122"/>
+              <a:ea typeface="微软雅黑" panose="020B0503020204020204" pitchFamily="34" charset="-122"/>
+            </a:endParaRPr>
           </a:p>
         </p:txBody>
       </p:sp>
@@ -5357,7 +5455,6 @@
                 </a:solidFill>
                 <a:latin typeface="Cambria Math" panose="02040503050406030204" pitchFamily="18" charset="0"/>
               </a:rPr>
-              <a:t>11</a:t>
             </a:fld>
             <a:endParaRPr lang="zh-CN" altLang="en-US" sz="2000" dirty="0">
               <a:solidFill>
@@ -5402,6 +5499,10 @@
               </a:rPr>
               <a:t>不同经验公式（无限大）计算累计因子结果比较；</a:t>
             </a:r>
+            <a:endParaRPr lang="zh-CN" altLang="en-US" sz="2000" dirty="0">
+              <a:latin typeface="黑体" panose="02010609060101010101" pitchFamily="49" charset="-122"/>
+              <a:ea typeface="黑体" panose="02010609060101010101" pitchFamily="49" charset="-122"/>
+            </a:endParaRPr>
           </a:p>
         </p:txBody>
       </p:sp>
@@ -5441,12 +5542,40 @@
               </a:rPr>
               <a:t>周文明, 战景明, 郝杰. 两种不同经验公式法计算累积因子的比较[J]. 中国辐射卫生, 2017(4).</a:t>
             </a:r>
+            <a:endParaRPr altLang="zh-CN" sz="1400" dirty="0">
+              <a:latin typeface="+mn-ea"/>
+              <a:ea typeface="+mn-ea"/>
+            </a:endParaRPr>
           </a:p>
         </p:txBody>
       </p:sp>
       <p:pic>
         <p:nvPicPr>
           <p:cNvPr id="2" name="图片 1"/>
+          <p:cNvPicPr>
+            <a:picLocks noChangeAspect="1"/>
+          </p:cNvPicPr>
+          <p:nvPr/>
+        </p:nvPicPr>
+        <p:blipFill>
+          <a:blip r:embed="rId1"/>
+          <a:stretch>
+            <a:fillRect/>
+          </a:stretch>
+        </p:blipFill>
+        <p:spPr>
+          <a:xfrm>
+            <a:off x="467995" y="1916430"/>
+            <a:ext cx="8188960" cy="1869440"/>
+          </a:xfrm>
+          <a:prstGeom prst="rect">
+            <a:avLst/>
+          </a:prstGeom>
+        </p:spPr>
+      </p:pic>
+      <p:pic>
+        <p:nvPicPr>
+          <p:cNvPr id="3" name="图片 2"/>
           <p:cNvPicPr>
             <a:picLocks noChangeAspect="1"/>
           </p:cNvPicPr>
@@ -5460,30 +5589,6 @@
         </p:blipFill>
         <p:spPr>
           <a:xfrm>
-            <a:off x="467995" y="1916430"/>
-            <a:ext cx="8188960" cy="1869440"/>
-          </a:xfrm>
-          <a:prstGeom prst="rect">
-            <a:avLst/>
-          </a:prstGeom>
-        </p:spPr>
-      </p:pic>
-      <p:pic>
-        <p:nvPicPr>
-          <p:cNvPr id="3" name="图片 2"/>
-          <p:cNvPicPr>
-            <a:picLocks noChangeAspect="1"/>
-          </p:cNvPicPr>
-          <p:nvPr/>
-        </p:nvPicPr>
-        <p:blipFill>
-          <a:blip r:embed="rId3"/>
-          <a:stretch>
-            <a:fillRect/>
-          </a:stretch>
-        </p:blipFill>
-        <p:spPr>
-          <a:xfrm>
             <a:off x="683895" y="3860800"/>
             <a:ext cx="3327400" cy="2393315"/>
           </a:xfrm>
@@ -5529,6 +5634,10 @@
               </a:rPr>
               <a:t>Cs放射源在不同铅屏蔽厚度下的累积因子</a:t>
             </a:r>
+            <a:endParaRPr lang="zh-CN" altLang="en-US" sz="1200" dirty="0">
+              <a:latin typeface="黑体" panose="02010609060101010101" pitchFamily="49" charset="-122"/>
+              <a:ea typeface="黑体" panose="02010609060101010101" pitchFamily="49" charset="-122"/>
+            </a:endParaRPr>
           </a:p>
         </p:txBody>
       </p:sp>
@@ -5539,11 +5648,11 @@
   </p:clrMapOvr>
   <mc:AlternateContent xmlns:mc="http://schemas.openxmlformats.org/markup-compatibility/2006" xmlns:p159="http://schemas.microsoft.com/office/powerpoint/2015/09/main">
     <mc:Choice Requires="p159">
-      <p:transition>
+      <p:transition xmlns:p14="http://schemas.microsoft.com/office/powerpoint/2010/main">
         <p159:morph option="byObject"/>
       </p:transition>
     </mc:Choice>
-    <mc:Fallback xmlns="">
+    <mc:Fallback>
       <p:transition>
         <p:fade/>
       </p:transition>
@@ -5608,6 +5717,20 @@
               </a:rPr>
               <a:t>主要研究内容</a:t>
             </a:r>
+            <a:endParaRPr lang="zh-CN" altLang="en-US" sz="3600" b="1" dirty="0">
+              <a:solidFill>
+                <a:schemeClr val="tx2"/>
+              </a:solidFill>
+              <a:effectLst>
+                <a:outerShdw blurRad="38100" dist="38100" dir="2700000" algn="tl">
+                  <a:srgbClr val="000000">
+                    <a:alpha val="43137"/>
+                  </a:srgbClr>
+                </a:outerShdw>
+              </a:effectLst>
+              <a:latin typeface="微软雅黑" panose="020B0503020204020204" pitchFamily="34" charset="-122"/>
+              <a:ea typeface="微软雅黑" panose="020B0503020204020204" pitchFamily="34" charset="-122"/>
+            </a:endParaRPr>
           </a:p>
         </p:txBody>
       </p:sp>
@@ -5639,7 +5762,6 @@
                 </a:solidFill>
                 <a:latin typeface="Cambria Math" panose="02040503050406030204" pitchFamily="18" charset="0"/>
               </a:rPr>
-              <a:t>12</a:t>
             </a:fld>
             <a:endParaRPr lang="zh-CN" altLang="en-US" sz="2000" dirty="0">
               <a:solidFill>
@@ -5691,6 +5813,11 @@
               </a:rPr>
               <a:t>模型与实验对比验证可靠性</a:t>
             </a:r>
+            <a:endParaRPr lang="zh-CN" altLang="en-US" sz="2200" dirty="0">
+              <a:latin typeface="微软雅黑" panose="020B0503020204020204" pitchFamily="34" charset="-122"/>
+              <a:ea typeface="微软雅黑" panose="020B0503020204020204" pitchFamily="34" charset="-122"/>
+              <a:sym typeface="Calibri" panose="020F0502020204030204" charset="0"/>
+            </a:endParaRPr>
           </a:p>
           <a:p>
             <a:pPr marL="457200" indent="-457200">
@@ -5732,7 +5859,7 @@
           </a:p>
           <a:p>
             <a:pPr marL="457200" indent="-457200">
-              <a:buFont typeface="Arial" panose="020B0604020202020204" pitchFamily="34" charset="0"/>
+              <a:buFont typeface="Arial" panose="02080604020202020204" pitchFamily="34" charset="0"/>
               <a:buAutoNum type="arabicPeriod"/>
             </a:pPr>
             <a:r>
@@ -5749,7 +5876,7 @@
           </a:p>
           <a:p>
             <a:pPr marL="457200" indent="-457200">
-              <a:buFont typeface="Arial" panose="020B0604020202020204" pitchFamily="34" charset="0"/>
+              <a:buFont typeface="Arial" panose="02080604020202020204" pitchFamily="34" charset="0"/>
               <a:buAutoNum type="arabicPeriod"/>
             </a:pPr>
             <a:endParaRPr lang="en-US" altLang="zh-CN" sz="2200" dirty="0">
@@ -5759,7 +5886,7 @@
           </a:p>
           <a:p>
             <a:pPr marL="457200" indent="-457200">
-              <a:buFont typeface="Arial" panose="020B0604020202020204" pitchFamily="34" charset="0"/>
+              <a:buFont typeface="Arial" panose="02080604020202020204" pitchFamily="34" charset="0"/>
               <a:buAutoNum type="arabicPeriod"/>
             </a:pPr>
             <a:r>
@@ -5769,10 +5896,14 @@
               </a:rPr>
               <a:t>得到有限均匀介质累计因子的参考值，并通过拟合等手段给出经验公式</a:t>
             </a:r>
+            <a:endParaRPr lang="zh-CN" sz="2200" dirty="0">
+              <a:latin typeface="微软雅黑" panose="020B0503020204020204" pitchFamily="34" charset="-122"/>
+              <a:ea typeface="微软雅黑" panose="020B0503020204020204" pitchFamily="34" charset="-122"/>
+            </a:endParaRPr>
           </a:p>
           <a:p>
             <a:pPr marL="457200" indent="-457200">
-              <a:buFont typeface="Arial" panose="020B0604020202020204" pitchFamily="34" charset="0"/>
+              <a:buFont typeface="Arial" panose="02080604020202020204" pitchFamily="34" charset="0"/>
               <a:buAutoNum type="arabicPeriod"/>
             </a:pPr>
             <a:endParaRPr lang="zh-CN" altLang="en-US" sz="2200" dirty="0">
@@ -5817,11 +5948,11 @@
   </p:clrMapOvr>
   <mc:AlternateContent xmlns:mc="http://schemas.openxmlformats.org/markup-compatibility/2006" xmlns:p159="http://schemas.microsoft.com/office/powerpoint/2015/09/main">
     <mc:Choice Requires="p159">
-      <p:transition>
+      <p:transition xmlns:p14="http://schemas.microsoft.com/office/powerpoint/2010/main">
         <p159:morph option="byObject"/>
       </p:transition>
     </mc:Choice>
-    <mc:Fallback xmlns="">
+    <mc:Fallback>
       <p:transition>
         <p:fade/>
       </p:transition>
@@ -5875,7 +6006,6 @@
                 </a:solidFill>
                 <a:latin typeface="Cambria Math" panose="02040503050406030204" pitchFamily="18" charset="0"/>
               </a:rPr>
-              <a:t>13</a:t>
             </a:fld>
             <a:endParaRPr lang="zh-CN" altLang="en-US" sz="2000" dirty="0">
               <a:solidFill>
@@ -5994,7 +6124,7 @@
           <p:nvPr/>
         </p:nvPicPr>
         <p:blipFill rotWithShape="1">
-          <a:blip r:embed="rId2"/>
+          <a:blip r:embed="rId1"/>
           <a:srcRect r="827"/>
           <a:stretch>
             <a:fillRect/>
@@ -6086,6 +6216,20 @@
               </a:rPr>
               <a:t>研究方案</a:t>
             </a:r>
+            <a:endParaRPr lang="zh-CN" altLang="en-US" sz="3600" b="1" dirty="0">
+              <a:solidFill>
+                <a:schemeClr val="tx2"/>
+              </a:solidFill>
+              <a:effectLst>
+                <a:outerShdw blurRad="38100" dist="38100" dir="2700000" algn="tl">
+                  <a:srgbClr val="000000">
+                    <a:alpha val="43137"/>
+                  </a:srgbClr>
+                </a:outerShdw>
+              </a:effectLst>
+              <a:latin typeface="微软雅黑" panose="020B0503020204020204" pitchFamily="34" charset="-122"/>
+              <a:ea typeface="微软雅黑" panose="020B0503020204020204" pitchFamily="34" charset="-122"/>
+            </a:endParaRPr>
           </a:p>
         </p:txBody>
       </p:sp>
@@ -6096,11 +6240,11 @@
   </p:clrMapOvr>
   <mc:AlternateContent xmlns:mc="http://schemas.openxmlformats.org/markup-compatibility/2006" xmlns:p159="http://schemas.microsoft.com/office/powerpoint/2015/09/main">
     <mc:Choice Requires="p159">
-      <p:transition>
+      <p:transition xmlns:p14="http://schemas.microsoft.com/office/powerpoint/2010/main">
         <p159:morph option="byObject"/>
       </p:transition>
     </mc:Choice>
-    <mc:Fallback xmlns="">
+    <mc:Fallback>
       <p:transition>
         <p:fade/>
       </p:transition>
@@ -6246,6 +6390,20 @@
               </a:rPr>
               <a:t>研究方案</a:t>
             </a:r>
+            <a:endParaRPr lang="zh-CN" altLang="en-US" sz="3600" b="1" dirty="0">
+              <a:solidFill>
+                <a:schemeClr val="tx2"/>
+              </a:solidFill>
+              <a:effectLst>
+                <a:outerShdw blurRad="38100" dist="38100" dir="2700000" algn="tl">
+                  <a:srgbClr val="000000">
+                    <a:alpha val="43137"/>
+                  </a:srgbClr>
+                </a:outerShdw>
+              </a:effectLst>
+              <a:latin typeface="微软雅黑" panose="020B0503020204020204" pitchFamily="34" charset="-122"/>
+              <a:ea typeface="微软雅黑" panose="020B0503020204020204" pitchFamily="34" charset="-122"/>
+            </a:endParaRPr>
           </a:p>
         </p:txBody>
       </p:sp>
@@ -6280,7 +6438,7 @@
               <a:spcBef>
                 <a:spcPct val="20000"/>
               </a:spcBef>
-              <a:buFont typeface="Arial" panose="020B0604020202020204" pitchFamily="34" charset="0"/>
+              <a:buFont typeface="Arial" panose="02080604020202020204" pitchFamily="34" charset="0"/>
               <a:buChar char="•"/>
               <a:defRPr sz="3200" kern="1200">
                 <a:solidFill>
@@ -6299,14 +6457,14 @@
               <a:spcBef>
                 <a:spcPct val="20000"/>
               </a:spcBef>
-              <a:buFont typeface="Arial" panose="020B0604020202020204" pitchFamily="34" charset="0"/>
+              <a:buFont typeface="Arial" panose="02080604020202020204" pitchFamily="34" charset="0"/>
               <a:buChar char="–"/>
               <a:defRPr sz="2800" kern="1200">
                 <a:solidFill>
                   <a:schemeClr val="tx1"/>
                 </a:solidFill>
                 <a:latin typeface="Calibri" panose="020F0502020204030204" charset="0"/>
-                <a:ea typeface="宋体" panose="02010600030101010101" pitchFamily="2" charset="-122"/>
+                <a:ea typeface="宋体" pitchFamily="2" charset="-122"/>
                 <a:cs typeface="+mn-cs"/>
                 <a:sym typeface="Calibri" panose="020F0502020204030204" charset="0"/>
               </a:defRPr>
@@ -6318,14 +6476,14 @@
               <a:spcBef>
                 <a:spcPct val="20000"/>
               </a:spcBef>
-              <a:buFont typeface="Arial" panose="020B0604020202020204" pitchFamily="34" charset="0"/>
+              <a:buFont typeface="Arial" panose="02080604020202020204" pitchFamily="34" charset="0"/>
               <a:buChar char="•"/>
               <a:defRPr sz="2400" kern="1200">
                 <a:solidFill>
                   <a:schemeClr val="tx1"/>
                 </a:solidFill>
                 <a:latin typeface="Calibri" panose="020F0502020204030204" charset="0"/>
-                <a:ea typeface="宋体" panose="02010600030101010101" pitchFamily="2" charset="-122"/>
+                <a:ea typeface="宋体" pitchFamily="2" charset="-122"/>
                 <a:cs typeface="+mn-cs"/>
                 <a:sym typeface="Calibri" panose="020F0502020204030204" charset="0"/>
               </a:defRPr>
@@ -6337,14 +6495,14 @@
               <a:spcBef>
                 <a:spcPct val="20000"/>
               </a:spcBef>
-              <a:buFont typeface="Arial" panose="020B0604020202020204" pitchFamily="34" charset="0"/>
+              <a:buFont typeface="Arial" panose="02080604020202020204" pitchFamily="34" charset="0"/>
               <a:buChar char="–"/>
               <a:defRPr sz="2000" kern="1200">
                 <a:solidFill>
                   <a:schemeClr val="tx1"/>
                 </a:solidFill>
                 <a:latin typeface="Calibri" panose="020F0502020204030204" charset="0"/>
-                <a:ea typeface="宋体" panose="02010600030101010101" pitchFamily="2" charset="-122"/>
+                <a:ea typeface="宋体" pitchFamily="2" charset="-122"/>
                 <a:cs typeface="+mn-cs"/>
                 <a:sym typeface="Calibri" panose="020F0502020204030204" charset="0"/>
               </a:defRPr>
@@ -6356,14 +6514,14 @@
               <a:spcBef>
                 <a:spcPct val="20000"/>
               </a:spcBef>
-              <a:buFont typeface="Arial" panose="020B0604020202020204" pitchFamily="34" charset="0"/>
+              <a:buFont typeface="Arial" panose="02080604020202020204" pitchFamily="34" charset="0"/>
               <a:buChar char="»"/>
               <a:defRPr sz="2000" kern="1200">
                 <a:solidFill>
                   <a:schemeClr val="tx1"/>
                 </a:solidFill>
                 <a:latin typeface="Calibri" panose="020F0502020204030204" charset="0"/>
-                <a:ea typeface="宋体" panose="02010600030101010101" pitchFamily="2" charset="-122"/>
+                <a:ea typeface="宋体" pitchFamily="2" charset="-122"/>
                 <a:cs typeface="+mn-cs"/>
                 <a:sym typeface="Calibri" panose="020F0502020204030204" charset="0"/>
               </a:defRPr>
@@ -6375,14 +6533,14 @@
               <a:spcBef>
                 <a:spcPct val="20000"/>
               </a:spcBef>
-              <a:buFont typeface="Arial" panose="020B0604020202020204" pitchFamily="34" charset="0"/>
+              <a:buFont typeface="Arial" panose="02080604020202020204" pitchFamily="34" charset="0"/>
               <a:buChar char="»"/>
               <a:defRPr sz="2000" kern="1200">
                 <a:solidFill>
                   <a:schemeClr val="tx1"/>
                 </a:solidFill>
                 <a:latin typeface="Calibri" panose="020F0502020204030204" charset="0"/>
-                <a:ea typeface="宋体" panose="02010600030101010101" pitchFamily="2" charset="-122"/>
+                <a:ea typeface="宋体" pitchFamily="2" charset="-122"/>
                 <a:cs typeface="+mn-cs"/>
                 <a:sym typeface="Calibri" panose="020F0502020204030204" charset="0"/>
               </a:defRPr>
@@ -6394,14 +6552,14 @@
               <a:spcBef>
                 <a:spcPct val="20000"/>
               </a:spcBef>
-              <a:buFont typeface="Arial" panose="020B0604020202020204" pitchFamily="34" charset="0"/>
+              <a:buFont typeface="Arial" panose="02080604020202020204" pitchFamily="34" charset="0"/>
               <a:buChar char="»"/>
               <a:defRPr sz="2000" kern="1200">
                 <a:solidFill>
                   <a:schemeClr val="tx1"/>
                 </a:solidFill>
                 <a:latin typeface="Calibri" panose="020F0502020204030204" charset="0"/>
-                <a:ea typeface="宋体" panose="02010600030101010101" pitchFamily="2" charset="-122"/>
+                <a:ea typeface="宋体" pitchFamily="2" charset="-122"/>
                 <a:cs typeface="+mn-cs"/>
                 <a:sym typeface="Calibri" panose="020F0502020204030204" charset="0"/>
               </a:defRPr>
@@ -6413,14 +6571,14 @@
               <a:spcBef>
                 <a:spcPct val="20000"/>
               </a:spcBef>
-              <a:buFont typeface="Arial" panose="020B0604020202020204" pitchFamily="34" charset="0"/>
+              <a:buFont typeface="Arial" panose="02080604020202020204" pitchFamily="34" charset="0"/>
               <a:buChar char="»"/>
               <a:defRPr sz="2000" kern="1200">
                 <a:solidFill>
                   <a:schemeClr val="tx1"/>
                 </a:solidFill>
                 <a:latin typeface="Calibri" panose="020F0502020204030204" charset="0"/>
-                <a:ea typeface="宋体" panose="02010600030101010101" pitchFamily="2" charset="-122"/>
+                <a:ea typeface="宋体" pitchFamily="2" charset="-122"/>
                 <a:cs typeface="+mn-cs"/>
                 <a:sym typeface="Calibri" panose="020F0502020204030204" charset="0"/>
               </a:defRPr>
@@ -6432,14 +6590,14 @@
               <a:spcBef>
                 <a:spcPct val="20000"/>
               </a:spcBef>
-              <a:buFont typeface="Arial" panose="020B0604020202020204" pitchFamily="34" charset="0"/>
+              <a:buFont typeface="Arial" panose="02080604020202020204" pitchFamily="34" charset="0"/>
               <a:buChar char="»"/>
               <a:defRPr sz="2000" kern="1200">
                 <a:solidFill>
                   <a:schemeClr val="tx1"/>
                 </a:solidFill>
                 <a:latin typeface="Calibri" panose="020F0502020204030204" charset="0"/>
-                <a:ea typeface="宋体" panose="02010600030101010101" pitchFamily="2" charset="-122"/>
+                <a:ea typeface="宋体" pitchFamily="2" charset="-122"/>
                 <a:cs typeface="+mn-cs"/>
                 <a:sym typeface="Calibri" panose="020F0502020204030204" charset="0"/>
               </a:defRPr>
@@ -6450,7 +6608,7 @@
               <a:spcAft>
                 <a:spcPts val="0"/>
               </a:spcAft>
-              <a:buFont typeface="Arial" panose="020B0604020202020204" pitchFamily="34" charset="0"/>
+              <a:buFont typeface="Arial" panose="02080604020202020204" pitchFamily="34" charset="0"/>
               <a:buNone/>
             </a:pPr>
             <a:r>
@@ -6485,10 +6643,14 @@
             <a:r>
               <a:rPr lang="zh-CN" altLang="en-US" sz="2200" b="1" dirty="0">
                 <a:latin typeface="微软雅黑" panose="020B0503020204020204" pitchFamily="34" charset="-122"/>
-                <a:ea typeface="宋体" panose="02010600030101010101" pitchFamily="2" charset="-122"/>
+                <a:ea typeface="宋体" pitchFamily="2" charset="-122"/>
               </a:rPr>
               <a:t>结果可靠性</a:t>
             </a:r>
+            <a:endParaRPr lang="zh-CN" altLang="en-US" sz="2200" b="1" dirty="0">
+              <a:latin typeface="微软雅黑" panose="020B0503020204020204" pitchFamily="34" charset="-122"/>
+              <a:ea typeface="宋体" pitchFamily="2" charset="-122"/>
+            </a:endParaRPr>
           </a:p>
         </p:txBody>
       </p:sp>
@@ -6501,7 +6663,7 @@
           <p:nvPr/>
         </p:nvPicPr>
         <p:blipFill>
-          <a:blip r:embed="rId3"/>
+          <a:blip r:embed="rId1"/>
           <a:stretch>
             <a:fillRect/>
           </a:stretch>
@@ -6527,11 +6689,11 @@
   </p:clrMapOvr>
   <mc:AlternateContent xmlns:mc="http://schemas.openxmlformats.org/markup-compatibility/2006" xmlns:p159="http://schemas.microsoft.com/office/powerpoint/2015/09/main">
     <mc:Choice Requires="p159">
-      <p:transition>
+      <p:transition xmlns:p14="http://schemas.microsoft.com/office/powerpoint/2010/main">
         <p159:morph option="byObject"/>
       </p:transition>
     </mc:Choice>
-    <mc:Fallback xmlns="">
+    <mc:Fallback>
       <p:transition>
         <p:fade/>
       </p:transition>
@@ -6596,6 +6758,20 @@
               </a:rPr>
               <a:t>研究方案</a:t>
             </a:r>
+            <a:endParaRPr lang="zh-CN" altLang="en-US" sz="3600" b="1" dirty="0">
+              <a:solidFill>
+                <a:schemeClr val="tx2"/>
+              </a:solidFill>
+              <a:effectLst>
+                <a:outerShdw blurRad="38100" dist="38100" dir="2700000" algn="tl">
+                  <a:srgbClr val="000000">
+                    <a:alpha val="43137"/>
+                  </a:srgbClr>
+                </a:outerShdw>
+              </a:effectLst>
+              <a:latin typeface="微软雅黑" panose="020B0503020204020204" pitchFamily="34" charset="-122"/>
+              <a:ea typeface="微软雅黑" panose="020B0503020204020204" pitchFamily="34" charset="-122"/>
+            </a:endParaRPr>
           </a:p>
         </p:txBody>
       </p:sp>
@@ -6630,7 +6806,7 @@
               <a:spcBef>
                 <a:spcPct val="20000"/>
               </a:spcBef>
-              <a:buFont typeface="Arial" panose="020B0604020202020204" pitchFamily="34" charset="0"/>
+              <a:buFont typeface="Arial" panose="02080604020202020204" pitchFamily="34" charset="0"/>
               <a:buChar char="•"/>
               <a:defRPr sz="3200" kern="1200">
                 <a:solidFill>
@@ -6649,14 +6825,14 @@
               <a:spcBef>
                 <a:spcPct val="20000"/>
               </a:spcBef>
-              <a:buFont typeface="Arial" panose="020B0604020202020204" pitchFamily="34" charset="0"/>
+              <a:buFont typeface="Arial" panose="02080604020202020204" pitchFamily="34" charset="0"/>
               <a:buChar char="–"/>
               <a:defRPr sz="2800" kern="1200">
                 <a:solidFill>
                   <a:schemeClr val="tx1"/>
                 </a:solidFill>
                 <a:latin typeface="Calibri" panose="020F0502020204030204" charset="0"/>
-                <a:ea typeface="宋体" panose="02010600030101010101" pitchFamily="2" charset="-122"/>
+                <a:ea typeface="宋体" pitchFamily="2" charset="-122"/>
                 <a:cs typeface="+mn-cs"/>
                 <a:sym typeface="Calibri" panose="020F0502020204030204" charset="0"/>
               </a:defRPr>
@@ -6668,14 +6844,14 @@
               <a:spcBef>
                 <a:spcPct val="20000"/>
               </a:spcBef>
-              <a:buFont typeface="Arial" panose="020B0604020202020204" pitchFamily="34" charset="0"/>
+              <a:buFont typeface="Arial" panose="02080604020202020204" pitchFamily="34" charset="0"/>
               <a:buChar char="•"/>
               <a:defRPr sz="2400" kern="1200">
                 <a:solidFill>
                   <a:schemeClr val="tx1"/>
                 </a:solidFill>
                 <a:latin typeface="Calibri" panose="020F0502020204030204" charset="0"/>
-                <a:ea typeface="宋体" panose="02010600030101010101" pitchFamily="2" charset="-122"/>
+                <a:ea typeface="宋体" pitchFamily="2" charset="-122"/>
                 <a:cs typeface="+mn-cs"/>
                 <a:sym typeface="Calibri" panose="020F0502020204030204" charset="0"/>
               </a:defRPr>
@@ -6687,14 +6863,14 @@
               <a:spcBef>
                 <a:spcPct val="20000"/>
               </a:spcBef>
-              <a:buFont typeface="Arial" panose="020B0604020202020204" pitchFamily="34" charset="0"/>
+              <a:buFont typeface="Arial" panose="02080604020202020204" pitchFamily="34" charset="0"/>
               <a:buChar char="–"/>
               <a:defRPr sz="2000" kern="1200">
                 <a:solidFill>
                   <a:schemeClr val="tx1"/>
                 </a:solidFill>
                 <a:latin typeface="Calibri" panose="020F0502020204030204" charset="0"/>
-                <a:ea typeface="宋体" panose="02010600030101010101" pitchFamily="2" charset="-122"/>
+                <a:ea typeface="宋体" pitchFamily="2" charset="-122"/>
                 <a:cs typeface="+mn-cs"/>
                 <a:sym typeface="Calibri" panose="020F0502020204030204" charset="0"/>
               </a:defRPr>
@@ -6706,14 +6882,14 @@
               <a:spcBef>
                 <a:spcPct val="20000"/>
               </a:spcBef>
-              <a:buFont typeface="Arial" panose="020B0604020202020204" pitchFamily="34" charset="0"/>
+              <a:buFont typeface="Arial" panose="02080604020202020204" pitchFamily="34" charset="0"/>
               <a:buChar char="»"/>
               <a:defRPr sz="2000" kern="1200">
                 <a:solidFill>
                   <a:schemeClr val="tx1"/>
                 </a:solidFill>
                 <a:latin typeface="Calibri" panose="020F0502020204030204" charset="0"/>
-                <a:ea typeface="宋体" panose="02010600030101010101" pitchFamily="2" charset="-122"/>
+                <a:ea typeface="宋体" pitchFamily="2" charset="-122"/>
                 <a:cs typeface="+mn-cs"/>
                 <a:sym typeface="Calibri" panose="020F0502020204030204" charset="0"/>
               </a:defRPr>
@@ -6725,14 +6901,14 @@
               <a:spcBef>
                 <a:spcPct val="20000"/>
               </a:spcBef>
-              <a:buFont typeface="Arial" panose="020B0604020202020204" pitchFamily="34" charset="0"/>
+              <a:buFont typeface="Arial" panose="02080604020202020204" pitchFamily="34" charset="0"/>
               <a:buChar char="»"/>
               <a:defRPr sz="2000" kern="1200">
                 <a:solidFill>
                   <a:schemeClr val="tx1"/>
                 </a:solidFill>
                 <a:latin typeface="Calibri" panose="020F0502020204030204" charset="0"/>
-                <a:ea typeface="宋体" panose="02010600030101010101" pitchFamily="2" charset="-122"/>
+                <a:ea typeface="宋体" pitchFamily="2" charset="-122"/>
                 <a:cs typeface="+mn-cs"/>
                 <a:sym typeface="Calibri" panose="020F0502020204030204" charset="0"/>
               </a:defRPr>
@@ -6744,14 +6920,14 @@
               <a:spcBef>
                 <a:spcPct val="20000"/>
               </a:spcBef>
-              <a:buFont typeface="Arial" panose="020B0604020202020204" pitchFamily="34" charset="0"/>
+              <a:buFont typeface="Arial" panose="02080604020202020204" pitchFamily="34" charset="0"/>
               <a:buChar char="»"/>
               <a:defRPr sz="2000" kern="1200">
                 <a:solidFill>
                   <a:schemeClr val="tx1"/>
                 </a:solidFill>
                 <a:latin typeface="Calibri" panose="020F0502020204030204" charset="0"/>
-                <a:ea typeface="宋体" panose="02010600030101010101" pitchFamily="2" charset="-122"/>
+                <a:ea typeface="宋体" pitchFamily="2" charset="-122"/>
                 <a:cs typeface="+mn-cs"/>
                 <a:sym typeface="Calibri" panose="020F0502020204030204" charset="0"/>
               </a:defRPr>
@@ -6763,14 +6939,14 @@
               <a:spcBef>
                 <a:spcPct val="20000"/>
               </a:spcBef>
-              <a:buFont typeface="Arial" panose="020B0604020202020204" pitchFamily="34" charset="0"/>
+              <a:buFont typeface="Arial" panose="02080604020202020204" pitchFamily="34" charset="0"/>
               <a:buChar char="»"/>
               <a:defRPr sz="2000" kern="1200">
                 <a:solidFill>
                   <a:schemeClr val="tx1"/>
                 </a:solidFill>
                 <a:latin typeface="Calibri" panose="020F0502020204030204" charset="0"/>
-                <a:ea typeface="宋体" panose="02010600030101010101" pitchFamily="2" charset="-122"/>
+                <a:ea typeface="宋体" pitchFamily="2" charset="-122"/>
                 <a:cs typeface="+mn-cs"/>
                 <a:sym typeface="Calibri" panose="020F0502020204030204" charset="0"/>
               </a:defRPr>
@@ -6782,14 +6958,14 @@
               <a:spcBef>
                 <a:spcPct val="20000"/>
               </a:spcBef>
-              <a:buFont typeface="Arial" panose="020B0604020202020204" pitchFamily="34" charset="0"/>
+              <a:buFont typeface="Arial" panose="02080604020202020204" pitchFamily="34" charset="0"/>
               <a:buChar char="»"/>
               <a:defRPr sz="2000" kern="1200">
                 <a:solidFill>
                   <a:schemeClr val="tx1"/>
                 </a:solidFill>
                 <a:latin typeface="Calibri" panose="020F0502020204030204" charset="0"/>
-                <a:ea typeface="宋体" panose="02010600030101010101" pitchFamily="2" charset="-122"/>
+                <a:ea typeface="宋体" pitchFamily="2" charset="-122"/>
                 <a:cs typeface="+mn-cs"/>
                 <a:sym typeface="Calibri" panose="020F0502020204030204" charset="0"/>
               </a:defRPr>
@@ -6800,7 +6976,7 @@
               <a:spcAft>
                 <a:spcPts val="0"/>
               </a:spcAft>
-              <a:buFont typeface="Arial" panose="020B0604020202020204" pitchFamily="34" charset="0"/>
+              <a:buFont typeface="Arial" panose="02080604020202020204" pitchFamily="34" charset="0"/>
               <a:buNone/>
             </a:pPr>
             <a:r>
@@ -6827,10 +7003,14 @@
             <a:r>
               <a:rPr lang="zh-CN" altLang="en-US" sz="2200" b="1" dirty="0">
                 <a:latin typeface="微软雅黑" panose="020B0503020204020204" pitchFamily="34" charset="-122"/>
-                <a:ea typeface="宋体" panose="02010600030101010101" pitchFamily="2" charset="-122"/>
+                <a:ea typeface="宋体" pitchFamily="2" charset="-122"/>
               </a:rPr>
               <a:t>结果可靠性</a:t>
             </a:r>
+            <a:endParaRPr lang="zh-CN" altLang="en-US" sz="2200" b="1" dirty="0">
+              <a:latin typeface="微软雅黑" panose="020B0503020204020204" pitchFamily="34" charset="-122"/>
+              <a:ea typeface="宋体" pitchFamily="2" charset="-122"/>
+            </a:endParaRPr>
           </a:p>
         </p:txBody>
       </p:sp>
@@ -6930,12 +7110,68 @@
               </a:rPr>
               <a:t>。</a:t>
             </a:r>
+            <a:endParaRPr lang="zh-CN" altLang="en-US" sz="1600" dirty="0">
+              <a:latin typeface="黑体" panose="02010609060101010101" pitchFamily="49" charset="-122"/>
+              <a:ea typeface="黑体" panose="02010609060101010101" pitchFamily="49" charset="-122"/>
+            </a:endParaRPr>
           </a:p>
         </p:txBody>
       </p:sp>
       <p:pic>
         <p:nvPicPr>
           <p:cNvPr id="17410" name="图片 1"/>
+          <p:cNvPicPr>
+            <a:picLocks noChangeAspect="1"/>
+          </p:cNvPicPr>
+          <p:nvPr/>
+        </p:nvPicPr>
+        <p:blipFill>
+          <a:blip r:embed="rId1"/>
+          <a:stretch>
+            <a:fillRect/>
+          </a:stretch>
+        </p:blipFill>
+        <p:spPr>
+          <a:xfrm>
+            <a:off x="395605" y="1988820"/>
+            <a:ext cx="4443730" cy="2242820"/>
+          </a:xfrm>
+          <a:prstGeom prst="rect">
+            <a:avLst/>
+          </a:prstGeom>
+          <a:noFill/>
+          <a:ln w="9525">
+            <a:noFill/>
+          </a:ln>
+        </p:spPr>
+      </p:pic>
+      <p:pic>
+        <p:nvPicPr>
+          <p:cNvPr id="3" name="图片 2"/>
+          <p:cNvPicPr>
+            <a:picLocks noChangeAspect="1"/>
+          </p:cNvPicPr>
+          <p:nvPr/>
+        </p:nvPicPr>
+        <p:blipFill>
+          <a:blip r:embed="rId2"/>
+          <a:stretch>
+            <a:fillRect/>
+          </a:stretch>
+        </p:blipFill>
+        <p:spPr>
+          <a:xfrm>
+            <a:off x="828040" y="4364990"/>
+            <a:ext cx="3385185" cy="2181860"/>
+          </a:xfrm>
+          <a:prstGeom prst="rect">
+            <a:avLst/>
+          </a:prstGeom>
+        </p:spPr>
+      </p:pic>
+      <p:pic>
+        <p:nvPicPr>
+          <p:cNvPr id="4" name="图片 3"/>
           <p:cNvPicPr>
             <a:picLocks noChangeAspect="1"/>
           </p:cNvPicPr>
@@ -6949,58 +7185,6 @@
         </p:blipFill>
         <p:spPr>
           <a:xfrm>
-            <a:off x="395605" y="1988820"/>
-            <a:ext cx="4443730" cy="2242820"/>
-          </a:xfrm>
-          <a:prstGeom prst="rect">
-            <a:avLst/>
-          </a:prstGeom>
-          <a:noFill/>
-          <a:ln w="9525">
-            <a:noFill/>
-          </a:ln>
-        </p:spPr>
-      </p:pic>
-      <p:pic>
-        <p:nvPicPr>
-          <p:cNvPr id="3" name="图片 2"/>
-          <p:cNvPicPr>
-            <a:picLocks noChangeAspect="1"/>
-          </p:cNvPicPr>
-          <p:nvPr/>
-        </p:nvPicPr>
-        <p:blipFill>
-          <a:blip r:embed="rId4"/>
-          <a:stretch>
-            <a:fillRect/>
-          </a:stretch>
-        </p:blipFill>
-        <p:spPr>
-          <a:xfrm>
-            <a:off x="828040" y="4364990"/>
-            <a:ext cx="3385185" cy="2181860"/>
-          </a:xfrm>
-          <a:prstGeom prst="rect">
-            <a:avLst/>
-          </a:prstGeom>
-        </p:spPr>
-      </p:pic>
-      <p:pic>
-        <p:nvPicPr>
-          <p:cNvPr id="4" name="图片 3"/>
-          <p:cNvPicPr>
-            <a:picLocks noChangeAspect="1"/>
-          </p:cNvPicPr>
-          <p:nvPr/>
-        </p:nvPicPr>
-        <p:blipFill>
-          <a:blip r:embed="rId5"/>
-          <a:stretch>
-            <a:fillRect/>
-          </a:stretch>
-        </p:blipFill>
-        <p:spPr>
-          <a:xfrm>
             <a:off x="4816475" y="4364990"/>
             <a:ext cx="3355975" cy="2202180"/>
           </a:xfrm>
@@ -7016,11 +7200,11 @@
   </p:clrMapOvr>
   <mc:AlternateContent xmlns:mc="http://schemas.openxmlformats.org/markup-compatibility/2006" xmlns:p159="http://schemas.microsoft.com/office/powerpoint/2015/09/main">
     <mc:Choice Requires="p159">
-      <p:transition>
+      <p:transition xmlns:p14="http://schemas.microsoft.com/office/powerpoint/2010/main">
         <p159:morph option="byObject"/>
       </p:transition>
     </mc:Choice>
-    <mc:Fallback xmlns="">
+    <mc:Fallback>
       <p:transition>
         <p:fade/>
       </p:transition>
@@ -7085,6 +7269,20 @@
               </a:rPr>
               <a:t>研究方案</a:t>
             </a:r>
+            <a:endParaRPr lang="zh-CN" altLang="en-US" sz="3600" b="1" dirty="0">
+              <a:solidFill>
+                <a:schemeClr val="tx2"/>
+              </a:solidFill>
+              <a:effectLst>
+                <a:outerShdw blurRad="38100" dist="38100" dir="2700000" algn="tl">
+                  <a:srgbClr val="000000">
+                    <a:alpha val="43137"/>
+                  </a:srgbClr>
+                </a:outerShdw>
+              </a:effectLst>
+              <a:latin typeface="微软雅黑" panose="020B0503020204020204" pitchFamily="34" charset="-122"/>
+              <a:ea typeface="微软雅黑" panose="020B0503020204020204" pitchFamily="34" charset="-122"/>
+            </a:endParaRPr>
           </a:p>
         </p:txBody>
       </p:sp>
@@ -7119,7 +7317,7 @@
               <a:spcBef>
                 <a:spcPct val="20000"/>
               </a:spcBef>
-              <a:buFont typeface="Arial" panose="020B0604020202020204" pitchFamily="34" charset="0"/>
+              <a:buFont typeface="Arial" panose="02080604020202020204" pitchFamily="34" charset="0"/>
               <a:buChar char="•"/>
               <a:defRPr sz="3200" kern="1200">
                 <a:solidFill>
@@ -7138,14 +7336,14 @@
               <a:spcBef>
                 <a:spcPct val="20000"/>
               </a:spcBef>
-              <a:buFont typeface="Arial" panose="020B0604020202020204" pitchFamily="34" charset="0"/>
+              <a:buFont typeface="Arial" panose="02080604020202020204" pitchFamily="34" charset="0"/>
               <a:buChar char="–"/>
               <a:defRPr sz="2800" kern="1200">
                 <a:solidFill>
                   <a:schemeClr val="tx1"/>
                 </a:solidFill>
                 <a:latin typeface="Calibri" panose="020F0502020204030204" charset="0"/>
-                <a:ea typeface="宋体" panose="02010600030101010101" pitchFamily="2" charset="-122"/>
+                <a:ea typeface="宋体" pitchFamily="2" charset="-122"/>
                 <a:cs typeface="+mn-cs"/>
                 <a:sym typeface="Calibri" panose="020F0502020204030204" charset="0"/>
               </a:defRPr>
@@ -7157,14 +7355,14 @@
               <a:spcBef>
                 <a:spcPct val="20000"/>
               </a:spcBef>
-              <a:buFont typeface="Arial" panose="020B0604020202020204" pitchFamily="34" charset="0"/>
+              <a:buFont typeface="Arial" panose="02080604020202020204" pitchFamily="34" charset="0"/>
               <a:buChar char="•"/>
               <a:defRPr sz="2400" kern="1200">
                 <a:solidFill>
                   <a:schemeClr val="tx1"/>
                 </a:solidFill>
                 <a:latin typeface="Calibri" panose="020F0502020204030204" charset="0"/>
-                <a:ea typeface="宋体" panose="02010600030101010101" pitchFamily="2" charset="-122"/>
+                <a:ea typeface="宋体" pitchFamily="2" charset="-122"/>
                 <a:cs typeface="+mn-cs"/>
                 <a:sym typeface="Calibri" panose="020F0502020204030204" charset="0"/>
               </a:defRPr>
@@ -7176,14 +7374,14 @@
               <a:spcBef>
                 <a:spcPct val="20000"/>
               </a:spcBef>
-              <a:buFont typeface="Arial" panose="020B0604020202020204" pitchFamily="34" charset="0"/>
+              <a:buFont typeface="Arial" panose="02080604020202020204" pitchFamily="34" charset="0"/>
               <a:buChar char="–"/>
               <a:defRPr sz="2000" kern="1200">
                 <a:solidFill>
                   <a:schemeClr val="tx1"/>
                 </a:solidFill>
                 <a:latin typeface="Calibri" panose="020F0502020204030204" charset="0"/>
-                <a:ea typeface="宋体" panose="02010600030101010101" pitchFamily="2" charset="-122"/>
+                <a:ea typeface="宋体" pitchFamily="2" charset="-122"/>
                 <a:cs typeface="+mn-cs"/>
                 <a:sym typeface="Calibri" panose="020F0502020204030204" charset="0"/>
               </a:defRPr>
@@ -7195,14 +7393,14 @@
               <a:spcBef>
                 <a:spcPct val="20000"/>
               </a:spcBef>
-              <a:buFont typeface="Arial" panose="020B0604020202020204" pitchFamily="34" charset="0"/>
+              <a:buFont typeface="Arial" panose="02080604020202020204" pitchFamily="34" charset="0"/>
               <a:buChar char="»"/>
               <a:defRPr sz="2000" kern="1200">
                 <a:solidFill>
                   <a:schemeClr val="tx1"/>
                 </a:solidFill>
                 <a:latin typeface="Calibri" panose="020F0502020204030204" charset="0"/>
-                <a:ea typeface="宋体" panose="02010600030101010101" pitchFamily="2" charset="-122"/>
+                <a:ea typeface="宋体" pitchFamily="2" charset="-122"/>
                 <a:cs typeface="+mn-cs"/>
                 <a:sym typeface="Calibri" panose="020F0502020204030204" charset="0"/>
               </a:defRPr>
@@ -7214,14 +7412,14 @@
               <a:spcBef>
                 <a:spcPct val="20000"/>
               </a:spcBef>
-              <a:buFont typeface="Arial" panose="020B0604020202020204" pitchFamily="34" charset="0"/>
+              <a:buFont typeface="Arial" panose="02080604020202020204" pitchFamily="34" charset="0"/>
               <a:buChar char="»"/>
               <a:defRPr sz="2000" kern="1200">
                 <a:solidFill>
                   <a:schemeClr val="tx1"/>
                 </a:solidFill>
                 <a:latin typeface="Calibri" panose="020F0502020204030204" charset="0"/>
-                <a:ea typeface="宋体" panose="02010600030101010101" pitchFamily="2" charset="-122"/>
+                <a:ea typeface="宋体" pitchFamily="2" charset="-122"/>
                 <a:cs typeface="+mn-cs"/>
                 <a:sym typeface="Calibri" panose="020F0502020204030204" charset="0"/>
               </a:defRPr>
@@ -7233,14 +7431,14 @@
               <a:spcBef>
                 <a:spcPct val="20000"/>
               </a:spcBef>
-              <a:buFont typeface="Arial" panose="020B0604020202020204" pitchFamily="34" charset="0"/>
+              <a:buFont typeface="Arial" panose="02080604020202020204" pitchFamily="34" charset="0"/>
               <a:buChar char="»"/>
               <a:defRPr sz="2000" kern="1200">
                 <a:solidFill>
                   <a:schemeClr val="tx1"/>
                 </a:solidFill>
                 <a:latin typeface="Calibri" panose="020F0502020204030204" charset="0"/>
-                <a:ea typeface="宋体" panose="02010600030101010101" pitchFamily="2" charset="-122"/>
+                <a:ea typeface="宋体" pitchFamily="2" charset="-122"/>
                 <a:cs typeface="+mn-cs"/>
                 <a:sym typeface="Calibri" panose="020F0502020204030204" charset="0"/>
               </a:defRPr>
@@ -7252,14 +7450,14 @@
               <a:spcBef>
                 <a:spcPct val="20000"/>
               </a:spcBef>
-              <a:buFont typeface="Arial" panose="020B0604020202020204" pitchFamily="34" charset="0"/>
+              <a:buFont typeface="Arial" panose="02080604020202020204" pitchFamily="34" charset="0"/>
               <a:buChar char="»"/>
               <a:defRPr sz="2000" kern="1200">
                 <a:solidFill>
                   <a:schemeClr val="tx1"/>
                 </a:solidFill>
                 <a:latin typeface="Calibri" panose="020F0502020204030204" charset="0"/>
-                <a:ea typeface="宋体" panose="02010600030101010101" pitchFamily="2" charset="-122"/>
+                <a:ea typeface="宋体" pitchFamily="2" charset="-122"/>
                 <a:cs typeface="+mn-cs"/>
                 <a:sym typeface="Calibri" panose="020F0502020204030204" charset="0"/>
               </a:defRPr>
@@ -7271,14 +7469,14 @@
               <a:spcBef>
                 <a:spcPct val="20000"/>
               </a:spcBef>
-              <a:buFont typeface="Arial" panose="020B0604020202020204" pitchFamily="34" charset="0"/>
+              <a:buFont typeface="Arial" panose="02080604020202020204" pitchFamily="34" charset="0"/>
               <a:buChar char="»"/>
               <a:defRPr sz="2000" kern="1200">
                 <a:solidFill>
                   <a:schemeClr val="tx1"/>
                 </a:solidFill>
                 <a:latin typeface="Calibri" panose="020F0502020204030204" charset="0"/>
-                <a:ea typeface="宋体" panose="02010600030101010101" pitchFamily="2" charset="-122"/>
+                <a:ea typeface="宋体" pitchFamily="2" charset="-122"/>
                 <a:cs typeface="+mn-cs"/>
                 <a:sym typeface="Calibri" panose="020F0502020204030204" charset="0"/>
               </a:defRPr>
@@ -7289,7 +7487,7 @@
               <a:spcAft>
                 <a:spcPts val="0"/>
               </a:spcAft>
-              <a:buFont typeface="Arial" panose="020B0604020202020204" pitchFamily="34" charset="0"/>
+              <a:buFont typeface="Arial" panose="02080604020202020204" pitchFamily="34" charset="0"/>
               <a:buNone/>
             </a:pPr>
             <a:r>
@@ -7302,7 +7500,7 @@
             <a:r>
               <a:rPr lang="zh-CN" altLang="en-US" sz="2200" b="1" dirty="0">
                 <a:latin typeface="微软雅黑" panose="020B0503020204020204" pitchFamily="34" charset="-122"/>
-                <a:ea typeface="宋体" panose="02010600030101010101" pitchFamily="2" charset="-122"/>
+                <a:ea typeface="宋体" pitchFamily="2" charset="-122"/>
               </a:rPr>
               <a:t>模拟计算</a:t>
             </a:r>
@@ -7440,7 +7638,7 @@
           <p:nvPr/>
         </p:nvPicPr>
         <p:blipFill>
-          <a:blip r:embed="rId3"/>
+          <a:blip r:embed="rId1"/>
           <a:stretch>
             <a:fillRect/>
           </a:stretch>
@@ -7464,7 +7662,7 @@
           <p:nvPr/>
         </p:nvPicPr>
         <p:blipFill>
-          <a:blip r:embed="rId4"/>
+          <a:blip r:embed="rId2"/>
           <a:stretch>
             <a:fillRect/>
           </a:stretch>
@@ -7486,11 +7684,11 @@
   </p:clrMapOvr>
   <mc:AlternateContent xmlns:mc="http://schemas.openxmlformats.org/markup-compatibility/2006" xmlns:p159="http://schemas.microsoft.com/office/powerpoint/2015/09/main">
     <mc:Choice Requires="p159">
-      <p:transition>
+      <p:transition xmlns:p14="http://schemas.microsoft.com/office/powerpoint/2010/main">
         <p159:morph option="byObject"/>
       </p:transition>
     </mc:Choice>
-    <mc:Fallback xmlns="">
+    <mc:Fallback>
       <p:transition>
         <p:fade/>
       </p:transition>
@@ -7555,6 +7753,20 @@
               </a:rPr>
               <a:t>研究方案</a:t>
             </a:r>
+            <a:endParaRPr lang="zh-CN" altLang="en-US" sz="3600" b="1" dirty="0">
+              <a:solidFill>
+                <a:schemeClr val="tx2"/>
+              </a:solidFill>
+              <a:effectLst>
+                <a:outerShdw blurRad="38100" dist="38100" dir="2700000" algn="tl">
+                  <a:srgbClr val="000000">
+                    <a:alpha val="43137"/>
+                  </a:srgbClr>
+                </a:outerShdw>
+              </a:effectLst>
+              <a:latin typeface="微软雅黑" panose="020B0503020204020204" pitchFamily="34" charset="-122"/>
+              <a:ea typeface="微软雅黑" panose="020B0503020204020204" pitchFamily="34" charset="-122"/>
+            </a:endParaRPr>
           </a:p>
         </p:txBody>
       </p:sp>
@@ -7589,7 +7801,7 @@
               <a:spcBef>
                 <a:spcPct val="20000"/>
               </a:spcBef>
-              <a:buFont typeface="Arial" panose="020B0604020202020204" pitchFamily="34" charset="0"/>
+              <a:buFont typeface="Arial" panose="02080604020202020204" pitchFamily="34" charset="0"/>
               <a:buChar char="•"/>
               <a:defRPr sz="3200" kern="1200">
                 <a:solidFill>
@@ -7608,14 +7820,14 @@
               <a:spcBef>
                 <a:spcPct val="20000"/>
               </a:spcBef>
-              <a:buFont typeface="Arial" panose="020B0604020202020204" pitchFamily="34" charset="0"/>
+              <a:buFont typeface="Arial" panose="02080604020202020204" pitchFamily="34" charset="0"/>
               <a:buChar char="–"/>
               <a:defRPr sz="2800" kern="1200">
                 <a:solidFill>
                   <a:schemeClr val="tx1"/>
                 </a:solidFill>
                 <a:latin typeface="Calibri" panose="020F0502020204030204" charset="0"/>
-                <a:ea typeface="宋体" panose="02010600030101010101" pitchFamily="2" charset="-122"/>
+                <a:ea typeface="宋体" pitchFamily="2" charset="-122"/>
                 <a:cs typeface="+mn-cs"/>
                 <a:sym typeface="Calibri" panose="020F0502020204030204" charset="0"/>
               </a:defRPr>
@@ -7627,14 +7839,14 @@
               <a:spcBef>
                 <a:spcPct val="20000"/>
               </a:spcBef>
-              <a:buFont typeface="Arial" panose="020B0604020202020204" pitchFamily="34" charset="0"/>
+              <a:buFont typeface="Arial" panose="02080604020202020204" pitchFamily="34" charset="0"/>
               <a:buChar char="•"/>
               <a:defRPr sz="2400" kern="1200">
                 <a:solidFill>
                   <a:schemeClr val="tx1"/>
                 </a:solidFill>
                 <a:latin typeface="Calibri" panose="020F0502020204030204" charset="0"/>
-                <a:ea typeface="宋体" panose="02010600030101010101" pitchFamily="2" charset="-122"/>
+                <a:ea typeface="宋体" pitchFamily="2" charset="-122"/>
                 <a:cs typeface="+mn-cs"/>
                 <a:sym typeface="Calibri" panose="020F0502020204030204" charset="0"/>
               </a:defRPr>
@@ -7646,14 +7858,14 @@
               <a:spcBef>
                 <a:spcPct val="20000"/>
               </a:spcBef>
-              <a:buFont typeface="Arial" panose="020B0604020202020204" pitchFamily="34" charset="0"/>
+              <a:buFont typeface="Arial" panose="02080604020202020204" pitchFamily="34" charset="0"/>
               <a:buChar char="–"/>
               <a:defRPr sz="2000" kern="1200">
                 <a:solidFill>
                   <a:schemeClr val="tx1"/>
                 </a:solidFill>
                 <a:latin typeface="Calibri" panose="020F0502020204030204" charset="0"/>
-                <a:ea typeface="宋体" panose="02010600030101010101" pitchFamily="2" charset="-122"/>
+                <a:ea typeface="宋体" pitchFamily="2" charset="-122"/>
                 <a:cs typeface="+mn-cs"/>
                 <a:sym typeface="Calibri" panose="020F0502020204030204" charset="0"/>
               </a:defRPr>
@@ -7665,14 +7877,14 @@
               <a:spcBef>
                 <a:spcPct val="20000"/>
               </a:spcBef>
-              <a:buFont typeface="Arial" panose="020B0604020202020204" pitchFamily="34" charset="0"/>
+              <a:buFont typeface="Arial" panose="02080604020202020204" pitchFamily="34" charset="0"/>
               <a:buChar char="»"/>
               <a:defRPr sz="2000" kern="1200">
                 <a:solidFill>
                   <a:schemeClr val="tx1"/>
                 </a:solidFill>
                 <a:latin typeface="Calibri" panose="020F0502020204030204" charset="0"/>
-                <a:ea typeface="宋体" panose="02010600030101010101" pitchFamily="2" charset="-122"/>
+                <a:ea typeface="宋体" pitchFamily="2" charset="-122"/>
                 <a:cs typeface="+mn-cs"/>
                 <a:sym typeface="Calibri" panose="020F0502020204030204" charset="0"/>
               </a:defRPr>
@@ -7684,14 +7896,14 @@
               <a:spcBef>
                 <a:spcPct val="20000"/>
               </a:spcBef>
-              <a:buFont typeface="Arial" panose="020B0604020202020204" pitchFamily="34" charset="0"/>
+              <a:buFont typeface="Arial" panose="02080604020202020204" pitchFamily="34" charset="0"/>
               <a:buChar char="»"/>
               <a:defRPr sz="2000" kern="1200">
                 <a:solidFill>
                   <a:schemeClr val="tx1"/>
                 </a:solidFill>
                 <a:latin typeface="Calibri" panose="020F0502020204030204" charset="0"/>
-                <a:ea typeface="宋体" panose="02010600030101010101" pitchFamily="2" charset="-122"/>
+                <a:ea typeface="宋体" pitchFamily="2" charset="-122"/>
                 <a:cs typeface="+mn-cs"/>
                 <a:sym typeface="Calibri" panose="020F0502020204030204" charset="0"/>
               </a:defRPr>
@@ -7703,14 +7915,14 @@
               <a:spcBef>
                 <a:spcPct val="20000"/>
               </a:spcBef>
-              <a:buFont typeface="Arial" panose="020B0604020202020204" pitchFamily="34" charset="0"/>
+              <a:buFont typeface="Arial" panose="02080604020202020204" pitchFamily="34" charset="0"/>
               <a:buChar char="»"/>
               <a:defRPr sz="2000" kern="1200">
                 <a:solidFill>
                   <a:schemeClr val="tx1"/>
                 </a:solidFill>
                 <a:latin typeface="Calibri" panose="020F0502020204030204" charset="0"/>
-                <a:ea typeface="宋体" panose="02010600030101010101" pitchFamily="2" charset="-122"/>
+                <a:ea typeface="宋体" pitchFamily="2" charset="-122"/>
                 <a:cs typeface="+mn-cs"/>
                 <a:sym typeface="Calibri" panose="020F0502020204030204" charset="0"/>
               </a:defRPr>
@@ -7722,14 +7934,14 @@
               <a:spcBef>
                 <a:spcPct val="20000"/>
               </a:spcBef>
-              <a:buFont typeface="Arial" panose="020B0604020202020204" pitchFamily="34" charset="0"/>
+              <a:buFont typeface="Arial" panose="02080604020202020204" pitchFamily="34" charset="0"/>
               <a:buChar char="»"/>
               <a:defRPr sz="2000" kern="1200">
                 <a:solidFill>
                   <a:schemeClr val="tx1"/>
                 </a:solidFill>
                 <a:latin typeface="Calibri" panose="020F0502020204030204" charset="0"/>
-                <a:ea typeface="宋体" panose="02010600030101010101" pitchFamily="2" charset="-122"/>
+                <a:ea typeface="宋体" pitchFamily="2" charset="-122"/>
                 <a:cs typeface="+mn-cs"/>
                 <a:sym typeface="Calibri" panose="020F0502020204030204" charset="0"/>
               </a:defRPr>
@@ -7741,14 +7953,14 @@
               <a:spcBef>
                 <a:spcPct val="20000"/>
               </a:spcBef>
-              <a:buFont typeface="Arial" panose="020B0604020202020204" pitchFamily="34" charset="0"/>
+              <a:buFont typeface="Arial" panose="02080604020202020204" pitchFamily="34" charset="0"/>
               <a:buChar char="»"/>
               <a:defRPr sz="2000" kern="1200">
                 <a:solidFill>
                   <a:schemeClr val="tx1"/>
                 </a:solidFill>
                 <a:latin typeface="Calibri" panose="020F0502020204030204" charset="0"/>
-                <a:ea typeface="宋体" panose="02010600030101010101" pitchFamily="2" charset="-122"/>
+                <a:ea typeface="宋体" pitchFamily="2" charset="-122"/>
                 <a:cs typeface="+mn-cs"/>
                 <a:sym typeface="Calibri" panose="020F0502020204030204" charset="0"/>
               </a:defRPr>
@@ -7821,6 +8033,14 @@
               </a:rPr>
               <a:t>无限大平板不同探测距离累计因子变化</a:t>
             </a:r>
+            <a:endParaRPr lang="zh-CN" sz="1600" kern="100" dirty="0">
+              <a:solidFill>
+                <a:srgbClr val="000000"/>
+              </a:solidFill>
+              <a:latin typeface="黑体" panose="02010609060101010101" pitchFamily="49" charset="-122"/>
+              <a:ea typeface="黑体" panose="02010609060101010101" pitchFamily="49" charset="-122"/>
+              <a:cs typeface="Times New Roman" panose="02020603050405020304" pitchFamily="18" charset="0"/>
+            </a:endParaRPr>
           </a:p>
         </p:txBody>
       </p:sp>
@@ -7833,7 +8053,7 @@
           <p:nvPr/>
         </p:nvPicPr>
         <p:blipFill>
-          <a:blip r:embed="rId3"/>
+          <a:blip r:embed="rId1"/>
           <a:srcRect t="48657"/>
           <a:stretch>
             <a:fillRect/>
@@ -7858,7 +8078,7 @@
           <p:nvPr/>
         </p:nvPicPr>
         <p:blipFill>
-          <a:blip r:embed="rId3"/>
+          <a:blip r:embed="rId1"/>
           <a:srcRect b="51969"/>
           <a:stretch>
             <a:fillRect/>
@@ -7911,6 +8131,10 @@
               </a:rPr>
               <a:t>赵原, 李华, 刘立业,等. 不同计算模型对水中γ射线吸收剂量累积因子的影响[J]. 辐射防护, 2019(4).</a:t>
             </a:r>
+            <a:endParaRPr altLang="zh-CN" sz="1400" dirty="0">
+              <a:latin typeface="+mn-ea"/>
+              <a:ea typeface="+mn-ea"/>
+            </a:endParaRPr>
           </a:p>
         </p:txBody>
       </p:sp>
@@ -7921,11 +8145,11 @@
   </p:clrMapOvr>
   <mc:AlternateContent xmlns:mc="http://schemas.openxmlformats.org/markup-compatibility/2006" xmlns:p159="http://schemas.microsoft.com/office/powerpoint/2015/09/main">
     <mc:Choice Requires="p159">
-      <p:transition>
+      <p:transition xmlns:p14="http://schemas.microsoft.com/office/powerpoint/2010/main">
         <p159:morph option="byObject"/>
       </p:transition>
     </mc:Choice>
-    <mc:Fallback xmlns="">
+    <mc:Fallback>
       <p:transition>
         <p:fade/>
       </p:transition>
@@ -7990,6 +8214,20 @@
               </a:rPr>
               <a:t>研究方案</a:t>
             </a:r>
+            <a:endParaRPr lang="zh-CN" altLang="en-US" sz="3600" b="1" dirty="0">
+              <a:solidFill>
+                <a:schemeClr val="tx2"/>
+              </a:solidFill>
+              <a:effectLst>
+                <a:outerShdw blurRad="38100" dist="38100" dir="2700000" algn="tl">
+                  <a:srgbClr val="000000">
+                    <a:alpha val="43137"/>
+                  </a:srgbClr>
+                </a:outerShdw>
+              </a:effectLst>
+              <a:latin typeface="微软雅黑" panose="020B0503020204020204" pitchFamily="34" charset="-122"/>
+              <a:ea typeface="微软雅黑" panose="020B0503020204020204" pitchFamily="34" charset="-122"/>
+            </a:endParaRPr>
           </a:p>
         </p:txBody>
       </p:sp>
@@ -8024,7 +8262,7 @@
               <a:spcBef>
                 <a:spcPct val="20000"/>
               </a:spcBef>
-              <a:buFont typeface="Arial" panose="020B0604020202020204" pitchFamily="34" charset="0"/>
+              <a:buFont typeface="Arial" panose="02080604020202020204" pitchFamily="34" charset="0"/>
               <a:buChar char="•"/>
               <a:defRPr sz="3200" kern="1200">
                 <a:solidFill>
@@ -8043,14 +8281,14 @@
               <a:spcBef>
                 <a:spcPct val="20000"/>
               </a:spcBef>
-              <a:buFont typeface="Arial" panose="020B0604020202020204" pitchFamily="34" charset="0"/>
+              <a:buFont typeface="Arial" panose="02080604020202020204" pitchFamily="34" charset="0"/>
               <a:buChar char="–"/>
               <a:defRPr sz="2800" kern="1200">
                 <a:solidFill>
                   <a:schemeClr val="tx1"/>
                 </a:solidFill>
                 <a:latin typeface="Calibri" panose="020F0502020204030204" charset="0"/>
-                <a:ea typeface="宋体" panose="02010600030101010101" pitchFamily="2" charset="-122"/>
+                <a:ea typeface="宋体" pitchFamily="2" charset="-122"/>
                 <a:cs typeface="+mn-cs"/>
                 <a:sym typeface="Calibri" panose="020F0502020204030204" charset="0"/>
               </a:defRPr>
@@ -8062,14 +8300,14 @@
               <a:spcBef>
                 <a:spcPct val="20000"/>
               </a:spcBef>
-              <a:buFont typeface="Arial" panose="020B0604020202020204" pitchFamily="34" charset="0"/>
+              <a:buFont typeface="Arial" panose="02080604020202020204" pitchFamily="34" charset="0"/>
               <a:buChar char="•"/>
               <a:defRPr sz="2400" kern="1200">
                 <a:solidFill>
                   <a:schemeClr val="tx1"/>
                 </a:solidFill>
                 <a:latin typeface="Calibri" panose="020F0502020204030204" charset="0"/>
-                <a:ea typeface="宋体" panose="02010600030101010101" pitchFamily="2" charset="-122"/>
+                <a:ea typeface="宋体" pitchFamily="2" charset="-122"/>
                 <a:cs typeface="+mn-cs"/>
                 <a:sym typeface="Calibri" panose="020F0502020204030204" charset="0"/>
               </a:defRPr>
@@ -8081,14 +8319,14 @@
               <a:spcBef>
                 <a:spcPct val="20000"/>
               </a:spcBef>
-              <a:buFont typeface="Arial" panose="020B0604020202020204" pitchFamily="34" charset="0"/>
+              <a:buFont typeface="Arial" panose="02080604020202020204" pitchFamily="34" charset="0"/>
               <a:buChar char="–"/>
               <a:defRPr sz="2000" kern="1200">
                 <a:solidFill>
                   <a:schemeClr val="tx1"/>
                 </a:solidFill>
                 <a:latin typeface="Calibri" panose="020F0502020204030204" charset="0"/>
-                <a:ea typeface="宋体" panose="02010600030101010101" pitchFamily="2" charset="-122"/>
+                <a:ea typeface="宋体" pitchFamily="2" charset="-122"/>
                 <a:cs typeface="+mn-cs"/>
                 <a:sym typeface="Calibri" panose="020F0502020204030204" charset="0"/>
               </a:defRPr>
@@ -8100,14 +8338,14 @@
               <a:spcBef>
                 <a:spcPct val="20000"/>
               </a:spcBef>
-              <a:buFont typeface="Arial" panose="020B0604020202020204" pitchFamily="34" charset="0"/>
+              <a:buFont typeface="Arial" panose="02080604020202020204" pitchFamily="34" charset="0"/>
               <a:buChar char="»"/>
               <a:defRPr sz="2000" kern="1200">
                 <a:solidFill>
                   <a:schemeClr val="tx1"/>
                 </a:solidFill>
                 <a:latin typeface="Calibri" panose="020F0502020204030204" charset="0"/>
-                <a:ea typeface="宋体" panose="02010600030101010101" pitchFamily="2" charset="-122"/>
+                <a:ea typeface="宋体" pitchFamily="2" charset="-122"/>
                 <a:cs typeface="+mn-cs"/>
                 <a:sym typeface="Calibri" panose="020F0502020204030204" charset="0"/>
               </a:defRPr>
@@ -8119,14 +8357,14 @@
               <a:spcBef>
                 <a:spcPct val="20000"/>
               </a:spcBef>
-              <a:buFont typeface="Arial" panose="020B0604020202020204" pitchFamily="34" charset="0"/>
+              <a:buFont typeface="Arial" panose="02080604020202020204" pitchFamily="34" charset="0"/>
               <a:buChar char="»"/>
               <a:defRPr sz="2000" kern="1200">
                 <a:solidFill>
                   <a:schemeClr val="tx1"/>
                 </a:solidFill>
                 <a:latin typeface="Calibri" panose="020F0502020204030204" charset="0"/>
-                <a:ea typeface="宋体" panose="02010600030101010101" pitchFamily="2" charset="-122"/>
+                <a:ea typeface="宋体" pitchFamily="2" charset="-122"/>
                 <a:cs typeface="+mn-cs"/>
                 <a:sym typeface="Calibri" panose="020F0502020204030204" charset="0"/>
               </a:defRPr>
@@ -8138,14 +8376,14 @@
               <a:spcBef>
                 <a:spcPct val="20000"/>
               </a:spcBef>
-              <a:buFont typeface="Arial" panose="020B0604020202020204" pitchFamily="34" charset="0"/>
+              <a:buFont typeface="Arial" panose="02080604020202020204" pitchFamily="34" charset="0"/>
               <a:buChar char="»"/>
               <a:defRPr sz="2000" kern="1200">
                 <a:solidFill>
                   <a:schemeClr val="tx1"/>
                 </a:solidFill>
                 <a:latin typeface="Calibri" panose="020F0502020204030204" charset="0"/>
-                <a:ea typeface="宋体" panose="02010600030101010101" pitchFamily="2" charset="-122"/>
+                <a:ea typeface="宋体" pitchFamily="2" charset="-122"/>
                 <a:cs typeface="+mn-cs"/>
                 <a:sym typeface="Calibri" panose="020F0502020204030204" charset="0"/>
               </a:defRPr>
@@ -8157,14 +8395,14 @@
               <a:spcBef>
                 <a:spcPct val="20000"/>
               </a:spcBef>
-              <a:buFont typeface="Arial" panose="020B0604020202020204" pitchFamily="34" charset="0"/>
+              <a:buFont typeface="Arial" panose="02080604020202020204" pitchFamily="34" charset="0"/>
               <a:buChar char="»"/>
               <a:defRPr sz="2000" kern="1200">
                 <a:solidFill>
                   <a:schemeClr val="tx1"/>
                 </a:solidFill>
                 <a:latin typeface="Calibri" panose="020F0502020204030204" charset="0"/>
-                <a:ea typeface="宋体" panose="02010600030101010101" pitchFamily="2" charset="-122"/>
+                <a:ea typeface="宋体" pitchFamily="2" charset="-122"/>
                 <a:cs typeface="+mn-cs"/>
                 <a:sym typeface="Calibri" panose="020F0502020204030204" charset="0"/>
               </a:defRPr>
@@ -8176,14 +8414,14 @@
               <a:spcBef>
                 <a:spcPct val="20000"/>
               </a:spcBef>
-              <a:buFont typeface="Arial" panose="020B0604020202020204" pitchFamily="34" charset="0"/>
+              <a:buFont typeface="Arial" panose="02080604020202020204" pitchFamily="34" charset="0"/>
               <a:buChar char="»"/>
               <a:defRPr sz="2000" kern="1200">
                 <a:solidFill>
                   <a:schemeClr val="tx1"/>
                 </a:solidFill>
                 <a:latin typeface="Calibri" panose="020F0502020204030204" charset="0"/>
-                <a:ea typeface="宋体" panose="02010600030101010101" pitchFamily="2" charset="-122"/>
+                <a:ea typeface="宋体" pitchFamily="2" charset="-122"/>
                 <a:cs typeface="+mn-cs"/>
                 <a:sym typeface="Calibri" panose="020F0502020204030204" charset="0"/>
               </a:defRPr>
@@ -8206,7 +8444,7 @@
             <a:r>
               <a:rPr lang="zh-CN" altLang="en-US" sz="2200" b="1" dirty="0">
                 <a:latin typeface="微软雅黑" panose="020B0503020204020204" pitchFamily="34" charset="-122"/>
-                <a:ea typeface="宋体" panose="02010600030101010101" pitchFamily="2" charset="-122"/>
+                <a:ea typeface="宋体" pitchFamily="2" charset="-122"/>
               </a:rPr>
               <a:t>修正</a:t>
             </a:r>
@@ -8235,7 +8473,7 @@
           <p:nvPr/>
         </p:nvPicPr>
         <p:blipFill>
-          <a:blip r:embed="rId4"/>
+          <a:blip r:embed="rId1"/>
           <a:srcRect l="2602" r="61698" b="12440"/>
           <a:stretch>
             <a:fillRect/>
@@ -8271,12 +8509,12 @@
           <a:graphicData uri="http://schemas.openxmlformats.org/presentationml/2006/ole">
             <mc:AlternateContent xmlns:mc="http://schemas.openxmlformats.org/markup-compatibility/2006">
               <mc:Choice xmlns:v="urn:schemas-microsoft-com:vml" Requires="v">
-                <p:oleObj spid="_x0000_s4099" r:id="rId5" imgW="1422400" imgH="228600" progId="Equation.DSMT4">
+                <p:oleObj spid="_x0000_s4099" name="" r:id="rId2" imgW="1422400" imgH="228600" progId="Equation.DSMT4">
                   <p:embed/>
                 </p:oleObj>
               </mc:Choice>
               <mc:Fallback>
-                <p:oleObj r:id="rId5" imgW="1422400" imgH="228600" progId="Equation.DSMT4">
+                <p:oleObj name="" r:id="rId2" imgW="1422400" imgH="228600" progId="Equation.DSMT4">
                   <p:embed/>
                   <p:pic>
                     <p:nvPicPr>
@@ -8285,7 +8523,7 @@
                       <p:nvPr/>
                     </p:nvPicPr>
                     <p:blipFill>
-                      <a:blip r:embed="rId6"/>
+                      <a:blip r:embed="rId3"/>
                       <a:stretch>
                         <a:fillRect/>
                       </a:stretch>
@@ -8436,6 +8674,7 @@
               <a:rPr lang="zh-CN" altLang="en-US" sz="2000" b="1" dirty="0"/>
               <a:t>泰勒公式</a:t>
             </a:r>
+            <a:endParaRPr lang="zh-CN" altLang="en-US" sz="2000" b="1" dirty="0"/>
           </a:p>
         </p:txBody>
       </p:sp>
@@ -8576,6 +8815,7 @@
               <a:rPr lang="zh-CN" altLang="en-US" sz="2000" b="1" dirty="0"/>
               <a:t>公式</a:t>
             </a:r>
+            <a:endParaRPr lang="zh-CN" altLang="en-US" sz="2000" b="1" dirty="0"/>
           </a:p>
         </p:txBody>
       </p:sp>
@@ -8595,12 +8835,12 @@
           <a:graphicData uri="http://schemas.openxmlformats.org/presentationml/2006/ole">
             <mc:AlternateContent xmlns:mc="http://schemas.openxmlformats.org/markup-compatibility/2006">
               <mc:Choice xmlns:v="urn:schemas-microsoft-com:vml" Requires="v">
-                <p:oleObj spid="_x0000_s4100" r:id="rId7" imgW="965200" imgH="228600" progId="Equation.DSMT4">
+                <p:oleObj spid="_x0000_s4100" name="" r:id="rId4" imgW="965200" imgH="228600" progId="Equation.DSMT4">
                   <p:embed/>
                 </p:oleObj>
               </mc:Choice>
               <mc:Fallback>
-                <p:oleObj r:id="rId7" imgW="965200" imgH="228600" progId="Equation.DSMT4">
+                <p:oleObj name="" r:id="rId4" imgW="965200" imgH="228600" progId="Equation.DSMT4">
                   <p:embed/>
                   <p:pic>
                     <p:nvPicPr>
@@ -8609,7 +8849,7 @@
                       <p:nvPr/>
                     </p:nvPicPr>
                     <p:blipFill>
-                      <a:blip r:embed="rId8"/>
+                      <a:blip r:embed="rId5"/>
                       <a:stretch>
                         <a:fillRect/>
                       </a:stretch>
@@ -8644,7 +8884,7 @@
           <p:nvPr/>
         </p:nvPicPr>
         <p:blipFill>
-          <a:blip r:embed="rId4"/>
+          <a:blip r:embed="rId1"/>
           <a:srcRect l="68119" t="4351" b="13370"/>
           <a:stretch>
             <a:fillRect/>
@@ -8726,6 +8966,7 @@
               <a:rPr lang="zh-CN" altLang="en-US" sz="4800" b="1"/>
               <a:t>？</a:t>
             </a:r>
+            <a:endParaRPr lang="zh-CN" altLang="en-US" sz="4800" b="1"/>
           </a:p>
         </p:txBody>
       </p:sp>
@@ -8736,11 +8977,11 @@
   </p:clrMapOvr>
   <mc:AlternateContent xmlns:mc="http://schemas.openxmlformats.org/markup-compatibility/2006" xmlns:p159="http://schemas.microsoft.com/office/powerpoint/2015/09/main">
     <mc:Choice Requires="p159">
-      <p:transition>
+      <p:transition xmlns:p14="http://schemas.microsoft.com/office/powerpoint/2010/main">
         <p159:morph option="byObject"/>
       </p:transition>
     </mc:Choice>
-    <mc:Fallback xmlns="">
+    <mc:Fallback>
       <p:transition>
         <p:fade/>
       </p:transition>
@@ -8937,6 +9178,20 @@
               </a:rPr>
               <a:t>研究方案</a:t>
             </a:r>
+            <a:endParaRPr lang="zh-CN" altLang="en-US" sz="3600" b="1" dirty="0">
+              <a:solidFill>
+                <a:schemeClr val="tx2"/>
+              </a:solidFill>
+              <a:effectLst>
+                <a:outerShdw blurRad="38100" dist="38100" dir="2700000" algn="tl">
+                  <a:srgbClr val="000000">
+                    <a:alpha val="43137"/>
+                  </a:srgbClr>
+                </a:outerShdw>
+              </a:effectLst>
+              <a:latin typeface="微软雅黑" panose="020B0503020204020204" pitchFamily="34" charset="-122"/>
+              <a:ea typeface="微软雅黑" panose="020B0503020204020204" pitchFamily="34" charset="-122"/>
+            </a:endParaRPr>
           </a:p>
         </p:txBody>
       </p:sp>
@@ -8971,7 +9226,7 @@
               <a:spcBef>
                 <a:spcPct val="20000"/>
               </a:spcBef>
-              <a:buFont typeface="Arial" panose="020B0604020202020204" pitchFamily="34" charset="0"/>
+              <a:buFont typeface="Arial" panose="02080604020202020204" pitchFamily="34" charset="0"/>
               <a:buChar char="•"/>
               <a:defRPr sz="3200" kern="1200">
                 <a:solidFill>
@@ -8990,14 +9245,14 @@
               <a:spcBef>
                 <a:spcPct val="20000"/>
               </a:spcBef>
-              <a:buFont typeface="Arial" panose="020B0604020202020204" pitchFamily="34" charset="0"/>
+              <a:buFont typeface="Arial" panose="02080604020202020204" pitchFamily="34" charset="0"/>
               <a:buChar char="–"/>
               <a:defRPr sz="2800" kern="1200">
                 <a:solidFill>
                   <a:schemeClr val="tx1"/>
                 </a:solidFill>
                 <a:latin typeface="Calibri" panose="020F0502020204030204" charset="0"/>
-                <a:ea typeface="宋体" panose="02010600030101010101" pitchFamily="2" charset="-122"/>
+                <a:ea typeface="宋体" pitchFamily="2" charset="-122"/>
                 <a:cs typeface="+mn-cs"/>
                 <a:sym typeface="Calibri" panose="020F0502020204030204" charset="0"/>
               </a:defRPr>
@@ -9009,14 +9264,14 @@
               <a:spcBef>
                 <a:spcPct val="20000"/>
               </a:spcBef>
-              <a:buFont typeface="Arial" panose="020B0604020202020204" pitchFamily="34" charset="0"/>
+              <a:buFont typeface="Arial" panose="02080604020202020204" pitchFamily="34" charset="0"/>
               <a:buChar char="•"/>
               <a:defRPr sz="2400" kern="1200">
                 <a:solidFill>
                   <a:schemeClr val="tx1"/>
                 </a:solidFill>
                 <a:latin typeface="Calibri" panose="020F0502020204030204" charset="0"/>
-                <a:ea typeface="宋体" panose="02010600030101010101" pitchFamily="2" charset="-122"/>
+                <a:ea typeface="宋体" pitchFamily="2" charset="-122"/>
                 <a:cs typeface="+mn-cs"/>
                 <a:sym typeface="Calibri" panose="020F0502020204030204" charset="0"/>
               </a:defRPr>
@@ -9028,14 +9283,14 @@
               <a:spcBef>
                 <a:spcPct val="20000"/>
               </a:spcBef>
-              <a:buFont typeface="Arial" panose="020B0604020202020204" pitchFamily="34" charset="0"/>
+              <a:buFont typeface="Arial" panose="02080604020202020204" pitchFamily="34" charset="0"/>
               <a:buChar char="–"/>
               <a:defRPr sz="2000" kern="1200">
                 <a:solidFill>
                   <a:schemeClr val="tx1"/>
                 </a:solidFill>
                 <a:latin typeface="Calibri" panose="020F0502020204030204" charset="0"/>
-                <a:ea typeface="宋体" panose="02010600030101010101" pitchFamily="2" charset="-122"/>
+                <a:ea typeface="宋体" pitchFamily="2" charset="-122"/>
                 <a:cs typeface="+mn-cs"/>
                 <a:sym typeface="Calibri" panose="020F0502020204030204" charset="0"/>
               </a:defRPr>
@@ -9047,14 +9302,14 @@
               <a:spcBef>
                 <a:spcPct val="20000"/>
               </a:spcBef>
-              <a:buFont typeface="Arial" panose="020B0604020202020204" pitchFamily="34" charset="0"/>
+              <a:buFont typeface="Arial" panose="02080604020202020204" pitchFamily="34" charset="0"/>
               <a:buChar char="»"/>
               <a:defRPr sz="2000" kern="1200">
                 <a:solidFill>
                   <a:schemeClr val="tx1"/>
                 </a:solidFill>
                 <a:latin typeface="Calibri" panose="020F0502020204030204" charset="0"/>
-                <a:ea typeface="宋体" panose="02010600030101010101" pitchFamily="2" charset="-122"/>
+                <a:ea typeface="宋体" pitchFamily="2" charset="-122"/>
                 <a:cs typeface="+mn-cs"/>
                 <a:sym typeface="Calibri" panose="020F0502020204030204" charset="0"/>
               </a:defRPr>
@@ -9066,14 +9321,14 @@
               <a:spcBef>
                 <a:spcPct val="20000"/>
               </a:spcBef>
-              <a:buFont typeface="Arial" panose="020B0604020202020204" pitchFamily="34" charset="0"/>
+              <a:buFont typeface="Arial" panose="02080604020202020204" pitchFamily="34" charset="0"/>
               <a:buChar char="»"/>
               <a:defRPr sz="2000" kern="1200">
                 <a:solidFill>
                   <a:schemeClr val="tx1"/>
                 </a:solidFill>
                 <a:latin typeface="Calibri" panose="020F0502020204030204" charset="0"/>
-                <a:ea typeface="宋体" panose="02010600030101010101" pitchFamily="2" charset="-122"/>
+                <a:ea typeface="宋体" pitchFamily="2" charset="-122"/>
                 <a:cs typeface="+mn-cs"/>
                 <a:sym typeface="Calibri" panose="020F0502020204030204" charset="0"/>
               </a:defRPr>
@@ -9085,14 +9340,14 @@
               <a:spcBef>
                 <a:spcPct val="20000"/>
               </a:spcBef>
-              <a:buFont typeface="Arial" panose="020B0604020202020204" pitchFamily="34" charset="0"/>
+              <a:buFont typeface="Arial" panose="02080604020202020204" pitchFamily="34" charset="0"/>
               <a:buChar char="»"/>
               <a:defRPr sz="2000" kern="1200">
                 <a:solidFill>
                   <a:schemeClr val="tx1"/>
                 </a:solidFill>
                 <a:latin typeface="Calibri" panose="020F0502020204030204" charset="0"/>
-                <a:ea typeface="宋体" panose="02010600030101010101" pitchFamily="2" charset="-122"/>
+                <a:ea typeface="宋体" pitchFamily="2" charset="-122"/>
                 <a:cs typeface="+mn-cs"/>
                 <a:sym typeface="Calibri" panose="020F0502020204030204" charset="0"/>
               </a:defRPr>
@@ -9104,14 +9359,14 @@
               <a:spcBef>
                 <a:spcPct val="20000"/>
               </a:spcBef>
-              <a:buFont typeface="Arial" panose="020B0604020202020204" pitchFamily="34" charset="0"/>
+              <a:buFont typeface="Arial" panose="02080604020202020204" pitchFamily="34" charset="0"/>
               <a:buChar char="»"/>
               <a:defRPr sz="2000" kern="1200">
                 <a:solidFill>
                   <a:schemeClr val="tx1"/>
                 </a:solidFill>
                 <a:latin typeface="Calibri" panose="020F0502020204030204" charset="0"/>
-                <a:ea typeface="宋体" panose="02010600030101010101" pitchFamily="2" charset="-122"/>
+                <a:ea typeface="宋体" pitchFamily="2" charset="-122"/>
                 <a:cs typeface="+mn-cs"/>
                 <a:sym typeface="Calibri" panose="020F0502020204030204" charset="0"/>
               </a:defRPr>
@@ -9123,14 +9378,14 @@
               <a:spcBef>
                 <a:spcPct val="20000"/>
               </a:spcBef>
-              <a:buFont typeface="Arial" panose="020B0604020202020204" pitchFamily="34" charset="0"/>
+              <a:buFont typeface="Arial" panose="02080604020202020204" pitchFamily="34" charset="0"/>
               <a:buChar char="»"/>
               <a:defRPr sz="2000" kern="1200">
                 <a:solidFill>
                   <a:schemeClr val="tx1"/>
                 </a:solidFill>
                 <a:latin typeface="Calibri" panose="020F0502020204030204" charset="0"/>
-                <a:ea typeface="宋体" panose="02010600030101010101" pitchFamily="2" charset="-122"/>
+                <a:ea typeface="宋体" pitchFamily="2" charset="-122"/>
                 <a:cs typeface="+mn-cs"/>
                 <a:sym typeface="Calibri" panose="020F0502020204030204" charset="0"/>
               </a:defRPr>
@@ -9220,6 +9475,10 @@
               </a:rPr>
               <a:t>。</a:t>
             </a:r>
+            <a:endParaRPr lang="zh-CN" altLang="en-US" sz="2400" dirty="0">
+              <a:latin typeface="黑体" panose="02010609060101010101" pitchFamily="49" charset="-122"/>
+              <a:ea typeface="黑体" panose="02010609060101010101" pitchFamily="49" charset="-122"/>
+            </a:endParaRPr>
           </a:p>
         </p:txBody>
       </p:sp>
@@ -9230,11 +9489,11 @@
   </p:clrMapOvr>
   <mc:AlternateContent xmlns:mc="http://schemas.openxmlformats.org/markup-compatibility/2006" xmlns:p159="http://schemas.microsoft.com/office/powerpoint/2015/09/main">
     <mc:Choice Requires="p159">
-      <p:transition>
+      <p:transition xmlns:p14="http://schemas.microsoft.com/office/powerpoint/2010/main">
         <p159:morph option="byObject"/>
       </p:transition>
     </mc:Choice>
-    <mc:Fallback xmlns="">
+    <mc:Fallback>
       <p:transition>
         <p:fade/>
       </p:transition>
@@ -9323,6 +9582,20 @@
               </a:rPr>
               <a:t>目录</a:t>
             </a:r>
+            <a:endParaRPr lang="zh-CN" altLang="en-US" sz="4000" b="1" spc="300" dirty="0">
+              <a:solidFill>
+                <a:schemeClr val="tx2"/>
+              </a:solidFill>
+              <a:effectLst>
+                <a:outerShdw blurRad="38100" dist="38100" dir="2700000" algn="tl">
+                  <a:srgbClr val="000000">
+                    <a:alpha val="43137"/>
+                  </a:srgbClr>
+                </a:outerShdw>
+              </a:effectLst>
+              <a:latin typeface="微软雅黑" panose="020B0503020204020204" pitchFamily="34" charset="-122"/>
+              <a:ea typeface="微软雅黑" panose="020B0503020204020204" pitchFamily="34" charset="-122"/>
+            </a:endParaRPr>
           </a:p>
         </p:txBody>
       </p:sp>
@@ -9478,6 +9751,10 @@
               </a:rPr>
               <a:t>主要参考文献</a:t>
             </a:r>
+            <a:endParaRPr lang="zh-CN" altLang="en-US" sz="2400" dirty="0">
+              <a:latin typeface="黑体" panose="02010609060101010101" pitchFamily="49" charset="-122"/>
+              <a:ea typeface="黑体" panose="02010609060101010101" pitchFamily="49" charset="-122"/>
+            </a:endParaRPr>
           </a:p>
         </p:txBody>
       </p:sp>
@@ -9509,7 +9786,6 @@
                 </a:solidFill>
                 <a:latin typeface="Cambria Math" panose="02040503050406030204" pitchFamily="18" charset="0"/>
               </a:rPr>
-              <a:t>2</a:t>
             </a:fld>
             <a:endParaRPr lang="zh-CN" altLang="en-US" sz="2000" dirty="0">
               <a:solidFill>
@@ -9527,11 +9803,11 @@
   </p:clrMapOvr>
   <mc:AlternateContent xmlns:mc="http://schemas.openxmlformats.org/markup-compatibility/2006" xmlns:p159="http://schemas.microsoft.com/office/powerpoint/2015/09/main">
     <mc:Choice Requires="p159">
-      <p:transition>
+      <p:transition xmlns:p14="http://schemas.microsoft.com/office/powerpoint/2010/main">
         <p159:morph option="byObject"/>
       </p:transition>
     </mc:Choice>
-    <mc:Fallback xmlns="">
+    <mc:Fallback>
       <p:transition>
         <p:fade/>
       </p:transition>
@@ -9596,6 +9872,20 @@
               </a:rPr>
               <a:t>进度安排</a:t>
             </a:r>
+            <a:endParaRPr lang="zh-CN" altLang="en-US" sz="3600" b="1" dirty="0">
+              <a:solidFill>
+                <a:schemeClr val="tx2"/>
+              </a:solidFill>
+              <a:effectLst>
+                <a:outerShdw blurRad="38100" dist="38100" dir="2700000" algn="tl">
+                  <a:srgbClr val="000000">
+                    <a:alpha val="43137"/>
+                  </a:srgbClr>
+                </a:outerShdw>
+              </a:effectLst>
+              <a:latin typeface="微软雅黑" panose="020B0503020204020204" pitchFamily="34" charset="-122"/>
+              <a:ea typeface="微软雅黑" panose="020B0503020204020204" pitchFamily="34" charset="-122"/>
+            </a:endParaRPr>
           </a:p>
         </p:txBody>
       </p:sp>
@@ -9618,20 +9908,8 @@
                 <a:tableStyleId>{5C22544A-7EE6-4342-B048-85BDC9FD1C3A}</a:tableStyleId>
               </a:tblPr>
               <a:tblGrid>
-                <a:gridCol w="2767251">
-                  <a:extLst>
-                    <a:ext uri="{9D8B030D-6E8A-4147-A177-3AD203B41FA5}">
-                      <a16:colId xmlns:a16="http://schemas.microsoft.com/office/drawing/2014/main" val="20000"/>
-                    </a:ext>
-                  </a:extLst>
-                </a:gridCol>
-                <a:gridCol w="5297309">
-                  <a:extLst>
-                    <a:ext uri="{9D8B030D-6E8A-4147-A177-3AD203B41FA5}">
-                      <a16:colId xmlns:a16="http://schemas.microsoft.com/office/drawing/2014/main" val="20001"/>
-                    </a:ext>
-                  </a:extLst>
-                </a:gridCol>
+                <a:gridCol w="2767251"/>
+                <a:gridCol w="5297309"/>
               </a:tblGrid>
               <a:tr h="464601">
                 <a:tc>
@@ -9644,6 +9922,7 @@
                         <a:rPr lang="zh-CN" altLang="en-US" dirty="0"/>
                         <a:t>时间</a:t>
                       </a:r>
+                      <a:endParaRPr lang="zh-CN" altLang="en-US" dirty="0"/>
                     </a:p>
                   </a:txBody>
                   <a:tcPr/>
@@ -9658,15 +9937,11 @@
                         <a:rPr lang="zh-CN" altLang="en-US" dirty="0"/>
                         <a:t>任务安排</a:t>
                       </a:r>
+                      <a:endParaRPr lang="zh-CN" altLang="en-US" dirty="0"/>
                     </a:p>
                   </a:txBody>
                   <a:tcPr/>
                 </a:tc>
-                <a:extLst>
-                  <a:ext uri="{0D108BD9-81ED-4DB2-BD59-A6C34878D82A}">
-                    <a16:rowId xmlns:a16="http://schemas.microsoft.com/office/drawing/2014/main" val="10000"/>
-                  </a:ext>
-                </a:extLst>
               </a:tr>
               <a:tr h="801914">
                 <a:tc>
@@ -9716,6 +9991,10 @@
                         </a:rPr>
                         <a:t>对无限大模型进行geant4模拟</a:t>
                       </a:r>
+                      <a:endParaRPr lang="zh-CN" altLang="en-US" sz="1800" dirty="0">
+                        <a:latin typeface="+mn-ea"/>
+                        <a:sym typeface="Calibri" panose="020F0502020204030204" charset="0"/>
+                      </a:endParaRPr>
                     </a:p>
                     <a:p>
                       <a:pPr algn="ctr">
@@ -9738,11 +10017,6 @@
                   </a:txBody>
                   <a:tcPr anchor="ctr"/>
                 </a:tc>
-                <a:extLst>
-                  <a:ext uri="{0D108BD9-81ED-4DB2-BD59-A6C34878D82A}">
-                    <a16:rowId xmlns:a16="http://schemas.microsoft.com/office/drawing/2014/main" val="10001"/>
-                  </a:ext>
-                </a:extLst>
               </a:tr>
               <a:tr h="801914">
                 <a:tc>
@@ -9802,7 +10076,7 @@
                         </a:spcAft>
                         <a:buClrTx/>
                         <a:buSzTx/>
-                        <a:buFont typeface="Arial" panose="020B0604020202020204" pitchFamily="34" charset="0"/>
+                        <a:buFont typeface="Arial" panose="02080604020202020204" pitchFamily="34" charset="0"/>
                         <a:buNone/>
                         <a:defRPr/>
                       </a:pPr>
@@ -9821,11 +10095,6 @@
                   </a:txBody>
                   <a:tcPr/>
                 </a:tc>
-                <a:extLst>
-                  <a:ext uri="{0D108BD9-81ED-4DB2-BD59-A6C34878D82A}">
-                    <a16:rowId xmlns:a16="http://schemas.microsoft.com/office/drawing/2014/main" val="10002"/>
-                  </a:ext>
-                </a:extLst>
               </a:tr>
               <a:tr h="801914">
                 <a:tc>
@@ -9854,6 +10123,7 @@
                         <a:rPr lang="zh-CN" altLang="en-US" dirty="0"/>
                         <a:t>月</a:t>
                       </a:r>
+                      <a:endParaRPr lang="zh-CN" altLang="en-US" dirty="0"/>
                     </a:p>
                   </a:txBody>
                   <a:tcPr/>
@@ -9875,7 +10145,7 @@
                         </a:spcAft>
                         <a:buClrTx/>
                         <a:buSzTx/>
-                        <a:buFont typeface="Arial" panose="020B0604020202020204" pitchFamily="34" charset="0"/>
+                        <a:buFont typeface="Arial" panose="02080604020202020204" pitchFamily="34" charset="0"/>
                         <a:buNone/>
                         <a:defRPr/>
                       </a:pPr>
@@ -9912,11 +10182,6 @@
                   </a:txBody>
                   <a:tcPr/>
                 </a:tc>
-                <a:extLst>
-                  <a:ext uri="{0D108BD9-81ED-4DB2-BD59-A6C34878D82A}">
-                    <a16:rowId xmlns:a16="http://schemas.microsoft.com/office/drawing/2014/main" val="10003"/>
-                  </a:ext>
-                </a:extLst>
               </a:tr>
               <a:tr h="801914">
                 <a:tc>
@@ -9945,6 +10210,7 @@
                         <a:rPr lang="zh-CN" altLang="en-US" dirty="0"/>
                         <a:t>月</a:t>
                       </a:r>
+                      <a:endParaRPr lang="zh-CN" altLang="en-US" dirty="0"/>
                     </a:p>
                   </a:txBody>
                   <a:tcPr/>
@@ -9977,15 +10243,11 @@
                         <a:rPr lang="zh-CN" altLang="en-US" dirty="0"/>
                         <a:t>撰写结题报告</a:t>
                       </a:r>
+                      <a:endParaRPr lang="zh-CN" altLang="en-US" dirty="0"/>
                     </a:p>
                   </a:txBody>
                   <a:tcPr/>
                 </a:tc>
-                <a:extLst>
-                  <a:ext uri="{0D108BD9-81ED-4DB2-BD59-A6C34878D82A}">
-                    <a16:rowId xmlns:a16="http://schemas.microsoft.com/office/drawing/2014/main" val="10004"/>
-                  </a:ext>
-                </a:extLst>
               </a:tr>
             </a:tbl>
           </a:graphicData>
@@ -9998,11 +10260,11 @@
   </p:clrMapOvr>
   <mc:AlternateContent xmlns:mc="http://schemas.openxmlformats.org/markup-compatibility/2006" xmlns:p159="http://schemas.microsoft.com/office/powerpoint/2015/09/main">
     <mc:Choice Requires="p159">
-      <p:transition>
+      <p:transition xmlns:p14="http://schemas.microsoft.com/office/powerpoint/2010/main">
         <p159:morph option="byObject"/>
       </p:transition>
     </mc:Choice>
-    <mc:Fallback xmlns="">
+    <mc:Fallback>
       <p:transition>
         <p:fade/>
       </p:transition>
@@ -10067,6 +10329,20 @@
               </a:rPr>
               <a:t>课题已具备和所需的条件、经费</a:t>
             </a:r>
+            <a:endParaRPr lang="zh-CN" altLang="en-US" sz="3600" b="1" dirty="0">
+              <a:solidFill>
+                <a:schemeClr val="tx2"/>
+              </a:solidFill>
+              <a:effectLst>
+                <a:outerShdw blurRad="38100" dist="38100" dir="2700000" algn="tl">
+                  <a:srgbClr val="000000">
+                    <a:alpha val="43137"/>
+                  </a:srgbClr>
+                </a:outerShdw>
+              </a:effectLst>
+              <a:latin typeface="微软雅黑" panose="020B0503020204020204" pitchFamily="34" charset="-122"/>
+              <a:ea typeface="微软雅黑" panose="020B0503020204020204" pitchFamily="34" charset="-122"/>
+            </a:endParaRPr>
           </a:p>
         </p:txBody>
       </p:sp>
@@ -10148,6 +10424,10 @@
               </a:rPr>
               <a:t>，已经具备。实验阶段需要的放射源、屏蔽材料以及探测器，核物理实验室已具备。经费充足。</a:t>
             </a:r>
+            <a:endParaRPr lang="zh-CN" altLang="zh-CN" sz="2400" dirty="0">
+              <a:latin typeface="黑体" panose="02010609060101010101" pitchFamily="49" charset="-122"/>
+              <a:ea typeface="黑体" panose="02010609060101010101" pitchFamily="49" charset="-122"/>
+            </a:endParaRPr>
           </a:p>
         </p:txBody>
       </p:sp>
@@ -10158,11 +10438,11 @@
   </p:clrMapOvr>
   <mc:AlternateContent xmlns:mc="http://schemas.openxmlformats.org/markup-compatibility/2006" xmlns:p159="http://schemas.microsoft.com/office/powerpoint/2015/09/main">
     <mc:Choice Requires="p159">
-      <p:transition>
+      <p:transition xmlns:p14="http://schemas.microsoft.com/office/powerpoint/2010/main">
         <p159:morph option="byObject"/>
       </p:transition>
     </mc:Choice>
-    <mc:Fallback xmlns="">
+    <mc:Fallback>
       <p:transition>
         <p:fade/>
       </p:transition>
@@ -10227,6 +10507,20 @@
               </a:rPr>
               <a:t>研究过程中可能遇到的困难和问题</a:t>
             </a:r>
+            <a:endParaRPr lang="zh-CN" altLang="en-US" sz="3600" b="1" dirty="0">
+              <a:solidFill>
+                <a:schemeClr val="tx2"/>
+              </a:solidFill>
+              <a:effectLst>
+                <a:outerShdw blurRad="38100" dist="38100" dir="2700000" algn="tl">
+                  <a:srgbClr val="000000">
+                    <a:alpha val="43137"/>
+                  </a:srgbClr>
+                </a:outerShdw>
+              </a:effectLst>
+              <a:latin typeface="微软雅黑" panose="020B0503020204020204" pitchFamily="34" charset="-122"/>
+              <a:ea typeface="微软雅黑" panose="020B0503020204020204" pitchFamily="34" charset="-122"/>
+            </a:endParaRPr>
           </a:p>
         </p:txBody>
       </p:sp>
@@ -10347,6 +10641,10 @@
               </a:rPr>
               <a:t>模拟验证替代。</a:t>
             </a:r>
+            <a:endParaRPr lang="zh-CN" altLang="en-US" sz="2400" dirty="0">
+              <a:latin typeface="黑体" panose="02010609060101010101" pitchFamily="49" charset="-122"/>
+              <a:ea typeface="黑体" panose="02010609060101010101" pitchFamily="49" charset="-122"/>
+            </a:endParaRPr>
           </a:p>
         </p:txBody>
       </p:sp>
@@ -10357,11 +10655,11 @@
   </p:clrMapOvr>
   <mc:AlternateContent xmlns:mc="http://schemas.openxmlformats.org/markup-compatibility/2006" xmlns:p159="http://schemas.microsoft.com/office/powerpoint/2015/09/main">
     <mc:Choice Requires="p159">
-      <p:transition>
+      <p:transition xmlns:p14="http://schemas.microsoft.com/office/powerpoint/2010/main">
         <p159:morph option="byObject"/>
       </p:transition>
     </mc:Choice>
-    <mc:Fallback xmlns="">
+    <mc:Fallback>
       <p:transition>
         <p:fade/>
       </p:transition>
@@ -10504,6 +10802,20 @@
               </a:rPr>
               <a:t>研究过程中可能遇到的困难和问题</a:t>
             </a:r>
+            <a:endParaRPr lang="zh-CN" altLang="en-US" sz="3600" b="1" dirty="0">
+              <a:solidFill>
+                <a:schemeClr val="tx2"/>
+              </a:solidFill>
+              <a:effectLst>
+                <a:outerShdw blurRad="38100" dist="38100" dir="2700000" algn="tl">
+                  <a:srgbClr val="000000">
+                    <a:alpha val="43137"/>
+                  </a:srgbClr>
+                </a:outerShdw>
+              </a:effectLst>
+              <a:latin typeface="微软雅黑" panose="020B0503020204020204" pitchFamily="34" charset="-122"/>
+              <a:ea typeface="微软雅黑" panose="020B0503020204020204" pitchFamily="34" charset="-122"/>
+            </a:endParaRPr>
           </a:p>
         </p:txBody>
       </p:sp>
@@ -10603,6 +10915,10 @@
               </a:rPr>
               <a:t>解决措施：</a:t>
             </a:r>
+            <a:endParaRPr lang="zh-CN" altLang="en-US" sz="2400" dirty="0">
+              <a:latin typeface="黑体" panose="02010609060101010101" pitchFamily="49" charset="-122"/>
+              <a:ea typeface="黑体" panose="02010609060101010101" pitchFamily="49" charset="-122"/>
+            </a:endParaRPr>
           </a:p>
           <a:p>
             <a:pPr>
@@ -10624,6 +10940,10 @@
               </a:rPr>
               <a:t>对于探测器而言，为获得累积因子，需要将沉积能量做比，对最终结果无影响。</a:t>
             </a:r>
+            <a:endParaRPr lang="zh-CN" altLang="en-US" sz="2400" dirty="0">
+              <a:latin typeface="黑体" panose="02010609060101010101" pitchFamily="49" charset="-122"/>
+              <a:ea typeface="黑体" panose="02010609060101010101" pitchFamily="49" charset="-122"/>
+            </a:endParaRPr>
           </a:p>
           <a:p>
             <a:pPr>
@@ -10659,6 +10979,10 @@
               </a:rPr>
               <a:t>中自定义混合物，进行合理的杂质添加。</a:t>
             </a:r>
+            <a:endParaRPr lang="zh-CN" altLang="en-US" sz="2400" dirty="0">
+              <a:latin typeface="黑体" panose="02010609060101010101" pitchFamily="49" charset="-122"/>
+              <a:ea typeface="黑体" panose="02010609060101010101" pitchFamily="49" charset="-122"/>
+            </a:endParaRPr>
           </a:p>
         </p:txBody>
       </p:sp>
@@ -10669,11 +10993,11 @@
   </p:clrMapOvr>
   <mc:AlternateContent xmlns:mc="http://schemas.openxmlformats.org/markup-compatibility/2006" xmlns:p159="http://schemas.microsoft.com/office/powerpoint/2015/09/main">
     <mc:Choice Requires="p159">
-      <p:transition>
+      <p:transition xmlns:p14="http://schemas.microsoft.com/office/powerpoint/2010/main">
         <p159:morph option="byObject"/>
       </p:transition>
     </mc:Choice>
-    <mc:Fallback xmlns="">
+    <mc:Fallback>
       <p:transition>
         <p:fade/>
       </p:transition>
@@ -10832,6 +11156,10 @@
               </a:rPr>
               <a:t>谢 谢！</a:t>
             </a:r>
+            <a:endParaRPr lang="zh-CN" altLang="en-US" sz="6600" dirty="0">
+              <a:latin typeface="黑体" panose="02010609060101010101" pitchFamily="49" charset="-122"/>
+              <a:ea typeface="黑体" panose="02010609060101010101" pitchFamily="49" charset="-122"/>
+            </a:endParaRPr>
           </a:p>
         </p:txBody>
       </p:sp>
@@ -10842,11 +11170,11 @@
   </p:clrMapOvr>
   <mc:AlternateContent xmlns:mc="http://schemas.openxmlformats.org/markup-compatibility/2006" xmlns:p159="http://schemas.microsoft.com/office/powerpoint/2015/09/main">
     <mc:Choice Requires="p159">
-      <p:transition>
+      <p:transition xmlns:p14="http://schemas.microsoft.com/office/powerpoint/2010/main">
         <p159:morph option="byObject"/>
       </p:transition>
     </mc:Choice>
-    <mc:Fallback xmlns="">
+    <mc:Fallback>
       <p:transition>
         <p:fade/>
       </p:transition>
@@ -10911,6 +11239,20 @@
               </a:rPr>
               <a:t>课题来源</a:t>
             </a:r>
+            <a:endParaRPr lang="zh-CN" altLang="en-US" sz="3600" b="1" dirty="0">
+              <a:solidFill>
+                <a:schemeClr val="tx2"/>
+              </a:solidFill>
+              <a:effectLst>
+                <a:outerShdw blurRad="38100" dist="38100" dir="2700000" algn="tl">
+                  <a:srgbClr val="000000">
+                    <a:alpha val="43137"/>
+                  </a:srgbClr>
+                </a:outerShdw>
+              </a:effectLst>
+              <a:latin typeface="微软雅黑" panose="020B0503020204020204" pitchFamily="34" charset="-122"/>
+              <a:ea typeface="微软雅黑" panose="020B0503020204020204" pitchFamily="34" charset="-122"/>
+            </a:endParaRPr>
           </a:p>
         </p:txBody>
       </p:sp>
@@ -10942,7 +11284,6 @@
                 </a:solidFill>
                 <a:latin typeface="Cambria Math" panose="02040503050406030204" pitchFamily="18" charset="0"/>
               </a:rPr>
-              <a:t>3</a:t>
             </a:fld>
             <a:endParaRPr lang="zh-CN" altLang="en-US" sz="2000" dirty="0">
               <a:solidFill>
@@ -10983,6 +11324,10 @@
               </a:rPr>
               <a:t>伽玛辐射对人类的危害</a:t>
             </a:r>
+            <a:endParaRPr lang="zh-CN" altLang="en-US" sz="2400" dirty="0">
+              <a:latin typeface="黑体" panose="02010609060101010101" pitchFamily="49" charset="-122"/>
+              <a:ea typeface="黑体" panose="02010609060101010101" pitchFamily="49" charset="-122"/>
+            </a:endParaRPr>
           </a:p>
         </p:txBody>
       </p:sp>
@@ -11016,6 +11361,10 @@
               </a:rPr>
               <a:t>辐射屏蔽</a:t>
             </a:r>
+            <a:endParaRPr lang="zh-CN" altLang="en-US" sz="2400" dirty="0">
+              <a:latin typeface="黑体" panose="02010609060101010101" pitchFamily="49" charset="-122"/>
+              <a:ea typeface="黑体" panose="02010609060101010101" pitchFamily="49" charset="-122"/>
+            </a:endParaRPr>
           </a:p>
         </p:txBody>
       </p:sp>
@@ -11028,7 +11377,7 @@
           <p:nvPr/>
         </p:nvPicPr>
         <p:blipFill>
-          <a:blip r:embed="rId2"/>
+          <a:blip r:embed="rId1"/>
           <a:srcRect r="1630" b="5918"/>
           <a:stretch>
             <a:fillRect/>
@@ -11080,6 +11429,11 @@
               </a:rPr>
               <a:t>当射线直接击中DNA分子，将会把能量沉积在DNA，引起其激发和电离。</a:t>
             </a:r>
+            <a:endParaRPr lang="zh-CN" altLang="en-US" sz="1800" dirty="0">
+              <a:latin typeface="黑体" panose="02010609060101010101" pitchFamily="49" charset="-122"/>
+              <a:ea typeface="黑体" panose="02010609060101010101" pitchFamily="49" charset="-122"/>
+              <a:sym typeface="+mn-ea"/>
+            </a:endParaRPr>
           </a:p>
         </p:txBody>
       </p:sp>
@@ -11175,6 +11529,11 @@
               </a:rPr>
               <a:t>造成损伤</a:t>
             </a:r>
+            <a:endParaRPr lang="zh-CN" altLang="en-US" sz="1800" dirty="0">
+              <a:latin typeface="黑体" panose="02010609060101010101" pitchFamily="49" charset="-122"/>
+              <a:ea typeface="黑体" panose="02010609060101010101" pitchFamily="49" charset="-122"/>
+              <a:sym typeface="+mn-ea"/>
+            </a:endParaRPr>
           </a:p>
         </p:txBody>
       </p:sp>
@@ -11250,6 +11609,11 @@
               </a:rPr>
               <a:t>单粒子翻转效应影响航天半导体器件</a:t>
             </a:r>
+            <a:endParaRPr lang="zh-CN" altLang="en-US" sz="1800" dirty="0">
+              <a:latin typeface="黑体" panose="02010609060101010101" pitchFamily="49" charset="-122"/>
+              <a:ea typeface="黑体" panose="02010609060101010101" pitchFamily="49" charset="-122"/>
+              <a:sym typeface="+mn-ea"/>
+            </a:endParaRPr>
           </a:p>
         </p:txBody>
       </p:sp>
@@ -11260,11 +11624,11 @@
   </p:clrMapOvr>
   <mc:AlternateContent xmlns:mc="http://schemas.openxmlformats.org/markup-compatibility/2006" xmlns:p159="http://schemas.microsoft.com/office/powerpoint/2015/09/main">
     <mc:Choice Requires="p159">
-      <p:transition>
+      <p:transition xmlns:p14="http://schemas.microsoft.com/office/powerpoint/2010/main">
         <p159:morph option="byObject"/>
       </p:transition>
     </mc:Choice>
-    <mc:Fallback xmlns="">
+    <mc:Fallback>
       <p:transition>
         <p:fade/>
       </p:transition>
@@ -11585,6 +11949,20 @@
               </a:rPr>
               <a:t>课题来源</a:t>
             </a:r>
+            <a:endParaRPr lang="zh-CN" altLang="en-US" sz="3600" b="1" dirty="0">
+              <a:solidFill>
+                <a:schemeClr val="tx2"/>
+              </a:solidFill>
+              <a:effectLst>
+                <a:outerShdw blurRad="38100" dist="38100" dir="2700000" algn="tl">
+                  <a:srgbClr val="000000">
+                    <a:alpha val="43137"/>
+                  </a:srgbClr>
+                </a:outerShdw>
+              </a:effectLst>
+              <a:latin typeface="微软雅黑" panose="020B0503020204020204" pitchFamily="34" charset="-122"/>
+              <a:ea typeface="微软雅黑" panose="020B0503020204020204" pitchFamily="34" charset="-122"/>
+            </a:endParaRPr>
           </a:p>
         </p:txBody>
       </p:sp>
@@ -11616,7 +11994,6 @@
                 </a:solidFill>
                 <a:latin typeface="Cambria Math" panose="02040503050406030204" pitchFamily="18" charset="0"/>
               </a:rPr>
-              <a:t>4</a:t>
             </a:fld>
             <a:endParaRPr lang="zh-CN" altLang="en-US" sz="2000" dirty="0">
               <a:solidFill>
@@ -11636,7 +12013,7 @@
           <p:nvPr/>
         </p:nvPicPr>
         <p:blipFill>
-          <a:blip r:embed="rId3"/>
+          <a:blip r:embed="rId1"/>
           <a:stretch>
             <a:fillRect/>
           </a:stretch>
@@ -11667,12 +12044,12 @@
           <a:graphicData uri="http://schemas.openxmlformats.org/presentationml/2006/ole">
             <mc:AlternateContent xmlns:mc="http://schemas.openxmlformats.org/markup-compatibility/2006">
               <mc:Choice xmlns:v="urn:schemas-microsoft-com:vml" Requires="v">
-                <p:oleObj spid="_x0000_s3085" r:id="rId4" imgW="3983355" imgH="1557020" progId="Visio.Drawing.11">
+                <p:oleObj spid="_x0000_s3085" name="" r:id="rId2" imgW="3983355" imgH="1557020" progId="Visio.Drawing.11">
                   <p:embed/>
                 </p:oleObj>
               </mc:Choice>
               <mc:Fallback>
-                <p:oleObj r:id="rId4" imgW="3983355" imgH="1557020" progId="Visio.Drawing.11">
+                <p:oleObj name="" r:id="rId2" imgW="3983355" imgH="1557020" progId="Visio.Drawing.11">
                   <p:embed/>
                   <p:pic>
                     <p:nvPicPr>
@@ -11681,7 +12058,7 @@
                       <p:nvPr/>
                     </p:nvPicPr>
                     <p:blipFill>
-                      <a:blip r:embed="rId5"/>
+                      <a:blip r:embed="rId3"/>
                       <a:stretch>
                         <a:fillRect/>
                       </a:stretch>
@@ -11737,6 +12114,10 @@
               </a:rPr>
               <a:t>辐射屏蔽</a:t>
             </a:r>
+            <a:endParaRPr lang="zh-CN" altLang="en-US" sz="2400" dirty="0">
+              <a:latin typeface="黑体" panose="02010609060101010101" pitchFamily="49" charset="-122"/>
+              <a:ea typeface="黑体" panose="02010609060101010101" pitchFamily="49" charset="-122"/>
+            </a:endParaRPr>
           </a:p>
         </p:txBody>
       </p:sp>
@@ -11749,7 +12130,7 @@
           <p:nvPr/>
         </p:nvPicPr>
         <p:blipFill>
-          <a:blip r:embed="rId6"/>
+          <a:blip r:embed="rId4"/>
           <a:stretch>
             <a:fillRect/>
           </a:stretch>
@@ -11773,7 +12154,7 @@
           <p:nvPr/>
         </p:nvPicPr>
         <p:blipFill>
-          <a:blip r:embed="rId7"/>
+          <a:blip r:embed="rId5"/>
           <a:stretch>
             <a:fillRect/>
           </a:stretch>
@@ -11828,11 +12209,11 @@
   </p:clrMapOvr>
   <mc:AlternateContent xmlns:mc="http://schemas.openxmlformats.org/markup-compatibility/2006" xmlns:p159="http://schemas.microsoft.com/office/powerpoint/2015/09/main">
     <mc:Choice Requires="p159">
-      <p:transition>
+      <p:transition xmlns:p14="http://schemas.microsoft.com/office/powerpoint/2010/main">
         <p159:morph option="byObject"/>
       </p:transition>
     </mc:Choice>
-    <mc:Fallback xmlns="">
+    <mc:Fallback>
       <p:transition>
         <p:fade/>
       </p:transition>
@@ -12044,6 +12425,20 @@
               </a:rPr>
               <a:t>研究目的及意义</a:t>
             </a:r>
+            <a:endParaRPr lang="zh-CN" altLang="en-US" sz="3600" b="1" dirty="0">
+              <a:solidFill>
+                <a:schemeClr val="tx2"/>
+              </a:solidFill>
+              <a:effectLst>
+                <a:outerShdw blurRad="38100" dist="38100" dir="2700000" algn="tl">
+                  <a:srgbClr val="000000">
+                    <a:alpha val="43137"/>
+                  </a:srgbClr>
+                </a:outerShdw>
+              </a:effectLst>
+              <a:latin typeface="微软雅黑" panose="020B0503020204020204" pitchFamily="34" charset="-122"/>
+              <a:ea typeface="微软雅黑" panose="020B0503020204020204" pitchFamily="34" charset="-122"/>
+            </a:endParaRPr>
           </a:p>
         </p:txBody>
       </p:sp>
@@ -12095,6 +12490,10 @@
               </a:rPr>
               <a:t>。</a:t>
             </a:r>
+            <a:endParaRPr lang="zh-CN" altLang="en-US" sz="2400" dirty="0">
+              <a:latin typeface="黑体" panose="02010609060101010101" pitchFamily="49" charset="-122"/>
+              <a:ea typeface="黑体" panose="02010609060101010101" pitchFamily="49" charset="-122"/>
+            </a:endParaRPr>
           </a:p>
         </p:txBody>
       </p:sp>
@@ -12107,7 +12506,7 @@
           <p:nvPr/>
         </p:nvPicPr>
         <p:blipFill>
-          <a:blip r:embed="rId2"/>
+          <a:blip r:embed="rId1"/>
           <a:srcRect l="2602" r="61698" b="12440"/>
           <a:stretch>
             <a:fillRect/>
@@ -12175,6 +12574,10 @@
               </a:rPr>
               <a:t>1991</a:t>
             </a:r>
+            <a:endParaRPr lang="zh-CN" altLang="en-US" sz="2400" dirty="0">
+              <a:latin typeface="黑体" panose="02010609060101010101" pitchFamily="49" charset="-122"/>
+              <a:ea typeface="黑体" panose="02010609060101010101" pitchFamily="49" charset="-122"/>
+            </a:endParaRPr>
           </a:p>
         </p:txBody>
       </p:sp>
@@ -12206,7 +12609,6 @@
                 </a:solidFill>
                 <a:latin typeface="Cambria Math" panose="02040503050406030204" pitchFamily="18" charset="0"/>
               </a:rPr>
-              <a:t>5</a:t>
             </a:fld>
             <a:endParaRPr lang="zh-CN" altLang="en-US" sz="2000" dirty="0">
               <a:solidFill>
@@ -12224,11 +12626,11 @@
   </p:clrMapOvr>
   <mc:AlternateContent xmlns:mc="http://schemas.openxmlformats.org/markup-compatibility/2006" xmlns:p159="http://schemas.microsoft.com/office/powerpoint/2015/09/main">
     <mc:Choice Requires="p159">
-      <p:transition>
+      <p:transition xmlns:p14="http://schemas.microsoft.com/office/powerpoint/2010/main">
         <p159:morph option="byObject"/>
       </p:transition>
     </mc:Choice>
-    <mc:Fallback xmlns="">
+    <mc:Fallback>
       <p:transition>
         <p:fade/>
       </p:transition>
@@ -12293,6 +12695,20 @@
               </a:rPr>
               <a:t>研究目的及意义</a:t>
             </a:r>
+            <a:endParaRPr lang="zh-CN" altLang="en-US" sz="3600" b="1" dirty="0">
+              <a:solidFill>
+                <a:schemeClr val="tx2"/>
+              </a:solidFill>
+              <a:effectLst>
+                <a:outerShdw blurRad="38100" dist="38100" dir="2700000" algn="tl">
+                  <a:srgbClr val="000000">
+                    <a:alpha val="43137"/>
+                  </a:srgbClr>
+                </a:outerShdw>
+              </a:effectLst>
+              <a:latin typeface="微软雅黑" panose="020B0503020204020204" pitchFamily="34" charset="-122"/>
+              <a:ea typeface="微软雅黑" panose="020B0503020204020204" pitchFamily="34" charset="-122"/>
+            </a:endParaRPr>
           </a:p>
         </p:txBody>
       </p:sp>
@@ -12324,7 +12740,6 @@
                 </a:solidFill>
                 <a:latin typeface="Cambria Math" panose="02040503050406030204" pitchFamily="18" charset="0"/>
               </a:rPr>
-              <a:t>6</a:t>
             </a:fld>
             <a:endParaRPr lang="zh-CN" altLang="en-US" sz="2000" dirty="0">
               <a:solidFill>
@@ -12344,7 +12759,7 @@
           <p:nvPr/>
         </p:nvPicPr>
         <p:blipFill>
-          <a:blip r:embed="rId2"/>
+          <a:blip r:embed="rId1"/>
           <a:srcRect l="68119" t="4351" b="13370"/>
           <a:stretch>
             <a:fillRect/>
@@ -12373,7 +12788,7 @@
           <p:nvPr/>
         </p:nvPicPr>
         <p:blipFill>
-          <a:blip r:embed="rId2"/>
+          <a:blip r:embed="rId1"/>
           <a:srcRect l="2602" r="61698" b="12440"/>
           <a:stretch>
             <a:fillRect/>
@@ -12427,6 +12842,10 @@
               </a:rPr>
               <a:t>现有参考标准</a:t>
             </a:r>
+            <a:endParaRPr lang="zh-CN" altLang="zh-CN" sz="2400" dirty="0">
+              <a:latin typeface="黑体" panose="02010609060101010101" pitchFamily="49" charset="-122"/>
+              <a:ea typeface="黑体" panose="02010609060101010101" pitchFamily="49" charset="-122"/>
+            </a:endParaRPr>
           </a:p>
           <a:p>
             <a:pPr algn="ctr">
@@ -12448,6 +12867,10 @@
               </a:rPr>
               <a:t>1991</a:t>
             </a:r>
+            <a:endParaRPr lang="zh-CN" altLang="en-US" sz="2400" dirty="0">
+              <a:latin typeface="黑体" panose="02010609060101010101" pitchFamily="49" charset="-122"/>
+              <a:ea typeface="黑体" panose="02010609060101010101" pitchFamily="49" charset="-122"/>
+            </a:endParaRPr>
           </a:p>
         </p:txBody>
       </p:sp>
@@ -12485,6 +12908,10 @@
               </a:rPr>
               <a:t>实际</a:t>
             </a:r>
+            <a:endParaRPr lang="zh-CN" sz="2400" dirty="0">
+              <a:latin typeface="黑体" panose="02010609060101010101" pitchFamily="49" charset="-122"/>
+              <a:ea typeface="黑体" panose="02010609060101010101" pitchFamily="49" charset="-122"/>
+            </a:endParaRPr>
           </a:p>
         </p:txBody>
       </p:sp>
@@ -12495,11 +12922,11 @@
   </p:clrMapOvr>
   <mc:AlternateContent xmlns:mc="http://schemas.openxmlformats.org/markup-compatibility/2006" xmlns:p159="http://schemas.microsoft.com/office/powerpoint/2015/09/main">
     <mc:Choice Requires="p159">
-      <p:transition>
+      <p:transition xmlns:p14="http://schemas.microsoft.com/office/powerpoint/2010/main">
         <p159:morph option="byObject"/>
       </p:transition>
     </mc:Choice>
-    <mc:Fallback xmlns="">
+    <mc:Fallback>
       <p:transition>
         <p:fade/>
       </p:transition>
@@ -12564,6 +12991,20 @@
               </a:rPr>
               <a:t>研究目的及意义</a:t>
             </a:r>
+            <a:endParaRPr lang="zh-CN" altLang="en-US" sz="3600" b="1" dirty="0">
+              <a:solidFill>
+                <a:schemeClr val="tx2"/>
+              </a:solidFill>
+              <a:effectLst>
+                <a:outerShdw blurRad="38100" dist="38100" dir="2700000" algn="tl">
+                  <a:srgbClr val="000000">
+                    <a:alpha val="43137"/>
+                  </a:srgbClr>
+                </a:outerShdw>
+              </a:effectLst>
+              <a:latin typeface="微软雅黑" panose="020B0503020204020204" pitchFamily="34" charset="-122"/>
+              <a:ea typeface="微软雅黑" panose="020B0503020204020204" pitchFamily="34" charset="-122"/>
+            </a:endParaRPr>
           </a:p>
         </p:txBody>
       </p:sp>
@@ -12595,7 +13036,6 @@
                 </a:solidFill>
                 <a:latin typeface="Cambria Math" panose="02040503050406030204" pitchFamily="18" charset="0"/>
               </a:rPr>
-              <a:t>7</a:t>
             </a:fld>
             <a:endParaRPr lang="zh-CN" altLang="en-US" sz="2000" dirty="0">
               <a:solidFill>
@@ -12615,7 +13055,7 @@
           <p:nvPr/>
         </p:nvPicPr>
         <p:blipFill>
-          <a:blip r:embed="rId2"/>
+          <a:blip r:embed="rId1"/>
           <a:srcRect l="68119" t="4351" b="13370"/>
           <a:stretch>
             <a:fillRect/>
@@ -12644,7 +13084,7 @@
           <p:nvPr/>
         </p:nvPicPr>
         <p:blipFill>
-          <a:blip r:embed="rId2"/>
+          <a:blip r:embed="rId1"/>
           <a:srcRect l="2602" r="61698" b="12440"/>
           <a:stretch>
             <a:fillRect/>
@@ -12690,6 +13130,7 @@
               <a:rPr lang="en-US" altLang="zh-CN" sz="4800" b="1"/>
               <a:t>&gt;</a:t>
             </a:r>
+            <a:endParaRPr lang="en-US" altLang="zh-CN" sz="4800" b="1"/>
           </a:p>
         </p:txBody>
       </p:sp>
@@ -12792,6 +13233,10 @@
               </a:rPr>
               <a:t>防护效果</a:t>
             </a:r>
+            <a:endParaRPr lang="zh-CN" altLang="en-US" sz="2400" dirty="0">
+              <a:latin typeface="黑体" panose="02010609060101010101" pitchFamily="49" charset="-122"/>
+              <a:ea typeface="黑体" panose="02010609060101010101" pitchFamily="49" charset="-122"/>
+            </a:endParaRPr>
           </a:p>
         </p:txBody>
       </p:sp>
@@ -12824,6 +13269,10 @@
               </a:rPr>
               <a:t>成本等</a:t>
             </a:r>
+            <a:endParaRPr lang="zh-CN" altLang="en-US" sz="2400" dirty="0">
+              <a:latin typeface="黑体" panose="02010609060101010101" pitchFamily="49" charset="-122"/>
+              <a:ea typeface="黑体" panose="02010609060101010101" pitchFamily="49" charset="-122"/>
+            </a:endParaRPr>
           </a:p>
         </p:txBody>
       </p:sp>
@@ -12857,6 +13306,10 @@
               </a:rPr>
               <a:t>平衡</a:t>
             </a:r>
+            <a:endParaRPr lang="zh-CN" altLang="en-US" sz="2400" dirty="0">
+              <a:latin typeface="黑体" panose="02010609060101010101" pitchFamily="49" charset="-122"/>
+              <a:ea typeface="黑体" panose="02010609060101010101" pitchFamily="49" charset="-122"/>
+            </a:endParaRPr>
           </a:p>
         </p:txBody>
       </p:sp>
@@ -12867,11 +13320,11 @@
   </p:clrMapOvr>
   <mc:AlternateContent xmlns:mc="http://schemas.openxmlformats.org/markup-compatibility/2006" xmlns:p159="http://schemas.microsoft.com/office/powerpoint/2015/09/main">
     <mc:Choice Requires="p159">
-      <p:transition>
+      <p:transition xmlns:p14="http://schemas.microsoft.com/office/powerpoint/2010/main">
         <p159:morph option="byObject"/>
       </p:transition>
     </mc:Choice>
-    <mc:Fallback xmlns="">
+    <mc:Fallback>
       <p:transition>
         <p:fade/>
       </p:transition>
@@ -13143,6 +13596,20 @@
               </a:rPr>
               <a:t>国内外研究现状的分析</a:t>
             </a:r>
+            <a:endParaRPr lang="zh-CN" altLang="en-US" sz="3600" b="1" dirty="0">
+              <a:solidFill>
+                <a:schemeClr val="tx2"/>
+              </a:solidFill>
+              <a:effectLst>
+                <a:outerShdw blurRad="38100" dist="38100" dir="2700000" algn="tl">
+                  <a:srgbClr val="000000">
+                    <a:alpha val="43137"/>
+                  </a:srgbClr>
+                </a:outerShdw>
+              </a:effectLst>
+              <a:latin typeface="微软雅黑" panose="020B0503020204020204" pitchFamily="34" charset="-122"/>
+              <a:ea typeface="微软雅黑" panose="020B0503020204020204" pitchFamily="34" charset="-122"/>
+            </a:endParaRPr>
           </a:p>
         </p:txBody>
       </p:sp>
@@ -13174,7 +13641,6 @@
                 </a:solidFill>
                 <a:latin typeface="Cambria Math" panose="02040503050406030204" pitchFamily="18" charset="0"/>
               </a:rPr>
-              <a:t>8</a:t>
             </a:fld>
             <a:endParaRPr lang="zh-CN" altLang="en-US" sz="2000" dirty="0">
               <a:solidFill>
@@ -13214,6 +13680,10 @@
               </a:rPr>
               <a:t>准直器几何结构对屏蔽后剂量率的影响</a:t>
             </a:r>
+            <a:endParaRPr lang="zh-CN" altLang="en-US" sz="2800" dirty="0">
+              <a:latin typeface="黑体" panose="02010609060101010101" pitchFamily="49" charset="-122"/>
+              <a:ea typeface="黑体" panose="02010609060101010101" pitchFamily="49" charset="-122"/>
+            </a:endParaRPr>
           </a:p>
         </p:txBody>
       </p:sp>
@@ -13253,12 +13723,40 @@
               </a:rPr>
               <a:t>王军成, 杨毓枢, 陈嘉浪,等. MCNP模拟研究γ射线散射对屏蔽检测结果的影响[J]. 科技视界, 2020, 000(007):202-205.</a:t>
             </a:r>
+            <a:endParaRPr lang="en-US" altLang="zh-CN" sz="1400">
+              <a:latin typeface="Times New Roman" panose="02020603050405020304" pitchFamily="18" charset="0"/>
+              <a:cs typeface="Times New Roman" panose="02020603050405020304" pitchFamily="18" charset="0"/>
+            </a:endParaRPr>
           </a:p>
         </p:txBody>
       </p:sp>
       <p:pic>
         <p:nvPicPr>
           <p:cNvPr id="4" name="图片 3" descr="Screenshot_20211103_211312"/>
+          <p:cNvPicPr>
+            <a:picLocks noChangeAspect="1"/>
+          </p:cNvPicPr>
+          <p:nvPr/>
+        </p:nvPicPr>
+        <p:blipFill>
+          <a:blip r:embed="rId1"/>
+          <a:stretch>
+            <a:fillRect/>
+          </a:stretch>
+        </p:blipFill>
+        <p:spPr>
+          <a:xfrm>
+            <a:off x="4211955" y="2132965"/>
+            <a:ext cx="4686300" cy="3681095"/>
+          </a:xfrm>
+          <a:prstGeom prst="rect">
+            <a:avLst/>
+          </a:prstGeom>
+        </p:spPr>
+      </p:pic>
+      <p:pic>
+        <p:nvPicPr>
+          <p:cNvPr id="5" name="图片 4"/>
           <p:cNvPicPr>
             <a:picLocks noChangeAspect="1"/>
           </p:cNvPicPr>
@@ -13272,30 +13770,6 @@
         </p:blipFill>
         <p:spPr>
           <a:xfrm>
-            <a:off x="4211955" y="2132965"/>
-            <a:ext cx="4686300" cy="3681095"/>
-          </a:xfrm>
-          <a:prstGeom prst="rect">
-            <a:avLst/>
-          </a:prstGeom>
-        </p:spPr>
-      </p:pic>
-      <p:pic>
-        <p:nvPicPr>
-          <p:cNvPr id="5" name="图片 4"/>
-          <p:cNvPicPr>
-            <a:picLocks noChangeAspect="1"/>
-          </p:cNvPicPr>
-          <p:nvPr/>
-        </p:nvPicPr>
-        <p:blipFill>
-          <a:blip r:embed="rId3"/>
-          <a:stretch>
-            <a:fillRect/>
-          </a:stretch>
-        </p:blipFill>
-        <p:spPr>
-          <a:xfrm>
             <a:off x="323850" y="2708910"/>
             <a:ext cx="3966210" cy="2459355"/>
           </a:xfrm>
@@ -13311,11 +13785,11 @@
   </p:clrMapOvr>
   <mc:AlternateContent xmlns:mc="http://schemas.openxmlformats.org/markup-compatibility/2006" xmlns:p159="http://schemas.microsoft.com/office/powerpoint/2015/09/main">
     <mc:Choice Requires="p159">
-      <p:transition>
+      <p:transition xmlns:p14="http://schemas.microsoft.com/office/powerpoint/2010/main">
         <p159:morph option="byObject"/>
       </p:transition>
     </mc:Choice>
-    <mc:Fallback xmlns="">
+    <mc:Fallback>
       <p:transition>
         <p:fade/>
       </p:transition>
@@ -13350,7 +13824,7 @@
           <p:nvPr/>
         </p:nvPicPr>
         <p:blipFill>
-          <a:blip r:embed="rId2"/>
+          <a:blip r:embed="rId1"/>
           <a:stretch>
             <a:fillRect/>
           </a:stretch>
@@ -13404,6 +13878,20 @@
               </a:rPr>
               <a:t>国内外研究现状的分析</a:t>
             </a:r>
+            <a:endParaRPr lang="zh-CN" altLang="en-US" sz="3600" b="1" dirty="0">
+              <a:solidFill>
+                <a:schemeClr val="tx2"/>
+              </a:solidFill>
+              <a:effectLst>
+                <a:outerShdw blurRad="38100" dist="38100" dir="2700000" algn="tl">
+                  <a:srgbClr val="000000">
+                    <a:alpha val="43137"/>
+                  </a:srgbClr>
+                </a:outerShdw>
+              </a:effectLst>
+              <a:latin typeface="微软雅黑" panose="020B0503020204020204" pitchFamily="34" charset="-122"/>
+              <a:ea typeface="微软雅黑" panose="020B0503020204020204" pitchFamily="34" charset="-122"/>
+            </a:endParaRPr>
           </a:p>
         </p:txBody>
       </p:sp>
@@ -13435,7 +13923,6 @@
                 </a:solidFill>
                 <a:latin typeface="Cambria Math" panose="02040503050406030204" pitchFamily="18" charset="0"/>
               </a:rPr>
-              <a:t>9</a:t>
             </a:fld>
             <a:endParaRPr lang="zh-CN" altLang="en-US" sz="2000" dirty="0">
               <a:solidFill>
@@ -13475,6 +13962,10 @@
               </a:rPr>
               <a:t>介质横向尺寸对累计因子的影响</a:t>
             </a:r>
+            <a:endParaRPr lang="zh-CN" altLang="en-US" sz="2400" dirty="0">
+              <a:latin typeface="黑体" panose="02010609060101010101" pitchFamily="49" charset="-122"/>
+              <a:ea typeface="黑体" panose="02010609060101010101" pitchFamily="49" charset="-122"/>
+            </a:endParaRPr>
           </a:p>
         </p:txBody>
       </p:sp>
@@ -13514,12 +14005,40 @@
               </a:rPr>
               <a:t>李华, 赵原, 刘立业,等. 介质尺寸对水中γ射线吸收剂量累积因子的影响[J]. 清华大学学报：自然科学版, 2017, 57(5):5.</a:t>
             </a:r>
+            <a:endParaRPr lang="en-US" altLang="zh-CN" sz="1600">
+              <a:latin typeface="Times New Roman" panose="02020603050405020304" pitchFamily="18" charset="0"/>
+              <a:cs typeface="Times New Roman" panose="02020603050405020304" pitchFamily="18" charset="0"/>
+            </a:endParaRPr>
           </a:p>
         </p:txBody>
       </p:sp>
       <p:pic>
         <p:nvPicPr>
           <p:cNvPr id="9" name="图片 8"/>
+          <p:cNvPicPr>
+            <a:picLocks noChangeAspect="1"/>
+          </p:cNvPicPr>
+          <p:nvPr/>
+        </p:nvPicPr>
+        <p:blipFill>
+          <a:blip r:embed="rId2"/>
+          <a:stretch>
+            <a:fillRect/>
+          </a:stretch>
+        </p:blipFill>
+        <p:spPr>
+          <a:xfrm>
+            <a:off x="611505" y="2420620"/>
+            <a:ext cx="3641090" cy="3070860"/>
+          </a:xfrm>
+          <a:prstGeom prst="rect">
+            <a:avLst/>
+          </a:prstGeom>
+        </p:spPr>
+      </p:pic>
+      <p:pic>
+        <p:nvPicPr>
+          <p:cNvPr id="10" name="图片 9"/>
           <p:cNvPicPr>
             <a:picLocks noChangeAspect="1"/>
           </p:cNvPicPr>
@@ -13533,30 +14052,6 @@
         </p:blipFill>
         <p:spPr>
           <a:xfrm>
-            <a:off x="611505" y="2420620"/>
-            <a:ext cx="3641090" cy="3070860"/>
-          </a:xfrm>
-          <a:prstGeom prst="rect">
-            <a:avLst/>
-          </a:prstGeom>
-        </p:spPr>
-      </p:pic>
-      <p:pic>
-        <p:nvPicPr>
-          <p:cNvPr id="10" name="图片 9"/>
-          <p:cNvPicPr>
-            <a:picLocks noChangeAspect="1"/>
-          </p:cNvPicPr>
-          <p:nvPr/>
-        </p:nvPicPr>
-        <p:blipFill>
-          <a:blip r:embed="rId4"/>
-          <a:stretch>
-            <a:fillRect/>
-          </a:stretch>
-        </p:blipFill>
-        <p:spPr>
-          <a:xfrm>
             <a:off x="4787900" y="2468880"/>
             <a:ext cx="3791585" cy="3022600"/>
           </a:xfrm>
@@ -13572,11 +14067,11 @@
   </p:clrMapOvr>
   <mc:AlternateContent xmlns:mc="http://schemas.openxmlformats.org/markup-compatibility/2006" xmlns:p159="http://schemas.microsoft.com/office/powerpoint/2015/09/main">
     <mc:Choice Requires="p159">
-      <p:transition>
+      <p:transition xmlns:p14="http://schemas.microsoft.com/office/powerpoint/2010/main">
         <p159:morph option="byObject"/>
       </p:transition>
     </mc:Choice>
-    <mc:Fallback xmlns="">
+    <mc:Fallback>
       <p:transition>
         <p:fade/>
       </p:transition>
@@ -13776,8 +14271,6 @@
       </a:bgFillStyleLst>
     </a:fmtScheme>
   </a:themeElements>
-  <a:objectDefaults/>
-  <a:extraClrSchemeLst/>
   <a:extLst>
     <a:ext uri="{05A4C25C-085E-4340-85A3-A5531E510DB2}">
       <thm15:themeFamily xmlns:thm15="http://schemas.microsoft.com/office/thememl/2012/main" name="Office Theme" id="{62F939B6-93AF-4DB8-9C6B-D6C7DFDC589F}" vid="{4A3C46E8-61CC-4603-A589-7422A47A8E4A}"/>
@@ -14066,8 +14559,6 @@
       </a:bgFillStyleLst>
     </a:fmtScheme>
   </a:themeElements>
-  <a:objectDefaults/>
-  <a:extraClrSchemeLst/>
   <a:extLst>
     <a:ext uri="{05A4C25C-085E-4340-85A3-A5531E510DB2}">
       <thm15:themeFamily xmlns:thm15="http://schemas.microsoft.com/office/thememl/2012/main" name="Office Theme" id="{62F939B6-93AF-4DB8-9C6B-D6C7DFDC589F}" vid="{4A3C46E8-61CC-4603-A589-7422A47A8E4A}"/>
